--- a/doc/CS1/Task11/Präsentation_CS1_Task11.pptx
+++ b/doc/CS1/Task11/Präsentation_CS1_Task11.pptx
@@ -5,13 +5,17 @@
     <p:sldMasterId id="2147483669" r:id="rId4"/>
   </p:sldMasterIdLst>
   <p:notesMasterIdLst>
-    <p:notesMasterId r:id="rId9"/>
+    <p:notesMasterId r:id="rId13"/>
   </p:notesMasterIdLst>
   <p:sldIdLst>
     <p:sldId id="256" r:id="rId5"/>
     <p:sldId id="258" r:id="rId6"/>
     <p:sldId id="261" r:id="rId7"/>
-    <p:sldId id="259" r:id="rId8"/>
+    <p:sldId id="265" r:id="rId8"/>
+    <p:sldId id="262" r:id="rId9"/>
+    <p:sldId id="264" r:id="rId10"/>
+    <p:sldId id="263" r:id="rId11"/>
+    <p:sldId id="259" r:id="rId12"/>
   </p:sldIdLst>
   <p:sldSz cx="12207875" cy="6858000"/>
   <p:notesSz cx="6797675" cy="9872663"/>
@@ -157,6 +161,1243 @@
     </p:ext>
   </p:extLst>
 </p:presentation>
+</file>
+
+<file path=ppt/charts/chart1.xml><?xml version="1.0" encoding="utf-8"?>
+<c:chartSpace xmlns:c="http://schemas.openxmlformats.org/drawingml/2006/chart" xmlns:a="http://schemas.openxmlformats.org/drawingml/2006/main" xmlns:r="http://schemas.openxmlformats.org/officeDocument/2006/relationships" xmlns:c16r2="http://schemas.microsoft.com/office/drawing/2015/06/chart">
+  <c:date1904 val="0"/>
+  <c:lang val="en-US"/>
+  <c:roundedCorners val="0"/>
+  <mc:AlternateContent xmlns:mc="http://schemas.openxmlformats.org/markup-compatibility/2006">
+    <mc:Choice xmlns:c14="http://schemas.microsoft.com/office/drawing/2007/8/2/chart" Requires="c14">
+      <c14:style val="102"/>
+    </mc:Choice>
+    <mc:Fallback>
+      <c:style val="2"/>
+    </mc:Fallback>
+  </mc:AlternateContent>
+  <c:chart>
+    <c:title>
+      <c:tx>
+        <c:rich>
+          <a:bodyPr rot="0" spcFirstLastPara="1" vertOverflow="ellipsis" vert="horz" wrap="square" anchor="ctr" anchorCtr="1"/>
+          <a:lstStyle/>
+          <a:p>
+            <a:pPr>
+              <a:defRPr sz="1400" b="0" i="0" u="none" strike="noStrike" kern="1200" spc="0" baseline="0">
+                <a:solidFill>
+                  <a:schemeClr val="tx1">
+                    <a:lumMod val="65000"/>
+                    <a:lumOff val="35000"/>
+                  </a:schemeClr>
+                </a:solidFill>
+                <a:latin typeface="+mn-lt"/>
+                <a:ea typeface="+mn-ea"/>
+                <a:cs typeface="+mn-cs"/>
+              </a:defRPr>
+            </a:pPr>
+            <a:r>
+              <a:rPr lang="en-GB"/>
+              <a:t>burndown-chart, blue</a:t>
+            </a:r>
+          </a:p>
+        </c:rich>
+      </c:tx>
+      <c:overlay val="0"/>
+      <c:spPr>
+        <a:noFill/>
+        <a:ln>
+          <a:noFill/>
+        </a:ln>
+        <a:effectLst/>
+      </c:spPr>
+      <c:txPr>
+        <a:bodyPr rot="0" spcFirstLastPara="1" vertOverflow="ellipsis" vert="horz" wrap="square" anchor="ctr" anchorCtr="1"/>
+        <a:lstStyle/>
+        <a:p>
+          <a:pPr>
+            <a:defRPr sz="1400" b="0" i="0" u="none" strike="noStrike" kern="1200" spc="0" baseline="0">
+              <a:solidFill>
+                <a:schemeClr val="tx1">
+                  <a:lumMod val="65000"/>
+                  <a:lumOff val="35000"/>
+                </a:schemeClr>
+              </a:solidFill>
+              <a:latin typeface="+mn-lt"/>
+              <a:ea typeface="+mn-ea"/>
+              <a:cs typeface="+mn-cs"/>
+            </a:defRPr>
+          </a:pPr>
+          <a:endParaRPr lang="en-US"/>
+        </a:p>
+      </c:txPr>
+    </c:title>
+    <c:autoTitleDeleted val="0"/>
+    <c:plotArea>
+      <c:layout/>
+      <c:lineChart>
+        <c:grouping val="standard"/>
+        <c:varyColors val="0"/>
+        <c:ser>
+          <c:idx val="1"/>
+          <c:order val="0"/>
+          <c:tx>
+            <c:v>Rmaining Effort</c:v>
+          </c:tx>
+          <c:spPr>
+            <a:ln w="28575" cap="rnd">
+              <a:solidFill>
+                <a:schemeClr val="accent2"/>
+              </a:solidFill>
+              <a:round/>
+            </a:ln>
+            <a:effectLst/>
+          </c:spPr>
+          <c:marker>
+            <c:symbol val="none"/>
+          </c:marker>
+          <c:dLbls>
+            <c:spPr>
+              <a:noFill/>
+              <a:ln>
+                <a:noFill/>
+              </a:ln>
+              <a:effectLst/>
+            </c:spPr>
+            <c:txPr>
+              <a:bodyPr rot="0" spcFirstLastPara="1" vertOverflow="ellipsis" vert="horz" wrap="square" lIns="38100" tIns="19050" rIns="38100" bIns="19050" anchor="ctr" anchorCtr="1">
+                <a:spAutoFit/>
+              </a:bodyPr>
+              <a:lstStyle/>
+              <a:p>
+                <a:pPr>
+                  <a:defRPr sz="900" b="0" i="0" u="none" strike="noStrike" kern="1200" baseline="0">
+                    <a:solidFill>
+                      <a:schemeClr val="tx1">
+                        <a:lumMod val="75000"/>
+                        <a:lumOff val="25000"/>
+                      </a:schemeClr>
+                    </a:solidFill>
+                    <a:latin typeface="+mn-lt"/>
+                    <a:ea typeface="+mn-ea"/>
+                    <a:cs typeface="+mn-cs"/>
+                  </a:defRPr>
+                </a:pPr>
+                <a:endParaRPr lang="en-US"/>
+              </a:p>
+            </c:txPr>
+            <c:dLblPos val="ctr"/>
+            <c:showLegendKey val="0"/>
+            <c:showVal val="1"/>
+            <c:showCatName val="0"/>
+            <c:showSerName val="0"/>
+            <c:showPercent val="0"/>
+            <c:showBubbleSize val="0"/>
+            <c:showLeaderLines val="0"/>
+            <c:extLst>
+              <c:ext xmlns:c15="http://schemas.microsoft.com/office/drawing/2012/chart" uri="{CE6537A1-D6FC-4f65-9D91-7224C49458BB}">
+                <c15:showLeaderLines val="1"/>
+                <c15:leaderLines>
+                  <c:spPr>
+                    <a:ln w="9525" cap="flat" cmpd="sng" algn="ctr">
+                      <a:solidFill>
+                        <a:schemeClr val="tx1">
+                          <a:lumMod val="35000"/>
+                          <a:lumOff val="65000"/>
+                        </a:schemeClr>
+                      </a:solidFill>
+                      <a:round/>
+                    </a:ln>
+                    <a:effectLst/>
+                  </c:spPr>
+                </c15:leaderLines>
+              </c:ext>
+            </c:extLst>
+          </c:dLbls>
+          <c:cat>
+            <c:numRef>
+              <c:f>BurndownChart!$B$3:$B$9</c:f>
+              <c:numCache>
+                <c:formatCode>General</c:formatCode>
+                <c:ptCount val="7"/>
+                <c:pt idx="0">
+                  <c:v>48</c:v>
+                </c:pt>
+                <c:pt idx="1">
+                  <c:v>49</c:v>
+                </c:pt>
+                <c:pt idx="2">
+                  <c:v>50</c:v>
+                </c:pt>
+                <c:pt idx="3">
+                  <c:v>51</c:v>
+                </c:pt>
+                <c:pt idx="4">
+                  <c:v>2</c:v>
+                </c:pt>
+                <c:pt idx="5">
+                  <c:v>3</c:v>
+                </c:pt>
+                <c:pt idx="6">
+                  <c:v>4</c:v>
+                </c:pt>
+              </c:numCache>
+            </c:numRef>
+          </c:cat>
+          <c:val>
+            <c:numRef>
+              <c:f>BurndownChart!$C$3:$C$10</c:f>
+              <c:numCache>
+                <c:formatCode>General</c:formatCode>
+                <c:ptCount val="8"/>
+                <c:pt idx="0">
+                  <c:v>210</c:v>
+                </c:pt>
+                <c:pt idx="1">
+                  <c:v>178</c:v>
+                </c:pt>
+                <c:pt idx="6">
+                  <c:v>0</c:v>
+                </c:pt>
+              </c:numCache>
+            </c:numRef>
+          </c:val>
+          <c:smooth val="0"/>
+          <c:extLst>
+            <c:ext xmlns:c16="http://schemas.microsoft.com/office/drawing/2014/chart" uri="{C3380CC4-5D6E-409C-BE32-E72D297353CC}">
+              <c16:uniqueId val="{00000000-D45A-4908-A40A-48AF744F6942}"/>
+            </c:ext>
+          </c:extLst>
+        </c:ser>
+        <c:ser>
+          <c:idx val="0"/>
+          <c:order val="1"/>
+          <c:tx>
+            <c:v>Remaining Ressources</c:v>
+          </c:tx>
+          <c:spPr>
+            <a:ln w="28575" cap="rnd">
+              <a:solidFill>
+                <a:schemeClr val="accent1"/>
+              </a:solidFill>
+              <a:round/>
+            </a:ln>
+            <a:effectLst/>
+          </c:spPr>
+          <c:marker>
+            <c:symbol val="none"/>
+          </c:marker>
+          <c:dLbls>
+            <c:spPr>
+              <a:noFill/>
+              <a:ln>
+                <a:noFill/>
+              </a:ln>
+              <a:effectLst/>
+            </c:spPr>
+            <c:txPr>
+              <a:bodyPr rot="0" spcFirstLastPara="1" vertOverflow="ellipsis" vert="horz" wrap="square" lIns="38100" tIns="19050" rIns="38100" bIns="19050" anchor="ctr" anchorCtr="1">
+                <a:spAutoFit/>
+              </a:bodyPr>
+              <a:lstStyle/>
+              <a:p>
+                <a:pPr>
+                  <a:defRPr sz="900" b="0" i="0" u="none" strike="noStrike" kern="1200" baseline="0">
+                    <a:solidFill>
+                      <a:schemeClr val="tx1">
+                        <a:lumMod val="75000"/>
+                        <a:lumOff val="25000"/>
+                      </a:schemeClr>
+                    </a:solidFill>
+                    <a:latin typeface="+mn-lt"/>
+                    <a:ea typeface="+mn-ea"/>
+                    <a:cs typeface="+mn-cs"/>
+                  </a:defRPr>
+                </a:pPr>
+                <a:endParaRPr lang="en-US"/>
+              </a:p>
+            </c:txPr>
+            <c:dLblPos val="ctr"/>
+            <c:showLegendKey val="0"/>
+            <c:showVal val="1"/>
+            <c:showCatName val="0"/>
+            <c:showSerName val="0"/>
+            <c:showPercent val="0"/>
+            <c:showBubbleSize val="0"/>
+            <c:showLeaderLines val="0"/>
+            <c:extLst>
+              <c:ext xmlns:c15="http://schemas.microsoft.com/office/drawing/2012/chart" uri="{CE6537A1-D6FC-4f65-9D91-7224C49458BB}">
+                <c15:showLeaderLines val="1"/>
+                <c15:leaderLines>
+                  <c:spPr>
+                    <a:ln w="9525" cap="flat" cmpd="sng" algn="ctr">
+                      <a:solidFill>
+                        <a:schemeClr val="tx1">
+                          <a:lumMod val="35000"/>
+                          <a:lumOff val="65000"/>
+                        </a:schemeClr>
+                      </a:solidFill>
+                      <a:round/>
+                    </a:ln>
+                    <a:effectLst/>
+                  </c:spPr>
+                </c15:leaderLines>
+              </c:ext>
+            </c:extLst>
+          </c:dLbls>
+          <c:cat>
+            <c:numRef>
+              <c:f>BurndownChart!$B$3:$B$9</c:f>
+              <c:numCache>
+                <c:formatCode>General</c:formatCode>
+                <c:ptCount val="7"/>
+                <c:pt idx="0">
+                  <c:v>48</c:v>
+                </c:pt>
+                <c:pt idx="1">
+                  <c:v>49</c:v>
+                </c:pt>
+                <c:pt idx="2">
+                  <c:v>50</c:v>
+                </c:pt>
+                <c:pt idx="3">
+                  <c:v>51</c:v>
+                </c:pt>
+                <c:pt idx="4">
+                  <c:v>2</c:v>
+                </c:pt>
+                <c:pt idx="5">
+                  <c:v>3</c:v>
+                </c:pt>
+                <c:pt idx="6">
+                  <c:v>4</c:v>
+                </c:pt>
+              </c:numCache>
+            </c:numRef>
+          </c:cat>
+          <c:val>
+            <c:numRef>
+              <c:f>BurndownChart!$D$3:$D$10</c:f>
+              <c:numCache>
+                <c:formatCode>General</c:formatCode>
+                <c:ptCount val="8"/>
+                <c:pt idx="0">
+                  <c:v>210</c:v>
+                </c:pt>
+                <c:pt idx="1">
+                  <c:v>168</c:v>
+                </c:pt>
+                <c:pt idx="2">
+                  <c:v>126</c:v>
+                </c:pt>
+                <c:pt idx="3">
+                  <c:v>84</c:v>
+                </c:pt>
+                <c:pt idx="4">
+                  <c:v>42</c:v>
+                </c:pt>
+                <c:pt idx="5">
+                  <c:v>0</c:v>
+                </c:pt>
+              </c:numCache>
+            </c:numRef>
+          </c:val>
+          <c:smooth val="0"/>
+          <c:extLst>
+            <c:ext xmlns:c16="http://schemas.microsoft.com/office/drawing/2014/chart" uri="{C3380CC4-5D6E-409C-BE32-E72D297353CC}">
+              <c16:uniqueId val="{00000001-D45A-4908-A40A-48AF744F6942}"/>
+            </c:ext>
+          </c:extLst>
+        </c:ser>
+        <c:dLbls>
+          <c:dLblPos val="ctr"/>
+          <c:showLegendKey val="0"/>
+          <c:showVal val="1"/>
+          <c:showCatName val="0"/>
+          <c:showSerName val="0"/>
+          <c:showPercent val="0"/>
+          <c:showBubbleSize val="0"/>
+        </c:dLbls>
+        <c:smooth val="0"/>
+        <c:axId val="549207312"/>
+        <c:axId val="549207640"/>
+      </c:lineChart>
+      <c:catAx>
+        <c:axId val="549207312"/>
+        <c:scaling>
+          <c:orientation val="minMax"/>
+        </c:scaling>
+        <c:delete val="0"/>
+        <c:axPos val="b"/>
+        <c:title>
+          <c:tx>
+            <c:rich>
+              <a:bodyPr rot="0" spcFirstLastPara="1" vertOverflow="ellipsis" vert="horz" wrap="square" anchor="ctr" anchorCtr="1"/>
+              <a:lstStyle/>
+              <a:p>
+                <a:pPr>
+                  <a:defRPr sz="1000" b="0" i="0" u="none" strike="noStrike" kern="1200" baseline="0">
+                    <a:solidFill>
+                      <a:schemeClr val="tx1">
+                        <a:lumMod val="65000"/>
+                        <a:lumOff val="35000"/>
+                      </a:schemeClr>
+                    </a:solidFill>
+                    <a:latin typeface="+mn-lt"/>
+                    <a:ea typeface="+mn-ea"/>
+                    <a:cs typeface="+mn-cs"/>
+                  </a:defRPr>
+                </a:pPr>
+                <a:r>
+                  <a:rPr lang="en-GB"/>
+                  <a:t>calendar weeks</a:t>
+                </a:r>
+              </a:p>
+            </c:rich>
+          </c:tx>
+          <c:overlay val="0"/>
+          <c:spPr>
+            <a:noFill/>
+            <a:ln>
+              <a:noFill/>
+            </a:ln>
+            <a:effectLst/>
+          </c:spPr>
+          <c:txPr>
+            <a:bodyPr rot="0" spcFirstLastPara="1" vertOverflow="ellipsis" vert="horz" wrap="square" anchor="ctr" anchorCtr="1"/>
+            <a:lstStyle/>
+            <a:p>
+              <a:pPr>
+                <a:defRPr sz="1000" b="0" i="0" u="none" strike="noStrike" kern="1200" baseline="0">
+                  <a:solidFill>
+                    <a:schemeClr val="tx1">
+                      <a:lumMod val="65000"/>
+                      <a:lumOff val="35000"/>
+                    </a:schemeClr>
+                  </a:solidFill>
+                  <a:latin typeface="+mn-lt"/>
+                  <a:ea typeface="+mn-ea"/>
+                  <a:cs typeface="+mn-cs"/>
+                </a:defRPr>
+              </a:pPr>
+              <a:endParaRPr lang="en-US"/>
+            </a:p>
+          </c:txPr>
+        </c:title>
+        <c:numFmt formatCode="General" sourceLinked="1"/>
+        <c:majorTickMark val="none"/>
+        <c:minorTickMark val="none"/>
+        <c:tickLblPos val="nextTo"/>
+        <c:spPr>
+          <a:noFill/>
+          <a:ln w="9525" cap="flat" cmpd="sng" algn="ctr">
+            <a:solidFill>
+              <a:schemeClr val="tx1">
+                <a:lumMod val="15000"/>
+                <a:lumOff val="85000"/>
+              </a:schemeClr>
+            </a:solidFill>
+            <a:round/>
+          </a:ln>
+          <a:effectLst/>
+        </c:spPr>
+        <c:txPr>
+          <a:bodyPr rot="-60000000" spcFirstLastPara="1" vertOverflow="ellipsis" vert="horz" wrap="square" anchor="ctr" anchorCtr="1"/>
+          <a:lstStyle/>
+          <a:p>
+            <a:pPr>
+              <a:defRPr sz="900" b="0" i="0" u="none" strike="noStrike" kern="1200" baseline="0">
+                <a:solidFill>
+                  <a:schemeClr val="tx1">
+                    <a:lumMod val="65000"/>
+                    <a:lumOff val="35000"/>
+                  </a:schemeClr>
+                </a:solidFill>
+                <a:latin typeface="+mn-lt"/>
+                <a:ea typeface="+mn-ea"/>
+                <a:cs typeface="+mn-cs"/>
+              </a:defRPr>
+            </a:pPr>
+            <a:endParaRPr lang="en-US"/>
+          </a:p>
+        </c:txPr>
+        <c:crossAx val="549207640"/>
+        <c:crosses val="autoZero"/>
+        <c:auto val="1"/>
+        <c:lblAlgn val="ctr"/>
+        <c:lblOffset val="100"/>
+        <c:noMultiLvlLbl val="0"/>
+      </c:catAx>
+      <c:valAx>
+        <c:axId val="549207640"/>
+        <c:scaling>
+          <c:orientation val="minMax"/>
+        </c:scaling>
+        <c:delete val="0"/>
+        <c:axPos val="l"/>
+        <c:majorGridlines>
+          <c:spPr>
+            <a:ln w="9525" cap="flat" cmpd="sng" algn="ctr">
+              <a:solidFill>
+                <a:schemeClr val="tx1">
+                  <a:lumMod val="15000"/>
+                  <a:lumOff val="85000"/>
+                </a:schemeClr>
+              </a:solidFill>
+              <a:round/>
+            </a:ln>
+            <a:effectLst/>
+          </c:spPr>
+        </c:majorGridlines>
+        <c:title>
+          <c:tx>
+            <c:rich>
+              <a:bodyPr rot="-5400000" spcFirstLastPara="1" vertOverflow="ellipsis" vert="horz" wrap="square" anchor="ctr" anchorCtr="1"/>
+              <a:lstStyle/>
+              <a:p>
+                <a:pPr>
+                  <a:defRPr sz="1000" b="0" i="0" u="none" strike="noStrike" kern="1200" baseline="0">
+                    <a:solidFill>
+                      <a:schemeClr val="tx1">
+                        <a:lumMod val="65000"/>
+                        <a:lumOff val="35000"/>
+                      </a:schemeClr>
+                    </a:solidFill>
+                    <a:latin typeface="+mn-lt"/>
+                    <a:ea typeface="+mn-ea"/>
+                    <a:cs typeface="+mn-cs"/>
+                  </a:defRPr>
+                </a:pPr>
+                <a:r>
+                  <a:rPr lang="en-GB"/>
+                  <a:t>Working hours</a:t>
+                </a:r>
+              </a:p>
+            </c:rich>
+          </c:tx>
+          <c:overlay val="0"/>
+          <c:spPr>
+            <a:noFill/>
+            <a:ln>
+              <a:noFill/>
+            </a:ln>
+            <a:effectLst/>
+          </c:spPr>
+          <c:txPr>
+            <a:bodyPr rot="-5400000" spcFirstLastPara="1" vertOverflow="ellipsis" vert="horz" wrap="square" anchor="ctr" anchorCtr="1"/>
+            <a:lstStyle/>
+            <a:p>
+              <a:pPr>
+                <a:defRPr sz="1000" b="0" i="0" u="none" strike="noStrike" kern="1200" baseline="0">
+                  <a:solidFill>
+                    <a:schemeClr val="tx1">
+                      <a:lumMod val="65000"/>
+                      <a:lumOff val="35000"/>
+                    </a:schemeClr>
+                  </a:solidFill>
+                  <a:latin typeface="+mn-lt"/>
+                  <a:ea typeface="+mn-ea"/>
+                  <a:cs typeface="+mn-cs"/>
+                </a:defRPr>
+              </a:pPr>
+              <a:endParaRPr lang="en-US"/>
+            </a:p>
+          </c:txPr>
+        </c:title>
+        <c:numFmt formatCode="General" sourceLinked="1"/>
+        <c:majorTickMark val="none"/>
+        <c:minorTickMark val="none"/>
+        <c:tickLblPos val="nextTo"/>
+        <c:spPr>
+          <a:noFill/>
+          <a:ln>
+            <a:noFill/>
+          </a:ln>
+          <a:effectLst/>
+        </c:spPr>
+        <c:txPr>
+          <a:bodyPr rot="-60000000" spcFirstLastPara="1" vertOverflow="ellipsis" vert="horz" wrap="square" anchor="ctr" anchorCtr="1"/>
+          <a:lstStyle/>
+          <a:p>
+            <a:pPr>
+              <a:defRPr sz="900" b="0" i="0" u="none" strike="noStrike" kern="1200" baseline="0">
+                <a:solidFill>
+                  <a:schemeClr val="tx1">
+                    <a:lumMod val="65000"/>
+                    <a:lumOff val="35000"/>
+                  </a:schemeClr>
+                </a:solidFill>
+                <a:latin typeface="+mn-lt"/>
+                <a:ea typeface="+mn-ea"/>
+                <a:cs typeface="+mn-cs"/>
+              </a:defRPr>
+            </a:pPr>
+            <a:endParaRPr lang="en-US"/>
+          </a:p>
+        </c:txPr>
+        <c:crossAx val="549207312"/>
+        <c:crosses val="autoZero"/>
+        <c:crossBetween val="between"/>
+      </c:valAx>
+      <c:dTable>
+        <c:showHorzBorder val="1"/>
+        <c:showVertBorder val="1"/>
+        <c:showOutline val="1"/>
+        <c:showKeys val="1"/>
+        <c:spPr>
+          <a:noFill/>
+          <a:ln w="9525" cap="flat" cmpd="sng" algn="ctr">
+            <a:solidFill>
+              <a:schemeClr val="tx1">
+                <a:lumMod val="15000"/>
+                <a:lumOff val="85000"/>
+              </a:schemeClr>
+            </a:solidFill>
+            <a:round/>
+          </a:ln>
+          <a:effectLst/>
+        </c:spPr>
+        <c:txPr>
+          <a:bodyPr rot="0" spcFirstLastPara="1" vertOverflow="ellipsis" vert="horz" wrap="square" anchor="ctr" anchorCtr="1"/>
+          <a:lstStyle/>
+          <a:p>
+            <a:pPr rtl="0">
+              <a:defRPr sz="900" b="0" i="0" u="none" strike="noStrike" kern="1200" baseline="0">
+                <a:solidFill>
+                  <a:schemeClr val="tx1">
+                    <a:lumMod val="65000"/>
+                    <a:lumOff val="35000"/>
+                  </a:schemeClr>
+                </a:solidFill>
+                <a:latin typeface="+mn-lt"/>
+                <a:ea typeface="+mn-ea"/>
+                <a:cs typeface="+mn-cs"/>
+              </a:defRPr>
+            </a:pPr>
+            <a:endParaRPr lang="en-US"/>
+          </a:p>
+        </c:txPr>
+      </c:dTable>
+      <c:spPr>
+        <a:noFill/>
+        <a:ln>
+          <a:noFill/>
+        </a:ln>
+        <a:effectLst/>
+      </c:spPr>
+    </c:plotArea>
+    <c:legend>
+      <c:legendPos val="b"/>
+      <c:overlay val="0"/>
+      <c:spPr>
+        <a:noFill/>
+        <a:ln>
+          <a:noFill/>
+        </a:ln>
+        <a:effectLst/>
+      </c:spPr>
+      <c:txPr>
+        <a:bodyPr rot="0" spcFirstLastPara="1" vertOverflow="ellipsis" vert="horz" wrap="square" anchor="ctr" anchorCtr="1"/>
+        <a:lstStyle/>
+        <a:p>
+          <a:pPr>
+            <a:defRPr sz="900" b="0" i="0" u="none" strike="noStrike" kern="1200" baseline="0">
+              <a:solidFill>
+                <a:schemeClr val="tx1">
+                  <a:lumMod val="65000"/>
+                  <a:lumOff val="35000"/>
+                </a:schemeClr>
+              </a:solidFill>
+              <a:latin typeface="+mn-lt"/>
+              <a:ea typeface="+mn-ea"/>
+              <a:cs typeface="+mn-cs"/>
+            </a:defRPr>
+          </a:pPr>
+          <a:endParaRPr lang="en-US"/>
+        </a:p>
+      </c:txPr>
+    </c:legend>
+    <c:plotVisOnly val="1"/>
+    <c:dispBlanksAs val="gap"/>
+    <c:showDLblsOverMax val="0"/>
+  </c:chart>
+  <c:spPr>
+    <a:noFill/>
+    <a:ln>
+      <a:noFill/>
+    </a:ln>
+    <a:effectLst/>
+  </c:spPr>
+  <c:txPr>
+    <a:bodyPr/>
+    <a:lstStyle/>
+    <a:p>
+      <a:pPr>
+        <a:defRPr/>
+      </a:pPr>
+      <a:endParaRPr lang="en-US"/>
+    </a:p>
+  </c:txPr>
+  <c:externalData r:id="rId3">
+    <c:autoUpdate val="0"/>
+  </c:externalData>
+</c:chartSpace>
+</file>
+
+<file path=ppt/charts/colors1.xml><?xml version="1.0" encoding="utf-8"?>
+<cs:colorStyle xmlns:cs="http://schemas.microsoft.com/office/drawing/2012/chartStyle" xmlns:a="http://schemas.openxmlformats.org/drawingml/2006/main" meth="cycle" id="10">
+  <a:schemeClr val="accent1"/>
+  <a:schemeClr val="accent2"/>
+  <a:schemeClr val="accent3"/>
+  <a:schemeClr val="accent4"/>
+  <a:schemeClr val="accent5"/>
+  <a:schemeClr val="accent6"/>
+  <cs:variation/>
+  <cs:variation>
+    <a:lumMod val="60000"/>
+  </cs:variation>
+  <cs:variation>
+    <a:lumMod val="80000"/>
+    <a:lumOff val="20000"/>
+  </cs:variation>
+  <cs:variation>
+    <a:lumMod val="80000"/>
+  </cs:variation>
+  <cs:variation>
+    <a:lumMod val="60000"/>
+    <a:lumOff val="40000"/>
+  </cs:variation>
+  <cs:variation>
+    <a:lumMod val="50000"/>
+  </cs:variation>
+  <cs:variation>
+    <a:lumMod val="70000"/>
+    <a:lumOff val="30000"/>
+  </cs:variation>
+  <cs:variation>
+    <a:lumMod val="70000"/>
+  </cs:variation>
+  <cs:variation>
+    <a:lumMod val="50000"/>
+    <a:lumOff val="50000"/>
+  </cs:variation>
+</cs:colorStyle>
+</file>
+
+<file path=ppt/charts/style1.xml><?xml version="1.0" encoding="utf-8"?>
+<cs:chartStyle xmlns:cs="http://schemas.microsoft.com/office/drawing/2012/chartStyle" xmlns:a="http://schemas.openxmlformats.org/drawingml/2006/main" id="227">
+  <cs:axisTitle>
+    <cs:lnRef idx="0"/>
+    <cs:fillRef idx="0"/>
+    <cs:effectRef idx="0"/>
+    <cs:fontRef idx="minor">
+      <a:schemeClr val="tx1">
+        <a:lumMod val="65000"/>
+        <a:lumOff val="35000"/>
+      </a:schemeClr>
+    </cs:fontRef>
+    <cs:defRPr sz="1000" kern="1200"/>
+  </cs:axisTitle>
+  <cs:categoryAxis>
+    <cs:lnRef idx="0"/>
+    <cs:fillRef idx="0"/>
+    <cs:effectRef idx="0"/>
+    <cs:fontRef idx="minor">
+      <a:schemeClr val="tx1">
+        <a:lumMod val="65000"/>
+        <a:lumOff val="35000"/>
+      </a:schemeClr>
+    </cs:fontRef>
+    <cs:spPr>
+      <a:ln w="9525" cap="flat" cmpd="sng" algn="ctr">
+        <a:solidFill>
+          <a:schemeClr val="tx1">
+            <a:lumMod val="15000"/>
+            <a:lumOff val="85000"/>
+          </a:schemeClr>
+        </a:solidFill>
+        <a:round/>
+      </a:ln>
+    </cs:spPr>
+    <cs:defRPr sz="900" kern="1200"/>
+  </cs:categoryAxis>
+  <cs:chartArea mods="allowNoFillOverride allowNoLineOverride">
+    <cs:lnRef idx="0"/>
+    <cs:fillRef idx="0"/>
+    <cs:effectRef idx="0"/>
+    <cs:fontRef idx="minor">
+      <a:schemeClr val="tx1"/>
+    </cs:fontRef>
+    <cs:spPr>
+      <a:solidFill>
+        <a:schemeClr val="bg1"/>
+      </a:solidFill>
+      <a:ln w="9525" cap="flat" cmpd="sng" algn="ctr">
+        <a:solidFill>
+          <a:schemeClr val="tx1">
+            <a:lumMod val="15000"/>
+            <a:lumOff val="85000"/>
+          </a:schemeClr>
+        </a:solidFill>
+        <a:round/>
+      </a:ln>
+    </cs:spPr>
+    <cs:defRPr sz="1000" kern="1200"/>
+  </cs:chartArea>
+  <cs:dataLabel>
+    <cs:lnRef idx="0"/>
+    <cs:fillRef idx="0"/>
+    <cs:effectRef idx="0"/>
+    <cs:fontRef idx="minor">
+      <a:schemeClr val="tx1">
+        <a:lumMod val="75000"/>
+        <a:lumOff val="25000"/>
+      </a:schemeClr>
+    </cs:fontRef>
+    <cs:defRPr sz="900" kern="1200"/>
+  </cs:dataLabel>
+  <cs:dataLabelCallout>
+    <cs:lnRef idx="0"/>
+    <cs:fillRef idx="0"/>
+    <cs:effectRef idx="0"/>
+    <cs:fontRef idx="minor">
+      <a:schemeClr val="dk1">
+        <a:lumMod val="65000"/>
+        <a:lumOff val="35000"/>
+      </a:schemeClr>
+    </cs:fontRef>
+    <cs:spPr>
+      <a:solidFill>
+        <a:schemeClr val="lt1"/>
+      </a:solidFill>
+      <a:ln>
+        <a:solidFill>
+          <a:schemeClr val="dk1">
+            <a:lumMod val="25000"/>
+            <a:lumOff val="75000"/>
+          </a:schemeClr>
+        </a:solidFill>
+      </a:ln>
+    </cs:spPr>
+    <cs:defRPr sz="900" kern="1200"/>
+    <cs:bodyPr rot="0" spcFirstLastPara="1" vertOverflow="clip" horzOverflow="clip" vert="horz" wrap="square" lIns="36576" tIns="18288" rIns="36576" bIns="18288" anchor="ctr" anchorCtr="1">
+      <a:spAutoFit/>
+    </cs:bodyPr>
+  </cs:dataLabelCallout>
+  <cs:dataPoint>
+    <cs:lnRef idx="0"/>
+    <cs:fillRef idx="1">
+      <cs:styleClr val="auto"/>
+    </cs:fillRef>
+    <cs:effectRef idx="0"/>
+    <cs:fontRef idx="minor">
+      <a:schemeClr val="tx1"/>
+    </cs:fontRef>
+    <cs:spPr>
+      <a:solidFill>
+        <a:schemeClr val="phClr"/>
+      </a:solidFill>
+    </cs:spPr>
+  </cs:dataPoint>
+  <cs:dataPoint3D>
+    <cs:lnRef idx="0"/>
+    <cs:fillRef idx="1">
+      <cs:styleClr val="auto"/>
+    </cs:fillRef>
+    <cs:effectRef idx="0"/>
+    <cs:fontRef idx="minor">
+      <a:schemeClr val="tx1"/>
+    </cs:fontRef>
+    <cs:spPr>
+      <a:solidFill>
+        <a:schemeClr val="phClr"/>
+      </a:solidFill>
+    </cs:spPr>
+  </cs:dataPoint3D>
+  <cs:dataPointLine>
+    <cs:lnRef idx="0">
+      <cs:styleClr val="auto"/>
+    </cs:lnRef>
+    <cs:fillRef idx="1"/>
+    <cs:effectRef idx="0"/>
+    <cs:fontRef idx="minor">
+      <a:schemeClr val="tx1"/>
+    </cs:fontRef>
+    <cs:spPr>
+      <a:ln w="28575" cap="rnd">
+        <a:solidFill>
+          <a:schemeClr val="phClr"/>
+        </a:solidFill>
+        <a:round/>
+      </a:ln>
+    </cs:spPr>
+  </cs:dataPointLine>
+  <cs:dataPointMarker>
+    <cs:lnRef idx="0">
+      <cs:styleClr val="auto"/>
+    </cs:lnRef>
+    <cs:fillRef idx="1">
+      <cs:styleClr val="auto"/>
+    </cs:fillRef>
+    <cs:effectRef idx="0"/>
+    <cs:fontRef idx="minor">
+      <a:schemeClr val="tx1"/>
+    </cs:fontRef>
+    <cs:spPr>
+      <a:solidFill>
+        <a:schemeClr val="phClr"/>
+      </a:solidFill>
+      <a:ln w="9525">
+        <a:solidFill>
+          <a:schemeClr val="phClr"/>
+        </a:solidFill>
+      </a:ln>
+    </cs:spPr>
+  </cs:dataPointMarker>
+  <cs:dataPointMarkerLayout symbol="circle" size="5"/>
+  <cs:dataPointWireframe>
+    <cs:lnRef idx="0">
+      <cs:styleClr val="auto"/>
+    </cs:lnRef>
+    <cs:fillRef idx="1"/>
+    <cs:effectRef idx="0"/>
+    <cs:fontRef idx="minor">
+      <a:schemeClr val="tx1"/>
+    </cs:fontRef>
+    <cs:spPr>
+      <a:ln w="9525" cap="rnd">
+        <a:solidFill>
+          <a:schemeClr val="phClr"/>
+        </a:solidFill>
+        <a:round/>
+      </a:ln>
+    </cs:spPr>
+  </cs:dataPointWireframe>
+  <cs:dataTable>
+    <cs:lnRef idx="0"/>
+    <cs:fillRef idx="0"/>
+    <cs:effectRef idx="0"/>
+    <cs:fontRef idx="minor">
+      <a:schemeClr val="tx1">
+        <a:lumMod val="65000"/>
+        <a:lumOff val="35000"/>
+      </a:schemeClr>
+    </cs:fontRef>
+    <cs:spPr>
+      <a:noFill/>
+      <a:ln w="9525" cap="flat" cmpd="sng" algn="ctr">
+        <a:solidFill>
+          <a:schemeClr val="tx1">
+            <a:lumMod val="15000"/>
+            <a:lumOff val="85000"/>
+          </a:schemeClr>
+        </a:solidFill>
+        <a:round/>
+      </a:ln>
+    </cs:spPr>
+    <cs:defRPr sz="900" kern="1200"/>
+  </cs:dataTable>
+  <cs:downBar>
+    <cs:lnRef idx="0"/>
+    <cs:fillRef idx="0"/>
+    <cs:effectRef idx="0"/>
+    <cs:fontRef idx="minor">
+      <a:schemeClr val="dk1"/>
+    </cs:fontRef>
+    <cs:spPr>
+      <a:solidFill>
+        <a:schemeClr val="dk1">
+          <a:lumMod val="65000"/>
+          <a:lumOff val="35000"/>
+        </a:schemeClr>
+      </a:solidFill>
+      <a:ln w="9525">
+        <a:solidFill>
+          <a:schemeClr val="tx1">
+            <a:lumMod val="65000"/>
+            <a:lumOff val="35000"/>
+          </a:schemeClr>
+        </a:solidFill>
+      </a:ln>
+    </cs:spPr>
+  </cs:downBar>
+  <cs:dropLine>
+    <cs:lnRef idx="0"/>
+    <cs:fillRef idx="0"/>
+    <cs:effectRef idx="0"/>
+    <cs:fontRef idx="minor">
+      <a:schemeClr val="tx1"/>
+    </cs:fontRef>
+    <cs:spPr>
+      <a:ln w="9525" cap="flat" cmpd="sng" algn="ctr">
+        <a:solidFill>
+          <a:schemeClr val="tx1">
+            <a:lumMod val="35000"/>
+            <a:lumOff val="65000"/>
+          </a:schemeClr>
+        </a:solidFill>
+        <a:round/>
+      </a:ln>
+    </cs:spPr>
+  </cs:dropLine>
+  <cs:errorBar>
+    <cs:lnRef idx="0"/>
+    <cs:fillRef idx="0"/>
+    <cs:effectRef idx="0"/>
+    <cs:fontRef idx="minor">
+      <a:schemeClr val="tx1"/>
+    </cs:fontRef>
+    <cs:spPr>
+      <a:ln w="9525" cap="flat" cmpd="sng" algn="ctr">
+        <a:solidFill>
+          <a:schemeClr val="tx1">
+            <a:lumMod val="65000"/>
+            <a:lumOff val="35000"/>
+          </a:schemeClr>
+        </a:solidFill>
+        <a:round/>
+      </a:ln>
+    </cs:spPr>
+  </cs:errorBar>
+  <cs:floor>
+    <cs:lnRef idx="0"/>
+    <cs:fillRef idx="0"/>
+    <cs:effectRef idx="0"/>
+    <cs:fontRef idx="minor">
+      <a:schemeClr val="tx1"/>
+    </cs:fontRef>
+    <cs:spPr>
+      <a:noFill/>
+      <a:ln>
+        <a:noFill/>
+      </a:ln>
+    </cs:spPr>
+  </cs:floor>
+  <cs:gridlineMajor>
+    <cs:lnRef idx="0"/>
+    <cs:fillRef idx="0"/>
+    <cs:effectRef idx="0"/>
+    <cs:fontRef idx="minor">
+      <a:schemeClr val="tx1"/>
+    </cs:fontRef>
+    <cs:spPr>
+      <a:ln w="9525" cap="flat" cmpd="sng" algn="ctr">
+        <a:solidFill>
+          <a:schemeClr val="tx1">
+            <a:lumMod val="15000"/>
+            <a:lumOff val="85000"/>
+          </a:schemeClr>
+        </a:solidFill>
+        <a:round/>
+      </a:ln>
+    </cs:spPr>
+  </cs:gridlineMajor>
+  <cs:gridlineMinor>
+    <cs:lnRef idx="0"/>
+    <cs:fillRef idx="0"/>
+    <cs:effectRef idx="0"/>
+    <cs:fontRef idx="minor">
+      <a:schemeClr val="tx1"/>
+    </cs:fontRef>
+    <cs:spPr>
+      <a:ln w="9525" cap="flat" cmpd="sng" algn="ctr">
+        <a:solidFill>
+          <a:schemeClr val="tx1">
+            <a:lumMod val="5000"/>
+            <a:lumOff val="95000"/>
+          </a:schemeClr>
+        </a:solidFill>
+        <a:round/>
+      </a:ln>
+    </cs:spPr>
+  </cs:gridlineMinor>
+  <cs:hiLoLine>
+    <cs:lnRef idx="0"/>
+    <cs:fillRef idx="0"/>
+    <cs:effectRef idx="0"/>
+    <cs:fontRef idx="minor">
+      <a:schemeClr val="tx1"/>
+    </cs:fontRef>
+    <cs:spPr>
+      <a:ln w="9525" cap="flat" cmpd="sng" algn="ctr">
+        <a:solidFill>
+          <a:schemeClr val="tx1">
+            <a:lumMod val="75000"/>
+            <a:lumOff val="25000"/>
+          </a:schemeClr>
+        </a:solidFill>
+        <a:round/>
+      </a:ln>
+    </cs:spPr>
+  </cs:hiLoLine>
+  <cs:leaderLine>
+    <cs:lnRef idx="0"/>
+    <cs:fillRef idx="0"/>
+    <cs:effectRef idx="0"/>
+    <cs:fontRef idx="minor">
+      <a:schemeClr val="tx1"/>
+    </cs:fontRef>
+    <cs:spPr>
+      <a:ln w="9525" cap="flat" cmpd="sng" algn="ctr">
+        <a:solidFill>
+          <a:schemeClr val="tx1">
+            <a:lumMod val="35000"/>
+            <a:lumOff val="65000"/>
+          </a:schemeClr>
+        </a:solidFill>
+        <a:round/>
+      </a:ln>
+    </cs:spPr>
+  </cs:leaderLine>
+  <cs:legend>
+    <cs:lnRef idx="0"/>
+    <cs:fillRef idx="0"/>
+    <cs:effectRef idx="0"/>
+    <cs:fontRef idx="minor">
+      <a:schemeClr val="tx1">
+        <a:lumMod val="65000"/>
+        <a:lumOff val="35000"/>
+      </a:schemeClr>
+    </cs:fontRef>
+    <cs:defRPr sz="900" kern="1200"/>
+  </cs:legend>
+  <cs:plotArea mods="allowNoFillOverride allowNoLineOverride">
+    <cs:lnRef idx="0"/>
+    <cs:fillRef idx="0"/>
+    <cs:effectRef idx="0"/>
+    <cs:fontRef idx="minor">
+      <a:schemeClr val="tx1"/>
+    </cs:fontRef>
+  </cs:plotArea>
+  <cs:plotArea3D mods="allowNoFillOverride allowNoLineOverride">
+    <cs:lnRef idx="0"/>
+    <cs:fillRef idx="0"/>
+    <cs:effectRef idx="0"/>
+    <cs:fontRef idx="minor">
+      <a:schemeClr val="tx1"/>
+    </cs:fontRef>
+  </cs:plotArea3D>
+  <cs:seriesAxis>
+    <cs:lnRef idx="0"/>
+    <cs:fillRef idx="0"/>
+    <cs:effectRef idx="0"/>
+    <cs:fontRef idx="minor">
+      <a:schemeClr val="tx1">
+        <a:lumMod val="65000"/>
+        <a:lumOff val="35000"/>
+      </a:schemeClr>
+    </cs:fontRef>
+    <cs:defRPr sz="900" kern="1200"/>
+  </cs:seriesAxis>
+  <cs:seriesLine>
+    <cs:lnRef idx="0"/>
+    <cs:fillRef idx="0"/>
+    <cs:effectRef idx="0"/>
+    <cs:fontRef idx="minor">
+      <a:schemeClr val="tx1"/>
+    </cs:fontRef>
+    <cs:spPr>
+      <a:ln w="9525" cap="flat" cmpd="sng" algn="ctr">
+        <a:solidFill>
+          <a:schemeClr val="tx1">
+            <a:lumMod val="35000"/>
+            <a:lumOff val="65000"/>
+          </a:schemeClr>
+        </a:solidFill>
+        <a:round/>
+      </a:ln>
+    </cs:spPr>
+  </cs:seriesLine>
+  <cs:title>
+    <cs:lnRef idx="0"/>
+    <cs:fillRef idx="0"/>
+    <cs:effectRef idx="0"/>
+    <cs:fontRef idx="minor">
+      <a:schemeClr val="tx1">
+        <a:lumMod val="65000"/>
+        <a:lumOff val="35000"/>
+      </a:schemeClr>
+    </cs:fontRef>
+    <cs:defRPr sz="1400" b="0" kern="1200" spc="0" baseline="0"/>
+  </cs:title>
+  <cs:trendline>
+    <cs:lnRef idx="0">
+      <cs:styleClr val="auto"/>
+    </cs:lnRef>
+    <cs:fillRef idx="0"/>
+    <cs:effectRef idx="0"/>
+    <cs:fontRef idx="minor">
+      <a:schemeClr val="tx1"/>
+    </cs:fontRef>
+    <cs:spPr>
+      <a:ln w="19050" cap="rnd">
+        <a:solidFill>
+          <a:schemeClr val="phClr"/>
+        </a:solidFill>
+        <a:prstDash val="sysDot"/>
+      </a:ln>
+    </cs:spPr>
+  </cs:trendline>
+  <cs:trendlineLabel>
+    <cs:lnRef idx="0"/>
+    <cs:fillRef idx="0"/>
+    <cs:effectRef idx="0"/>
+    <cs:fontRef idx="minor">
+      <a:schemeClr val="tx1">
+        <a:lumMod val="65000"/>
+        <a:lumOff val="35000"/>
+      </a:schemeClr>
+    </cs:fontRef>
+    <cs:defRPr sz="900" kern="1200"/>
+  </cs:trendlineLabel>
+  <cs:upBar>
+    <cs:lnRef idx="0"/>
+    <cs:fillRef idx="0"/>
+    <cs:effectRef idx="0"/>
+    <cs:fontRef idx="minor">
+      <a:schemeClr val="dk1"/>
+    </cs:fontRef>
+    <cs:spPr>
+      <a:solidFill>
+        <a:schemeClr val="lt1"/>
+      </a:solidFill>
+      <a:ln w="9525">
+        <a:solidFill>
+          <a:schemeClr val="tx1">
+            <a:lumMod val="15000"/>
+            <a:lumOff val="85000"/>
+          </a:schemeClr>
+        </a:solidFill>
+      </a:ln>
+    </cs:spPr>
+  </cs:upBar>
+  <cs:valueAxis>
+    <cs:lnRef idx="0"/>
+    <cs:fillRef idx="0"/>
+    <cs:effectRef idx="0"/>
+    <cs:fontRef idx="minor">
+      <a:schemeClr val="tx1">
+        <a:lumMod val="65000"/>
+        <a:lumOff val="35000"/>
+      </a:schemeClr>
+    </cs:fontRef>
+    <cs:defRPr sz="900" kern="1200"/>
+  </cs:valueAxis>
+  <cs:wall>
+    <cs:lnRef idx="0"/>
+    <cs:fillRef idx="0"/>
+    <cs:effectRef idx="0"/>
+    <cs:fontRef idx="minor">
+      <a:schemeClr val="tx1"/>
+    </cs:fontRef>
+    <cs:spPr>
+      <a:noFill/>
+      <a:ln>
+        <a:noFill/>
+      </a:ln>
+    </cs:spPr>
+  </cs:wall>
+</cs:chartStyle>
 </file>
 
 <file path=ppt/notesMasters/notesMaster1.xml><?xml version="1.0" encoding="utf-8"?>
@@ -783,14 +2024,14 @@
           </a:ln>
           <a:extLst>
             <a:ext uri="{909E8E84-426E-40dd-AFC4-6F175D3DCCD1}">
-              <a14:hiddenFill xmlns="" xmlns:a14="http://schemas.microsoft.com/office/drawing/2010/main">
+              <a14:hiddenFill xmlns:a14="http://schemas.microsoft.com/office/drawing/2010/main" xmlns="">
                 <a:solidFill>
                   <a:srgbClr val="FFFFFF"/>
                 </a:solidFill>
               </a14:hiddenFill>
             </a:ext>
             <a:ext uri="{91240B29-F687-4f45-9708-019B960494DF}">
-              <a14:hiddenLine xmlns="" xmlns:a14="http://schemas.microsoft.com/office/drawing/2010/main" w="9525">
+              <a14:hiddenLine xmlns:a14="http://schemas.microsoft.com/office/drawing/2010/main" xmlns="" w="9525">
                 <a:solidFill>
                   <a:srgbClr val="000000"/>
                 </a:solidFill>
@@ -2279,14 +3520,14 @@
           </a:ln>
           <a:extLst>
             <a:ext uri="{909E8E84-426E-40dd-AFC4-6F175D3DCCD1}">
-              <a14:hiddenFill xmlns="" xmlns:a14="http://schemas.microsoft.com/office/drawing/2010/main">
+              <a14:hiddenFill xmlns:a14="http://schemas.microsoft.com/office/drawing/2010/main" xmlns="">
                 <a:solidFill>
                   <a:srgbClr val="FFFFFF"/>
                 </a:solidFill>
               </a14:hiddenFill>
             </a:ext>
             <a:ext uri="{91240B29-F687-4f45-9708-019B960494DF}">
-              <a14:hiddenLine xmlns="" xmlns:a14="http://schemas.microsoft.com/office/drawing/2010/main" w="9525">
+              <a14:hiddenLine xmlns:a14="http://schemas.microsoft.com/office/drawing/2010/main" xmlns="" w="9525">
                 <a:solidFill>
                   <a:srgbClr val="000000"/>
                 </a:solidFill>
@@ -5832,14 +7073,14 @@
           </a:ln>
           <a:extLst>
             <a:ext uri="{909E8E84-426E-40dd-AFC4-6F175D3DCCD1}">
-              <a14:hiddenFill xmlns="" xmlns:a14="http://schemas.microsoft.com/office/drawing/2010/main">
+              <a14:hiddenFill xmlns:a14="http://schemas.microsoft.com/office/drawing/2010/main" xmlns="">
                 <a:solidFill>
                   <a:srgbClr val="FFFFFF"/>
                 </a:solidFill>
               </a14:hiddenFill>
             </a:ext>
             <a:ext uri="{91240B29-F687-4f45-9708-019B960494DF}">
-              <a14:hiddenLine xmlns="" xmlns:a14="http://schemas.microsoft.com/office/drawing/2010/main" w="9525">
+              <a14:hiddenLine xmlns:a14="http://schemas.microsoft.com/office/drawing/2010/main" xmlns="" w="9525">
                 <a:solidFill>
                   <a:srgbClr val="000000"/>
                 </a:solidFill>
@@ -6615,14 +7856,14 @@
           <a:noFill/>
           <a:extLst>
             <a:ext uri="{909E8E84-426E-40dd-AFC4-6F175D3DCCD1}">
-              <a14:hiddenFill xmlns="" xmlns:a14="http://schemas.microsoft.com/office/drawing/2010/main">
+              <a14:hiddenFill xmlns:a14="http://schemas.microsoft.com/office/drawing/2010/main" xmlns="">
                 <a:solidFill>
                   <a:srgbClr val="FFFFFF"/>
                 </a:solidFill>
               </a14:hiddenFill>
             </a:ext>
             <a:ext uri="{91240B29-F687-4f45-9708-019B960494DF}">
-              <a14:hiddenLine xmlns="" xmlns:a14="http://schemas.microsoft.com/office/drawing/2010/main" w="9525">
+              <a14:hiddenLine xmlns:a14="http://schemas.microsoft.com/office/drawing/2010/main" xmlns="" w="9525">
                 <a:solidFill>
                   <a:srgbClr val="000000"/>
                 </a:solidFill>
@@ -6643,11 +7884,18 @@
           <a:p>
             <a:pPr eaLnBrk="1" hangingPunct="1"/>
             <a:r>
+              <a:rPr lang="de-DE" dirty="0" err="1">
+                <a:latin typeface="Lucida Sans" pitchFamily="34" charset="0"/>
+                <a:cs typeface="Lucida Sans Unicode" pitchFamily="34" charset="0"/>
+              </a:rPr>
+              <a:t>Results</a:t>
+            </a:r>
+            <a:r>
               <a:rPr lang="de-DE" dirty="0">
                 <a:latin typeface="Lucida Sans" pitchFamily="34" charset="0"/>
                 <a:cs typeface="Lucida Sans Unicode" pitchFamily="34" charset="0"/>
               </a:rPr>
-              <a:t>Resultate der Tasks CS1 9 und 10</a:t>
+              <a:t> CS1 Task 11 – Sprint 1</a:t>
             </a:r>
           </a:p>
         </p:txBody>
@@ -6670,14 +7918,14 @@
           <a:noFill/>
           <a:extLst>
             <a:ext uri="{909E8E84-426E-40dd-AFC4-6F175D3DCCD1}">
-              <a14:hiddenFill xmlns="" xmlns:a14="http://schemas.microsoft.com/office/drawing/2010/main">
+              <a14:hiddenFill xmlns:a14="http://schemas.microsoft.com/office/drawing/2010/main" xmlns="">
                 <a:solidFill>
                   <a:srgbClr val="FFFFFF"/>
                 </a:solidFill>
               </a14:hiddenFill>
             </a:ext>
             <a:ext uri="{91240B29-F687-4f45-9708-019B960494DF}">
-              <a14:hiddenLine xmlns="" xmlns:a14="http://schemas.microsoft.com/office/drawing/2010/main" w="9525">
+              <a14:hiddenLine xmlns:a14="http://schemas.microsoft.com/office/drawing/2010/main" xmlns="" w="9525">
                 <a:solidFill>
                   <a:srgbClr val="000000"/>
                 </a:solidFill>
@@ -6697,12 +7945,8 @@
           <a:lstStyle/>
           <a:p>
             <a:r>
-              <a:rPr lang="en-US" dirty="0" err="1"/>
-              <a:t>Präsentation</a:t>
-            </a:r>
-            <a:r>
               <a:rPr lang="en-US" dirty="0"/>
-              <a:t> Gruppe blue</a:t>
+              <a:t>Presentation group blue</a:t>
             </a:r>
             <a:endParaRPr lang="de-DE" dirty="0">
               <a:cs typeface="Lucida Sans"/>
@@ -6728,14 +7972,14 @@
           <a:noFill/>
           <a:extLst>
             <a:ext uri="{909E8E84-426E-40dd-AFC4-6F175D3DCCD1}">
-              <a14:hiddenFill xmlns="" xmlns:a14="http://schemas.microsoft.com/office/drawing/2010/main">
+              <a14:hiddenFill xmlns:a14="http://schemas.microsoft.com/office/drawing/2010/main" xmlns="">
                 <a:solidFill>
                   <a:srgbClr val="FFFFFF"/>
                 </a:solidFill>
               </a14:hiddenFill>
             </a:ext>
             <a:ext uri="{91240B29-F687-4f45-9708-019B960494DF}">
-              <a14:hiddenLine xmlns="" xmlns:a14="http://schemas.microsoft.com/office/drawing/2010/main" w="9525">
+              <a14:hiddenLine xmlns:a14="http://schemas.microsoft.com/office/drawing/2010/main" xmlns="" w="9525">
                 <a:solidFill>
                   <a:srgbClr val="000000"/>
                 </a:solidFill>
@@ -6843,14 +8087,14 @@
           <a:noFill/>
           <a:extLst>
             <a:ext uri="{909E8E84-426E-40dd-AFC4-6F175D3DCCD1}">
-              <a14:hiddenFill xmlns="" xmlns:a14="http://schemas.microsoft.com/office/drawing/2010/main">
+              <a14:hiddenFill xmlns:a14="http://schemas.microsoft.com/office/drawing/2010/main" xmlns="">
                 <a:solidFill>
                   <a:srgbClr val="FFFFFF"/>
                 </a:solidFill>
               </a14:hiddenFill>
             </a:ext>
             <a:ext uri="{91240B29-F687-4f45-9708-019B960494DF}">
-              <a14:hiddenLine xmlns="" xmlns:a14="http://schemas.microsoft.com/office/drawing/2010/main" w="9525">
+              <a14:hiddenLine xmlns:a14="http://schemas.microsoft.com/office/drawing/2010/main" xmlns="" w="9525">
                 <a:solidFill>
                   <a:srgbClr val="000000"/>
                 </a:solidFill>
@@ -6923,14 +8167,14 @@
           <a:noFill/>
           <a:extLst>
             <a:ext uri="{909E8E84-426E-40dd-AFC4-6F175D3DCCD1}">
-              <a14:hiddenFill xmlns="" xmlns:a14="http://schemas.microsoft.com/office/drawing/2010/main">
+              <a14:hiddenFill xmlns:a14="http://schemas.microsoft.com/office/drawing/2010/main" xmlns="">
                 <a:solidFill>
                   <a:srgbClr val="FFFFFF"/>
                 </a:solidFill>
               </a14:hiddenFill>
             </a:ext>
             <a:ext uri="{91240B29-F687-4f45-9708-019B960494DF}">
-              <a14:hiddenLine xmlns="" xmlns:a14="http://schemas.microsoft.com/office/drawing/2010/main" w="9525">
+              <a14:hiddenLine xmlns:a14="http://schemas.microsoft.com/office/drawing/2010/main" xmlns="" w="9525">
                 <a:solidFill>
                   <a:srgbClr val="000000"/>
                 </a:solidFill>
@@ -7000,7 +8244,7 @@
           <a:bodyPr/>
           <a:lstStyle/>
           <a:p>
-            <a:endParaRPr lang="en-GB"/>
+            <a:endParaRPr lang="en-GB" dirty="0"/>
           </a:p>
         </p:txBody>
       </p:sp>
@@ -7027,7 +8271,6 @@
               <a:rPr lang="en-GB"/>
               <a:t>GUI design </a:t>
             </a:r>
-            <a:endParaRPr lang="en-GB"/>
           </a:p>
         </p:txBody>
       </p:sp>
@@ -7063,6 +8306,4394 @@
       </p:grpSpPr>
       <p:sp>
         <p:nvSpPr>
+          <p:cNvPr id="2" name="Content Placeholder 1"/>
+          <p:cNvSpPr>
+            <a:spLocks noGrp="1"/>
+          </p:cNvSpPr>
+          <p:nvPr>
+            <p:ph sz="half" idx="1"/>
+          </p:nvPr>
+        </p:nvSpPr>
+        <p:spPr/>
+        <p:txBody>
+          <a:bodyPr/>
+          <a:lstStyle/>
+          <a:p>
+            <a:endParaRPr lang="en-GB"/>
+          </a:p>
+        </p:txBody>
+      </p:sp>
+      <p:sp>
+        <p:nvSpPr>
+          <p:cNvPr id="3" name="Title 2"/>
+          <p:cNvSpPr>
+            <a:spLocks noGrp="1"/>
+          </p:cNvSpPr>
+          <p:nvPr>
+            <p:ph type="ctrTitle"/>
+          </p:nvPr>
+        </p:nvSpPr>
+        <p:spPr/>
+        <p:txBody>
+          <a:bodyPr/>
+          <a:lstStyle/>
+          <a:p>
+            <a:r>
+              <a:rPr lang="en-GB" dirty="0"/>
+              <a:t>Code Design</a:t>
+            </a:r>
+          </a:p>
+        </p:txBody>
+      </p:sp>
+    </p:spTree>
+    <p:extLst>
+      <p:ext uri="{BB962C8B-B14F-4D97-AF65-F5344CB8AC3E}">
+        <p14:creationId xmlns:p14="http://schemas.microsoft.com/office/powerpoint/2010/main" val="280563172"/>
+      </p:ext>
+    </p:extLst>
+  </p:cSld>
+  <p:clrMapOvr>
+    <a:masterClrMapping/>
+  </p:clrMapOvr>
+</p:sld>
+</file>
+
+<file path=ppt/slides/slide5.xml><?xml version="1.0" encoding="utf-8"?>
+<p:sld xmlns:a="http://schemas.openxmlformats.org/drawingml/2006/main" xmlns:r="http://schemas.openxmlformats.org/officeDocument/2006/relationships" xmlns:p="http://schemas.openxmlformats.org/presentationml/2006/main">
+  <p:cSld>
+    <p:spTree>
+      <p:nvGrpSpPr>
+        <p:cNvPr id="1" name=""/>
+        <p:cNvGrpSpPr/>
+        <p:nvPr/>
+      </p:nvGrpSpPr>
+      <p:grpSpPr>
+        <a:xfrm>
+          <a:off x="0" y="0"/>
+          <a:ext cx="0" cy="0"/>
+          <a:chOff x="0" y="0"/>
+          <a:chExt cx="0" cy="0"/>
+        </a:xfrm>
+      </p:grpSpPr>
+      <p:sp>
+        <p:nvSpPr>
+          <p:cNvPr id="2" name="Content Placeholder 1"/>
+          <p:cNvSpPr>
+            <a:spLocks noGrp="1"/>
+          </p:cNvSpPr>
+          <p:nvPr>
+            <p:ph sz="half" idx="1"/>
+          </p:nvPr>
+        </p:nvSpPr>
+        <p:spPr>
+          <a:xfrm>
+            <a:off x="403569" y="1242548"/>
+            <a:ext cx="11249025" cy="1272052"/>
+          </a:xfrm>
+        </p:spPr>
+        <p:txBody>
+          <a:bodyPr/>
+          <a:lstStyle/>
+          <a:p>
+            <a:r>
+              <a:rPr lang="en-GB" dirty="0"/>
+              <a:t>Sprint Review </a:t>
+            </a:r>
+          </a:p>
+          <a:p>
+            <a:pPr lvl="1"/>
+            <a:endParaRPr lang="en-GB" dirty="0"/>
+          </a:p>
+        </p:txBody>
+      </p:sp>
+      <p:sp>
+        <p:nvSpPr>
+          <p:cNvPr id="3" name="Title 2"/>
+          <p:cNvSpPr>
+            <a:spLocks noGrp="1"/>
+          </p:cNvSpPr>
+          <p:nvPr>
+            <p:ph type="ctrTitle"/>
+          </p:nvPr>
+        </p:nvSpPr>
+        <p:spPr/>
+        <p:txBody>
+          <a:bodyPr/>
+          <a:lstStyle/>
+          <a:p>
+            <a:r>
+              <a:rPr lang="en-GB" dirty="0"/>
+              <a:t>Scrum process – Sprint 1</a:t>
+            </a:r>
+          </a:p>
+        </p:txBody>
+      </p:sp>
+      <p:sp>
+        <p:nvSpPr>
+          <p:cNvPr id="5" name="Content Placeholder 1"/>
+          <p:cNvSpPr txBox="1">
+            <a:spLocks/>
+          </p:cNvSpPr>
+          <p:nvPr/>
+        </p:nvSpPr>
+        <p:spPr>
+          <a:xfrm>
+            <a:off x="457200" y="4863705"/>
+            <a:ext cx="11249025" cy="1272052"/>
+          </a:xfrm>
+          <a:prstGeom prst="rect">
+            <a:avLst/>
+          </a:prstGeom>
+        </p:spPr>
+        <p:txBody>
+          <a:bodyPr lIns="0" rIns="0"/>
+          <a:lstStyle>
+            <a:lvl1pPr marL="271463" indent="-271463" algn="l" defTabSz="457200" rtl="0" eaLnBrk="1" fontAlgn="base" hangingPunct="1">
+              <a:spcBef>
+                <a:spcPct val="20000"/>
+              </a:spcBef>
+              <a:spcAft>
+                <a:spcPct val="0"/>
+              </a:spcAft>
+              <a:buClr>
+                <a:srgbClr val="FAA500"/>
+              </a:buClr>
+              <a:buSzPct val="80000"/>
+              <a:buFont typeface="Lucida Grande"/>
+              <a:buChar char="▶"/>
+              <a:defRPr sz="2200" kern="1200">
+                <a:solidFill>
+                  <a:schemeClr val="tx1"/>
+                </a:solidFill>
+                <a:latin typeface="Lucida Sans"/>
+                <a:ea typeface="MS PGothic" pitchFamily="34" charset="-128"/>
+                <a:cs typeface="Lucida Sans"/>
+              </a:defRPr>
+            </a:lvl1pPr>
+            <a:lvl2pPr marL="742950" indent="-285750" algn="l" defTabSz="457200" rtl="0" eaLnBrk="1" fontAlgn="base" hangingPunct="1">
+              <a:spcBef>
+                <a:spcPct val="20000"/>
+              </a:spcBef>
+              <a:spcAft>
+                <a:spcPct val="0"/>
+              </a:spcAft>
+              <a:buClr>
+                <a:srgbClr val="FAA500"/>
+              </a:buClr>
+              <a:buSzPct val="80000"/>
+              <a:buFont typeface="Lucida Grande"/>
+              <a:buChar char="▶"/>
+              <a:defRPr sz="2200" kern="1200">
+                <a:solidFill>
+                  <a:schemeClr val="tx1"/>
+                </a:solidFill>
+                <a:latin typeface="Lucida Sans"/>
+                <a:ea typeface="MS PGothic" pitchFamily="34" charset="-128"/>
+                <a:cs typeface="Lucida Sans"/>
+              </a:defRPr>
+            </a:lvl2pPr>
+            <a:lvl3pPr marL="1143000" indent="-228600" algn="l" defTabSz="457200" rtl="0" eaLnBrk="1" fontAlgn="base" hangingPunct="1">
+              <a:spcBef>
+                <a:spcPct val="20000"/>
+              </a:spcBef>
+              <a:spcAft>
+                <a:spcPct val="0"/>
+              </a:spcAft>
+              <a:buClr>
+                <a:srgbClr val="FAA500"/>
+              </a:buClr>
+              <a:buSzPct val="80000"/>
+              <a:buFont typeface="Lucida Grande"/>
+              <a:buChar char="▶"/>
+              <a:defRPr sz="2200" kern="1200">
+                <a:solidFill>
+                  <a:schemeClr val="tx1"/>
+                </a:solidFill>
+                <a:latin typeface="Lucida Sans"/>
+                <a:ea typeface="MS PGothic" pitchFamily="34" charset="-128"/>
+                <a:cs typeface="Lucida Sans"/>
+              </a:defRPr>
+            </a:lvl3pPr>
+            <a:lvl4pPr marL="1600200" indent="-228600" algn="l" defTabSz="457200" rtl="0" eaLnBrk="1" fontAlgn="base" hangingPunct="1">
+              <a:spcBef>
+                <a:spcPct val="20000"/>
+              </a:spcBef>
+              <a:spcAft>
+                <a:spcPct val="0"/>
+              </a:spcAft>
+              <a:buClr>
+                <a:srgbClr val="FAA500"/>
+              </a:buClr>
+              <a:buSzPct val="80000"/>
+              <a:buFont typeface="Lucida Grande"/>
+              <a:buChar char="▶"/>
+              <a:defRPr sz="2200" kern="1200">
+                <a:solidFill>
+                  <a:schemeClr val="tx1"/>
+                </a:solidFill>
+                <a:latin typeface="Lucida Sans"/>
+                <a:ea typeface="MS PGothic" pitchFamily="34" charset="-128"/>
+                <a:cs typeface="Lucida Sans"/>
+              </a:defRPr>
+            </a:lvl4pPr>
+            <a:lvl5pPr marL="2057400" indent="-228600" algn="l" defTabSz="457200" rtl="0" eaLnBrk="1" fontAlgn="base" hangingPunct="1">
+              <a:spcBef>
+                <a:spcPct val="20000"/>
+              </a:spcBef>
+              <a:spcAft>
+                <a:spcPct val="0"/>
+              </a:spcAft>
+              <a:buClr>
+                <a:srgbClr val="FAA500"/>
+              </a:buClr>
+              <a:buSzPct val="80000"/>
+              <a:buFont typeface="Lucida Grande"/>
+              <a:buChar char="▶"/>
+              <a:defRPr sz="2200" kern="1200">
+                <a:solidFill>
+                  <a:schemeClr val="tx1"/>
+                </a:solidFill>
+                <a:latin typeface="Lucida Sans"/>
+                <a:ea typeface="MS PGothic" pitchFamily="34" charset="-128"/>
+                <a:cs typeface="Lucida Sans"/>
+              </a:defRPr>
+            </a:lvl5pPr>
+            <a:lvl6pPr marL="2514600" indent="-228600" algn="l" defTabSz="457200" rtl="0" eaLnBrk="1" latinLnBrk="0" hangingPunct="1">
+              <a:spcBef>
+                <a:spcPct val="20000"/>
+              </a:spcBef>
+              <a:buFont typeface="Arial"/>
+              <a:buChar char="•"/>
+              <a:defRPr sz="1800" kern="1200">
+                <a:solidFill>
+                  <a:schemeClr val="tx1"/>
+                </a:solidFill>
+                <a:latin typeface="+mn-lt"/>
+                <a:ea typeface="+mn-ea"/>
+                <a:cs typeface="+mn-cs"/>
+              </a:defRPr>
+            </a:lvl6pPr>
+            <a:lvl7pPr marL="2971800" indent="-228600" algn="l" defTabSz="457200" rtl="0" eaLnBrk="1" latinLnBrk="0" hangingPunct="1">
+              <a:spcBef>
+                <a:spcPct val="20000"/>
+              </a:spcBef>
+              <a:buFont typeface="Arial"/>
+              <a:buChar char="•"/>
+              <a:defRPr sz="1800" kern="1200">
+                <a:solidFill>
+                  <a:schemeClr val="tx1"/>
+                </a:solidFill>
+                <a:latin typeface="+mn-lt"/>
+                <a:ea typeface="+mn-ea"/>
+                <a:cs typeface="+mn-cs"/>
+              </a:defRPr>
+            </a:lvl7pPr>
+            <a:lvl8pPr marL="3429000" indent="-228600" algn="l" defTabSz="457200" rtl="0" eaLnBrk="1" latinLnBrk="0" hangingPunct="1">
+              <a:spcBef>
+                <a:spcPct val="20000"/>
+              </a:spcBef>
+              <a:buFont typeface="Arial"/>
+              <a:buChar char="•"/>
+              <a:defRPr sz="1800" kern="1200">
+                <a:solidFill>
+                  <a:schemeClr val="tx1"/>
+                </a:solidFill>
+                <a:latin typeface="+mn-lt"/>
+                <a:ea typeface="+mn-ea"/>
+                <a:cs typeface="+mn-cs"/>
+              </a:defRPr>
+            </a:lvl8pPr>
+            <a:lvl9pPr marL="3886200" indent="-228600" algn="l" defTabSz="457200" rtl="0" eaLnBrk="1" latinLnBrk="0" hangingPunct="1">
+              <a:spcBef>
+                <a:spcPct val="20000"/>
+              </a:spcBef>
+              <a:buFont typeface="Arial"/>
+              <a:buChar char="•"/>
+              <a:defRPr sz="1800" kern="1200">
+                <a:solidFill>
+                  <a:schemeClr val="tx1"/>
+                </a:solidFill>
+                <a:latin typeface="+mn-lt"/>
+                <a:ea typeface="+mn-ea"/>
+                <a:cs typeface="+mn-cs"/>
+              </a:defRPr>
+            </a:lvl9pPr>
+          </a:lstStyle>
+          <a:p>
+            <a:r>
+              <a:rPr lang="en-GB" dirty="0"/>
+              <a:t>Updated effort plan from 42h to 44h</a:t>
+            </a:r>
+          </a:p>
+          <a:p>
+            <a:r>
+              <a:rPr lang="en-GB" dirty="0"/>
+              <a:t>JPA – getter methods: deferred </a:t>
+            </a:r>
+          </a:p>
+        </p:txBody>
+      </p:sp>
+      <p:graphicFrame>
+        <p:nvGraphicFramePr>
+          <p:cNvPr id="6" name="Table 5"/>
+          <p:cNvGraphicFramePr>
+            <a:graphicFrameLocks noGrp="1"/>
+          </p:cNvGraphicFramePr>
+          <p:nvPr>
+            <p:extLst>
+              <p:ext uri="{D42A27DB-BD31-4B8C-83A1-F6EECF244321}">
+                <p14:modId xmlns:p14="http://schemas.microsoft.com/office/powerpoint/2010/main" val="2670100457"/>
+              </p:ext>
+            </p:extLst>
+          </p:nvPr>
+        </p:nvGraphicFramePr>
+        <p:xfrm>
+          <a:off x="457200" y="1725180"/>
+          <a:ext cx="11249024" cy="2914199"/>
+        </p:xfrm>
+        <a:graphic>
+          <a:graphicData uri="http://schemas.openxmlformats.org/drawingml/2006/table">
+            <a:tbl>
+              <a:tblPr>
+                <a:tableStyleId>{5C22544A-7EE6-4342-B048-85BDC9FD1C3A}</a:tableStyleId>
+              </a:tblPr>
+              <a:tblGrid>
+                <a:gridCol w="294306">
+                  <a:extLst>
+                    <a:ext uri="{9D8B030D-6E8A-4147-A177-3AD203B41FA5}">
+                      <a16:colId xmlns:a16="http://schemas.microsoft.com/office/drawing/2014/main" val="1581582854"/>
+                    </a:ext>
+                  </a:extLst>
+                </a:gridCol>
+                <a:gridCol w="370608">
+                  <a:extLst>
+                    <a:ext uri="{9D8B030D-6E8A-4147-A177-3AD203B41FA5}">
+                      <a16:colId xmlns:a16="http://schemas.microsoft.com/office/drawing/2014/main" val="4228139250"/>
+                    </a:ext>
+                  </a:extLst>
+                </a:gridCol>
+                <a:gridCol w="1199024">
+                  <a:extLst>
+                    <a:ext uri="{9D8B030D-6E8A-4147-A177-3AD203B41FA5}">
+                      <a16:colId xmlns:a16="http://schemas.microsoft.com/office/drawing/2014/main" val="50605441"/>
+                    </a:ext>
+                  </a:extLst>
+                </a:gridCol>
+                <a:gridCol w="3411768">
+                  <a:extLst>
+                    <a:ext uri="{9D8B030D-6E8A-4147-A177-3AD203B41FA5}">
+                      <a16:colId xmlns:a16="http://schemas.microsoft.com/office/drawing/2014/main" val="2458272426"/>
+                    </a:ext>
+                  </a:extLst>
+                </a:gridCol>
+                <a:gridCol w="1635032">
+                  <a:extLst>
+                    <a:ext uri="{9D8B030D-6E8A-4147-A177-3AD203B41FA5}">
+                      <a16:colId xmlns:a16="http://schemas.microsoft.com/office/drawing/2014/main" val="4087169654"/>
+                    </a:ext>
+                  </a:extLst>
+                </a:gridCol>
+                <a:gridCol w="872017">
+                  <a:extLst>
+                    <a:ext uri="{9D8B030D-6E8A-4147-A177-3AD203B41FA5}">
+                      <a16:colId xmlns:a16="http://schemas.microsoft.com/office/drawing/2014/main" val="2272435237"/>
+                    </a:ext>
+                  </a:extLst>
+                </a:gridCol>
+                <a:gridCol w="588611">
+                  <a:extLst>
+                    <a:ext uri="{9D8B030D-6E8A-4147-A177-3AD203B41FA5}">
+                      <a16:colId xmlns:a16="http://schemas.microsoft.com/office/drawing/2014/main" val="908593088"/>
+                    </a:ext>
+                  </a:extLst>
+                </a:gridCol>
+                <a:gridCol w="501411">
+                  <a:extLst>
+                    <a:ext uri="{9D8B030D-6E8A-4147-A177-3AD203B41FA5}">
+                      <a16:colId xmlns:a16="http://schemas.microsoft.com/office/drawing/2014/main" val="2734885908"/>
+                    </a:ext>
+                  </a:extLst>
+                </a:gridCol>
+                <a:gridCol w="479610">
+                  <a:extLst>
+                    <a:ext uri="{9D8B030D-6E8A-4147-A177-3AD203B41FA5}">
+                      <a16:colId xmlns:a16="http://schemas.microsoft.com/office/drawing/2014/main" val="2056390426"/>
+                    </a:ext>
+                  </a:extLst>
+                </a:gridCol>
+                <a:gridCol w="545010">
+                  <a:extLst>
+                    <a:ext uri="{9D8B030D-6E8A-4147-A177-3AD203B41FA5}">
+                      <a16:colId xmlns:a16="http://schemas.microsoft.com/office/drawing/2014/main" val="2155317258"/>
+                    </a:ext>
+                  </a:extLst>
+                </a:gridCol>
+                <a:gridCol w="436009">
+                  <a:extLst>
+                    <a:ext uri="{9D8B030D-6E8A-4147-A177-3AD203B41FA5}">
+                      <a16:colId xmlns:a16="http://schemas.microsoft.com/office/drawing/2014/main" val="2692237743"/>
+                    </a:ext>
+                  </a:extLst>
+                </a:gridCol>
+                <a:gridCol w="915618">
+                  <a:extLst>
+                    <a:ext uri="{9D8B030D-6E8A-4147-A177-3AD203B41FA5}">
+                      <a16:colId xmlns:a16="http://schemas.microsoft.com/office/drawing/2014/main" val="752048790"/>
+                    </a:ext>
+                  </a:extLst>
+                </a:gridCol>
+              </a:tblGrid>
+              <a:tr h="934751">
+                <a:tc>
+                  <a:txBody>
+                    <a:bodyPr/>
+                    <a:lstStyle/>
+                    <a:p>
+                      <a:pPr algn="r" fontAlgn="b"/>
+                      <a:r>
+                        <a:rPr lang="en-GB" sz="900" u="none" strike="noStrike">
+                          <a:effectLst/>
+                        </a:rPr>
+                        <a:t>1.1</a:t>
+                      </a:r>
+                      <a:endParaRPr lang="en-GB" sz="900" b="0" i="0" u="none" strike="noStrike">
+                        <a:solidFill>
+                          <a:srgbClr val="000000"/>
+                        </a:solidFill>
+                        <a:effectLst/>
+                        <a:latin typeface="Calibri" panose="020F0502020204030204" pitchFamily="34" charset="0"/>
+                      </a:endParaRPr>
+                    </a:p>
+                  </a:txBody>
+                  <a:tcPr marL="5101" marR="5101" marT="5101" marB="0" anchor="b"/>
+                </a:tc>
+                <a:tc>
+                  <a:txBody>
+                    <a:bodyPr/>
+                    <a:lstStyle/>
+                    <a:p>
+                      <a:pPr algn="r" fontAlgn="b"/>
+                      <a:r>
+                        <a:rPr lang="en-GB" sz="900" u="none" strike="noStrike">
+                          <a:effectLst/>
+                        </a:rPr>
+                        <a:t>1</a:t>
+                      </a:r>
+                      <a:endParaRPr lang="en-GB" sz="900" b="0" i="0" u="none" strike="noStrike">
+                        <a:solidFill>
+                          <a:srgbClr val="000000"/>
+                        </a:solidFill>
+                        <a:effectLst/>
+                        <a:latin typeface="Calibri" panose="020F0502020204030204" pitchFamily="34" charset="0"/>
+                      </a:endParaRPr>
+                    </a:p>
+                  </a:txBody>
+                  <a:tcPr marL="5101" marR="5101" marT="5101" marB="0" anchor="b"/>
+                </a:tc>
+                <a:tc>
+                  <a:txBody>
+                    <a:bodyPr/>
+                    <a:lstStyle/>
+                    <a:p>
+                      <a:pPr algn="l" fontAlgn="b"/>
+                      <a:r>
+                        <a:rPr lang="en-GB" sz="900" u="none" strike="noStrike">
+                          <a:effectLst/>
+                        </a:rPr>
+                        <a:t>Database</a:t>
+                      </a:r>
+                      <a:endParaRPr lang="en-GB" sz="900" b="0" i="0" u="none" strike="noStrike">
+                        <a:solidFill>
+                          <a:srgbClr val="000000"/>
+                        </a:solidFill>
+                        <a:effectLst/>
+                        <a:latin typeface="Calibri" panose="020F0502020204030204" pitchFamily="34" charset="0"/>
+                      </a:endParaRPr>
+                    </a:p>
+                  </a:txBody>
+                  <a:tcPr marL="5101" marR="5101" marT="5101" marB="0" anchor="b"/>
+                </a:tc>
+                <a:tc>
+                  <a:txBody>
+                    <a:bodyPr/>
+                    <a:lstStyle/>
+                    <a:p>
+                      <a:pPr algn="l" fontAlgn="t"/>
+                      <a:r>
+                        <a:rPr lang="en-GB" sz="900" u="none" strike="noStrike">
+                          <a:effectLst/>
+                        </a:rPr>
+                        <a:t>testdatabase, based on the uml class diagramm, filled with exampledata</a:t>
+                      </a:r>
+                      <a:endParaRPr lang="en-GB" sz="900" b="0" i="0" u="none" strike="noStrike">
+                        <a:solidFill>
+                          <a:srgbClr val="000000"/>
+                        </a:solidFill>
+                        <a:effectLst/>
+                        <a:latin typeface="Calibri" panose="020F0502020204030204" pitchFamily="34" charset="0"/>
+                      </a:endParaRPr>
+                    </a:p>
+                  </a:txBody>
+                  <a:tcPr marL="5101" marR="5101" marT="5101" marB="0"/>
+                </a:tc>
+                <a:tc>
+                  <a:txBody>
+                    <a:bodyPr/>
+                    <a:lstStyle/>
+                    <a:p>
+                      <a:pPr algn="l" fontAlgn="b"/>
+                      <a:r>
+                        <a:rPr lang="en-GB" sz="900" u="none" strike="noStrike">
+                          <a:effectLst/>
+                        </a:rPr>
+                        <a:t>Database</a:t>
+                      </a:r>
+                      <a:endParaRPr lang="en-GB" sz="900" b="0" i="0" u="none" strike="noStrike">
+                        <a:solidFill>
+                          <a:srgbClr val="000000"/>
+                        </a:solidFill>
+                        <a:effectLst/>
+                        <a:latin typeface="Calibri" panose="020F0502020204030204" pitchFamily="34" charset="0"/>
+                      </a:endParaRPr>
+                    </a:p>
+                  </a:txBody>
+                  <a:tcPr marL="5101" marR="5101" marT="5101" marB="0" anchor="b"/>
+                </a:tc>
+                <a:tc>
+                  <a:txBody>
+                    <a:bodyPr/>
+                    <a:lstStyle/>
+                    <a:p>
+                      <a:pPr algn="l" fontAlgn="b"/>
+                      <a:r>
+                        <a:rPr lang="en-GB" sz="900" u="none" strike="noStrike">
+                          <a:effectLst/>
+                        </a:rPr>
+                        <a:t>lamlr1</a:t>
+                      </a:r>
+                      <a:endParaRPr lang="en-GB" sz="900" b="0" i="0" u="none" strike="noStrike">
+                        <a:solidFill>
+                          <a:srgbClr val="000000"/>
+                        </a:solidFill>
+                        <a:effectLst/>
+                        <a:latin typeface="Calibri" panose="020F0502020204030204" pitchFamily="34" charset="0"/>
+                      </a:endParaRPr>
+                    </a:p>
+                  </a:txBody>
+                  <a:tcPr marL="5101" marR="5101" marT="5101" marB="0" anchor="b"/>
+                </a:tc>
+                <a:tc>
+                  <a:txBody>
+                    <a:bodyPr/>
+                    <a:lstStyle/>
+                    <a:p>
+                      <a:pPr algn="l" fontAlgn="b"/>
+                      <a:r>
+                        <a:rPr lang="en-GB" sz="900" u="none" strike="noStrike">
+                          <a:effectLst/>
+                        </a:rPr>
+                        <a:t>kammf1</a:t>
+                      </a:r>
+                      <a:endParaRPr lang="en-GB" sz="900" b="0" i="0" u="none" strike="noStrike">
+                        <a:solidFill>
+                          <a:srgbClr val="000000"/>
+                        </a:solidFill>
+                        <a:effectLst/>
+                        <a:latin typeface="Calibri" panose="020F0502020204030204" pitchFamily="34" charset="0"/>
+                      </a:endParaRPr>
+                    </a:p>
+                  </a:txBody>
+                  <a:tcPr marL="5101" marR="5101" marT="5101" marB="0" anchor="b"/>
+                </a:tc>
+                <a:tc>
+                  <a:txBody>
+                    <a:bodyPr/>
+                    <a:lstStyle/>
+                    <a:p>
+                      <a:pPr algn="l" fontAlgn="b"/>
+                      <a:r>
+                        <a:rPr lang="en-GB" sz="900" u="none" strike="noStrike">
+                          <a:effectLst/>
+                        </a:rPr>
+                        <a:t>high</a:t>
+                      </a:r>
+                      <a:endParaRPr lang="en-GB" sz="900" b="0" i="0" u="none" strike="noStrike">
+                        <a:solidFill>
+                          <a:srgbClr val="000000"/>
+                        </a:solidFill>
+                        <a:effectLst/>
+                        <a:latin typeface="Calibri" panose="020F0502020204030204" pitchFamily="34" charset="0"/>
+                      </a:endParaRPr>
+                    </a:p>
+                  </a:txBody>
+                  <a:tcPr marL="5101" marR="5101" marT="5101" marB="0" anchor="b"/>
+                </a:tc>
+                <a:tc>
+                  <a:txBody>
+                    <a:bodyPr/>
+                    <a:lstStyle/>
+                    <a:p>
+                      <a:pPr algn="r" fontAlgn="b"/>
+                      <a:r>
+                        <a:rPr lang="en-GB" sz="900" u="none" strike="noStrike">
+                          <a:effectLst/>
+                        </a:rPr>
+                        <a:t>12</a:t>
+                      </a:r>
+                      <a:endParaRPr lang="en-GB" sz="900" b="0" i="0" u="none" strike="noStrike">
+                        <a:solidFill>
+                          <a:srgbClr val="000000"/>
+                        </a:solidFill>
+                        <a:effectLst/>
+                        <a:latin typeface="Calibri" panose="020F0502020204030204" pitchFamily="34" charset="0"/>
+                      </a:endParaRPr>
+                    </a:p>
+                  </a:txBody>
+                  <a:tcPr marL="5101" marR="5101" marT="5101" marB="0" anchor="b"/>
+                </a:tc>
+                <a:tc>
+                  <a:txBody>
+                    <a:bodyPr/>
+                    <a:lstStyle/>
+                    <a:p>
+                      <a:pPr algn="r" fontAlgn="b"/>
+                      <a:r>
+                        <a:rPr lang="en-GB" sz="900" u="none" strike="noStrike">
+                          <a:effectLst/>
+                        </a:rPr>
+                        <a:t>10</a:t>
+                      </a:r>
+                      <a:endParaRPr lang="en-GB" sz="900" b="0" i="0" u="none" strike="noStrike">
+                        <a:solidFill>
+                          <a:srgbClr val="000000"/>
+                        </a:solidFill>
+                        <a:effectLst/>
+                        <a:latin typeface="Calibri" panose="020F0502020204030204" pitchFamily="34" charset="0"/>
+                      </a:endParaRPr>
+                    </a:p>
+                  </a:txBody>
+                  <a:tcPr marL="5101" marR="5101" marT="5101" marB="0" anchor="b"/>
+                </a:tc>
+                <a:tc>
+                  <a:txBody>
+                    <a:bodyPr/>
+                    <a:lstStyle/>
+                    <a:p>
+                      <a:pPr algn="r" fontAlgn="b"/>
+                      <a:r>
+                        <a:rPr lang="en-GB" sz="900" u="none" strike="noStrike">
+                          <a:effectLst/>
+                        </a:rPr>
+                        <a:t>8</a:t>
+                      </a:r>
+                      <a:endParaRPr lang="en-GB" sz="900" b="0" i="0" u="none" strike="noStrike">
+                        <a:solidFill>
+                          <a:srgbClr val="000000"/>
+                        </a:solidFill>
+                        <a:effectLst/>
+                        <a:latin typeface="Calibri" panose="020F0502020204030204" pitchFamily="34" charset="0"/>
+                      </a:endParaRPr>
+                    </a:p>
+                  </a:txBody>
+                  <a:tcPr marL="5101" marR="5101" marT="5101" marB="0" anchor="b"/>
+                </a:tc>
+                <a:tc>
+                  <a:txBody>
+                    <a:bodyPr/>
+                    <a:lstStyle/>
+                    <a:p>
+                      <a:pPr algn="l" fontAlgn="b"/>
+                      <a:r>
+                        <a:rPr lang="en-GB" sz="900" u="none" strike="noStrike">
+                          <a:effectLst/>
+                        </a:rPr>
+                        <a:t>completed</a:t>
+                      </a:r>
+                      <a:endParaRPr lang="en-GB" sz="900" b="0" i="0" u="none" strike="noStrike">
+                        <a:solidFill>
+                          <a:srgbClr val="000000"/>
+                        </a:solidFill>
+                        <a:effectLst/>
+                        <a:latin typeface="Calibri" panose="020F0502020204030204" pitchFamily="34" charset="0"/>
+                      </a:endParaRPr>
+                    </a:p>
+                  </a:txBody>
+                  <a:tcPr marL="5101" marR="5101" marT="5101" marB="0" anchor="b"/>
+                </a:tc>
+                <a:extLst>
+                  <a:ext uri="{0D108BD9-81ED-4DB2-BD59-A6C34878D82A}">
+                    <a16:rowId xmlns:a16="http://schemas.microsoft.com/office/drawing/2014/main" val="299307657"/>
+                  </a:ext>
+                </a:extLst>
+              </a:tr>
+              <a:tr h="494862">
+                <a:tc>
+                  <a:txBody>
+                    <a:bodyPr/>
+                    <a:lstStyle/>
+                    <a:p>
+                      <a:pPr algn="r" fontAlgn="b"/>
+                      <a:r>
+                        <a:rPr lang="en-GB" sz="900" u="none" strike="noStrike">
+                          <a:effectLst/>
+                        </a:rPr>
+                        <a:t>1.2</a:t>
+                      </a:r>
+                      <a:endParaRPr lang="en-GB" sz="900" b="0" i="0" u="none" strike="noStrike">
+                        <a:solidFill>
+                          <a:srgbClr val="000000"/>
+                        </a:solidFill>
+                        <a:effectLst/>
+                        <a:latin typeface="Calibri" panose="020F0502020204030204" pitchFamily="34" charset="0"/>
+                      </a:endParaRPr>
+                    </a:p>
+                  </a:txBody>
+                  <a:tcPr marL="5101" marR="5101" marT="5101" marB="0" anchor="b"/>
+                </a:tc>
+                <a:tc>
+                  <a:txBody>
+                    <a:bodyPr/>
+                    <a:lstStyle/>
+                    <a:p>
+                      <a:pPr algn="r" fontAlgn="b"/>
+                      <a:r>
+                        <a:rPr lang="en-GB" sz="900" u="none" strike="noStrike">
+                          <a:effectLst/>
+                        </a:rPr>
+                        <a:t>1</a:t>
+                      </a:r>
+                      <a:endParaRPr lang="en-GB" sz="900" b="0" i="0" u="none" strike="noStrike">
+                        <a:solidFill>
+                          <a:srgbClr val="000000"/>
+                        </a:solidFill>
+                        <a:effectLst/>
+                        <a:latin typeface="Calibri" panose="020F0502020204030204" pitchFamily="34" charset="0"/>
+                      </a:endParaRPr>
+                    </a:p>
+                  </a:txBody>
+                  <a:tcPr marL="5101" marR="5101" marT="5101" marB="0" anchor="b"/>
+                </a:tc>
+                <a:tc>
+                  <a:txBody>
+                    <a:bodyPr/>
+                    <a:lstStyle/>
+                    <a:p>
+                      <a:pPr algn="l" fontAlgn="b"/>
+                      <a:r>
+                        <a:rPr lang="en-GB" sz="900" u="none" strike="noStrike">
+                          <a:effectLst/>
+                        </a:rPr>
+                        <a:t>Schedule UI</a:t>
+                      </a:r>
+                      <a:endParaRPr lang="en-GB" sz="900" b="0" i="0" u="none" strike="noStrike">
+                        <a:solidFill>
+                          <a:srgbClr val="000000"/>
+                        </a:solidFill>
+                        <a:effectLst/>
+                        <a:latin typeface="Calibri" panose="020F0502020204030204" pitchFamily="34" charset="0"/>
+                      </a:endParaRPr>
+                    </a:p>
+                  </a:txBody>
+                  <a:tcPr marL="5101" marR="5101" marT="5101" marB="0" anchor="b"/>
+                </a:tc>
+                <a:tc>
+                  <a:txBody>
+                    <a:bodyPr/>
+                    <a:lstStyle/>
+                    <a:p>
+                      <a:pPr algn="l" fontAlgn="b"/>
+                      <a:r>
+                        <a:rPr lang="en-GB" sz="900" u="none" strike="noStrike" dirty="0">
+                          <a:effectLst/>
+                        </a:rPr>
+                        <a:t>Schedule UI</a:t>
+                      </a:r>
+                      <a:endParaRPr lang="en-GB" sz="900" b="0" i="0" u="none" strike="noStrike" dirty="0">
+                        <a:solidFill>
+                          <a:srgbClr val="000000"/>
+                        </a:solidFill>
+                        <a:effectLst/>
+                        <a:latin typeface="Calibri" panose="020F0502020204030204" pitchFamily="34" charset="0"/>
+                      </a:endParaRPr>
+                    </a:p>
+                  </a:txBody>
+                  <a:tcPr marL="5101" marR="5101" marT="5101" marB="0" anchor="b"/>
+                </a:tc>
+                <a:tc>
+                  <a:txBody>
+                    <a:bodyPr/>
+                    <a:lstStyle/>
+                    <a:p>
+                      <a:pPr algn="l" fontAlgn="b"/>
+                      <a:r>
+                        <a:rPr lang="en-GB" sz="900" u="none" strike="noStrike">
+                          <a:effectLst/>
+                        </a:rPr>
+                        <a:t>UI, Controller</a:t>
+                      </a:r>
+                      <a:endParaRPr lang="en-GB" sz="900" b="0" i="0" u="none" strike="noStrike">
+                        <a:solidFill>
+                          <a:srgbClr val="000000"/>
+                        </a:solidFill>
+                        <a:effectLst/>
+                        <a:latin typeface="Calibri" panose="020F0502020204030204" pitchFamily="34" charset="0"/>
+                      </a:endParaRPr>
+                    </a:p>
+                  </a:txBody>
+                  <a:tcPr marL="5101" marR="5101" marT="5101" marB="0" anchor="b"/>
+                </a:tc>
+                <a:tc>
+                  <a:txBody>
+                    <a:bodyPr/>
+                    <a:lstStyle/>
+                    <a:p>
+                      <a:pPr algn="l" fontAlgn="b"/>
+                      <a:r>
+                        <a:rPr lang="en-GB" sz="900" u="none" strike="noStrike">
+                          <a:effectLst/>
+                        </a:rPr>
+                        <a:t>telec1</a:t>
+                      </a:r>
+                      <a:endParaRPr lang="en-GB" sz="900" b="0" i="0" u="none" strike="noStrike">
+                        <a:solidFill>
+                          <a:srgbClr val="000000"/>
+                        </a:solidFill>
+                        <a:effectLst/>
+                        <a:latin typeface="Calibri" panose="020F0502020204030204" pitchFamily="34" charset="0"/>
+                      </a:endParaRPr>
+                    </a:p>
+                  </a:txBody>
+                  <a:tcPr marL="5101" marR="5101" marT="5101" marB="0" anchor="b"/>
+                </a:tc>
+                <a:tc>
+                  <a:txBody>
+                    <a:bodyPr/>
+                    <a:lstStyle/>
+                    <a:p>
+                      <a:pPr algn="l" fontAlgn="b"/>
+                      <a:r>
+                        <a:rPr lang="en-GB" sz="900" u="none" strike="noStrike">
+                          <a:effectLst/>
+                        </a:rPr>
+                        <a:t>jolop1</a:t>
+                      </a:r>
+                      <a:endParaRPr lang="en-GB" sz="900" b="0" i="0" u="none" strike="noStrike">
+                        <a:solidFill>
+                          <a:srgbClr val="000000"/>
+                        </a:solidFill>
+                        <a:effectLst/>
+                        <a:latin typeface="Calibri" panose="020F0502020204030204" pitchFamily="34" charset="0"/>
+                      </a:endParaRPr>
+                    </a:p>
+                  </a:txBody>
+                  <a:tcPr marL="5101" marR="5101" marT="5101" marB="0" anchor="b"/>
+                </a:tc>
+                <a:tc>
+                  <a:txBody>
+                    <a:bodyPr/>
+                    <a:lstStyle/>
+                    <a:p>
+                      <a:pPr algn="l" fontAlgn="b"/>
+                      <a:r>
+                        <a:rPr lang="en-GB" sz="900" u="none" strike="noStrike">
+                          <a:effectLst/>
+                        </a:rPr>
+                        <a:t>medium</a:t>
+                      </a:r>
+                      <a:endParaRPr lang="en-GB" sz="900" b="0" i="0" u="none" strike="noStrike">
+                        <a:solidFill>
+                          <a:srgbClr val="000000"/>
+                        </a:solidFill>
+                        <a:effectLst/>
+                        <a:latin typeface="Calibri" panose="020F0502020204030204" pitchFamily="34" charset="0"/>
+                      </a:endParaRPr>
+                    </a:p>
+                  </a:txBody>
+                  <a:tcPr marL="5101" marR="5101" marT="5101" marB="0" anchor="b"/>
+                </a:tc>
+                <a:tc>
+                  <a:txBody>
+                    <a:bodyPr/>
+                    <a:lstStyle/>
+                    <a:p>
+                      <a:pPr algn="r" fontAlgn="b"/>
+                      <a:r>
+                        <a:rPr lang="en-GB" sz="900" u="none" strike="noStrike">
+                          <a:effectLst/>
+                        </a:rPr>
+                        <a:t>12</a:t>
+                      </a:r>
+                      <a:endParaRPr lang="en-GB" sz="900" b="0" i="0" u="none" strike="noStrike">
+                        <a:solidFill>
+                          <a:srgbClr val="000000"/>
+                        </a:solidFill>
+                        <a:effectLst/>
+                        <a:latin typeface="Calibri" panose="020F0502020204030204" pitchFamily="34" charset="0"/>
+                      </a:endParaRPr>
+                    </a:p>
+                  </a:txBody>
+                  <a:tcPr marL="5101" marR="5101" marT="5101" marB="0" anchor="b"/>
+                </a:tc>
+                <a:tc>
+                  <a:txBody>
+                    <a:bodyPr/>
+                    <a:lstStyle/>
+                    <a:p>
+                      <a:pPr algn="r" fontAlgn="b"/>
+                      <a:r>
+                        <a:rPr lang="en-GB" sz="900" u="none" strike="noStrike">
+                          <a:effectLst/>
+                        </a:rPr>
+                        <a:t>12</a:t>
+                      </a:r>
+                      <a:endParaRPr lang="en-GB" sz="900" b="0" i="0" u="none" strike="noStrike">
+                        <a:solidFill>
+                          <a:srgbClr val="000000"/>
+                        </a:solidFill>
+                        <a:effectLst/>
+                        <a:latin typeface="Calibri" panose="020F0502020204030204" pitchFamily="34" charset="0"/>
+                      </a:endParaRPr>
+                    </a:p>
+                  </a:txBody>
+                  <a:tcPr marL="5101" marR="5101" marT="5101" marB="0" anchor="b"/>
+                </a:tc>
+                <a:tc>
+                  <a:txBody>
+                    <a:bodyPr/>
+                    <a:lstStyle/>
+                    <a:p>
+                      <a:pPr algn="r" fontAlgn="b"/>
+                      <a:r>
+                        <a:rPr lang="en-GB" sz="900" u="none" strike="noStrike">
+                          <a:effectLst/>
+                        </a:rPr>
+                        <a:t>12</a:t>
+                      </a:r>
+                      <a:endParaRPr lang="en-GB" sz="900" b="0" i="0" u="none" strike="noStrike">
+                        <a:solidFill>
+                          <a:srgbClr val="000000"/>
+                        </a:solidFill>
+                        <a:effectLst/>
+                        <a:latin typeface="Calibri" panose="020F0502020204030204" pitchFamily="34" charset="0"/>
+                      </a:endParaRPr>
+                    </a:p>
+                  </a:txBody>
+                  <a:tcPr marL="5101" marR="5101" marT="5101" marB="0" anchor="b"/>
+                </a:tc>
+                <a:tc>
+                  <a:txBody>
+                    <a:bodyPr/>
+                    <a:lstStyle/>
+                    <a:p>
+                      <a:pPr algn="l" fontAlgn="b"/>
+                      <a:r>
+                        <a:rPr lang="en-GB" sz="900" u="none" strike="noStrike">
+                          <a:effectLst/>
+                        </a:rPr>
+                        <a:t>in progress</a:t>
+                      </a:r>
+                      <a:endParaRPr lang="en-GB" sz="900" b="0" i="0" u="none" strike="noStrike">
+                        <a:solidFill>
+                          <a:srgbClr val="000000"/>
+                        </a:solidFill>
+                        <a:effectLst/>
+                        <a:latin typeface="Calibri" panose="020F0502020204030204" pitchFamily="34" charset="0"/>
+                      </a:endParaRPr>
+                    </a:p>
+                  </a:txBody>
+                  <a:tcPr marL="5101" marR="5101" marT="5101" marB="0" anchor="b"/>
+                </a:tc>
+                <a:extLst>
+                  <a:ext uri="{0D108BD9-81ED-4DB2-BD59-A6C34878D82A}">
+                    <a16:rowId xmlns:a16="http://schemas.microsoft.com/office/drawing/2014/main" val="3576684137"/>
+                  </a:ext>
+                </a:extLst>
+              </a:tr>
+              <a:tr h="494862">
+                <a:tc>
+                  <a:txBody>
+                    <a:bodyPr/>
+                    <a:lstStyle/>
+                    <a:p>
+                      <a:pPr algn="r" fontAlgn="b"/>
+                      <a:r>
+                        <a:rPr lang="en-GB" sz="900" u="none" strike="noStrike">
+                          <a:effectLst/>
+                        </a:rPr>
+                        <a:t>1.3</a:t>
+                      </a:r>
+                      <a:endParaRPr lang="en-GB" sz="900" b="0" i="0" u="none" strike="noStrike">
+                        <a:solidFill>
+                          <a:srgbClr val="000000"/>
+                        </a:solidFill>
+                        <a:effectLst/>
+                        <a:latin typeface="Calibri" panose="020F0502020204030204" pitchFamily="34" charset="0"/>
+                      </a:endParaRPr>
+                    </a:p>
+                  </a:txBody>
+                  <a:tcPr marL="5101" marR="5101" marT="5101" marB="0" anchor="b"/>
+                </a:tc>
+                <a:tc>
+                  <a:txBody>
+                    <a:bodyPr/>
+                    <a:lstStyle/>
+                    <a:p>
+                      <a:pPr algn="r" fontAlgn="b"/>
+                      <a:r>
+                        <a:rPr lang="en-GB" sz="900" u="none" strike="noStrike">
+                          <a:effectLst/>
+                        </a:rPr>
+                        <a:t>1</a:t>
+                      </a:r>
+                      <a:endParaRPr lang="en-GB" sz="900" b="0" i="0" u="none" strike="noStrike">
+                        <a:solidFill>
+                          <a:srgbClr val="000000"/>
+                        </a:solidFill>
+                        <a:effectLst/>
+                        <a:latin typeface="Calibri" panose="020F0502020204030204" pitchFamily="34" charset="0"/>
+                      </a:endParaRPr>
+                    </a:p>
+                  </a:txBody>
+                  <a:tcPr marL="5101" marR="5101" marT="5101" marB="0" anchor="b"/>
+                </a:tc>
+                <a:tc>
+                  <a:txBody>
+                    <a:bodyPr/>
+                    <a:lstStyle/>
+                    <a:p>
+                      <a:pPr algn="l" fontAlgn="b"/>
+                      <a:r>
+                        <a:rPr lang="en-GB" sz="900" u="none" strike="noStrike">
+                          <a:effectLst/>
+                        </a:rPr>
+                        <a:t>Java Classes skeleton</a:t>
+                      </a:r>
+                      <a:endParaRPr lang="en-GB" sz="900" b="0" i="0" u="none" strike="noStrike">
+                        <a:solidFill>
+                          <a:srgbClr val="000000"/>
+                        </a:solidFill>
+                        <a:effectLst/>
+                        <a:latin typeface="Calibri" panose="020F0502020204030204" pitchFamily="34" charset="0"/>
+                      </a:endParaRPr>
+                    </a:p>
+                  </a:txBody>
+                  <a:tcPr marL="5101" marR="5101" marT="5101" marB="0" anchor="b"/>
+                </a:tc>
+                <a:tc>
+                  <a:txBody>
+                    <a:bodyPr/>
+                    <a:lstStyle/>
+                    <a:p>
+                      <a:pPr algn="l" fontAlgn="b"/>
+                      <a:r>
+                        <a:rPr lang="en-GB" sz="900" u="none" strike="noStrike" dirty="0">
+                          <a:effectLst/>
+                        </a:rPr>
+                        <a:t>Uml to Java classes</a:t>
+                      </a:r>
+                      <a:endParaRPr lang="en-GB" sz="900" b="0" i="0" u="none" strike="noStrike" dirty="0">
+                        <a:solidFill>
+                          <a:srgbClr val="000000"/>
+                        </a:solidFill>
+                        <a:effectLst/>
+                        <a:latin typeface="Calibri" panose="020F0502020204030204" pitchFamily="34" charset="0"/>
+                      </a:endParaRPr>
+                    </a:p>
+                  </a:txBody>
+                  <a:tcPr marL="5101" marR="5101" marT="5101" marB="0" anchor="b"/>
+                </a:tc>
+                <a:tc>
+                  <a:txBody>
+                    <a:bodyPr/>
+                    <a:lstStyle/>
+                    <a:p>
+                      <a:pPr algn="l" fontAlgn="b"/>
+                      <a:r>
+                        <a:rPr lang="en-GB" sz="900" u="none" strike="noStrike">
+                          <a:effectLst/>
+                        </a:rPr>
+                        <a:t>Controller, JPA Classes</a:t>
+                      </a:r>
+                      <a:endParaRPr lang="en-GB" sz="900" b="0" i="0" u="none" strike="noStrike">
+                        <a:solidFill>
+                          <a:srgbClr val="000000"/>
+                        </a:solidFill>
+                        <a:effectLst/>
+                        <a:latin typeface="Calibri" panose="020F0502020204030204" pitchFamily="34" charset="0"/>
+                      </a:endParaRPr>
+                    </a:p>
+                  </a:txBody>
+                  <a:tcPr marL="5101" marR="5101" marT="5101" marB="0" anchor="b"/>
+                </a:tc>
+                <a:tc>
+                  <a:txBody>
+                    <a:bodyPr/>
+                    <a:lstStyle/>
+                    <a:p>
+                      <a:pPr algn="l" fontAlgn="b"/>
+                      <a:r>
+                        <a:rPr lang="en-GB" sz="900" u="none" strike="noStrike">
+                          <a:effectLst/>
+                        </a:rPr>
+                        <a:t>sevib1</a:t>
+                      </a:r>
+                      <a:endParaRPr lang="en-GB" sz="900" b="0" i="0" u="none" strike="noStrike">
+                        <a:solidFill>
+                          <a:srgbClr val="000000"/>
+                        </a:solidFill>
+                        <a:effectLst/>
+                        <a:latin typeface="Calibri" panose="020F0502020204030204" pitchFamily="34" charset="0"/>
+                      </a:endParaRPr>
+                    </a:p>
+                  </a:txBody>
+                  <a:tcPr marL="5101" marR="5101" marT="5101" marB="0" anchor="b"/>
+                </a:tc>
+                <a:tc>
+                  <a:txBody>
+                    <a:bodyPr/>
+                    <a:lstStyle/>
+                    <a:p>
+                      <a:pPr algn="l" fontAlgn="b"/>
+                      <a:r>
+                        <a:rPr lang="en-GB" sz="900" u="none" strike="noStrike">
+                          <a:effectLst/>
+                        </a:rPr>
+                        <a:t>varan2</a:t>
+                      </a:r>
+                      <a:endParaRPr lang="en-GB" sz="900" b="0" i="0" u="none" strike="noStrike">
+                        <a:solidFill>
+                          <a:srgbClr val="000000"/>
+                        </a:solidFill>
+                        <a:effectLst/>
+                        <a:latin typeface="Calibri" panose="020F0502020204030204" pitchFamily="34" charset="0"/>
+                      </a:endParaRPr>
+                    </a:p>
+                  </a:txBody>
+                  <a:tcPr marL="5101" marR="5101" marT="5101" marB="0" anchor="b"/>
+                </a:tc>
+                <a:tc>
+                  <a:txBody>
+                    <a:bodyPr/>
+                    <a:lstStyle/>
+                    <a:p>
+                      <a:pPr algn="l" fontAlgn="b"/>
+                      <a:r>
+                        <a:rPr lang="en-GB" sz="900" u="none" strike="noStrike">
+                          <a:effectLst/>
+                        </a:rPr>
+                        <a:t>high</a:t>
+                      </a:r>
+                      <a:endParaRPr lang="en-GB" sz="900" b="0" i="0" u="none" strike="noStrike">
+                        <a:solidFill>
+                          <a:srgbClr val="000000"/>
+                        </a:solidFill>
+                        <a:effectLst/>
+                        <a:latin typeface="Calibri" panose="020F0502020204030204" pitchFamily="34" charset="0"/>
+                      </a:endParaRPr>
+                    </a:p>
+                  </a:txBody>
+                  <a:tcPr marL="5101" marR="5101" marT="5101" marB="0" anchor="b"/>
+                </a:tc>
+                <a:tc>
+                  <a:txBody>
+                    <a:bodyPr/>
+                    <a:lstStyle/>
+                    <a:p>
+                      <a:pPr algn="r" fontAlgn="b"/>
+                      <a:r>
+                        <a:rPr lang="en-GB" sz="900" u="none" strike="noStrike">
+                          <a:effectLst/>
+                        </a:rPr>
+                        <a:t>6</a:t>
+                      </a:r>
+                      <a:endParaRPr lang="en-GB" sz="900" b="0" i="0" u="none" strike="noStrike">
+                        <a:solidFill>
+                          <a:srgbClr val="000000"/>
+                        </a:solidFill>
+                        <a:effectLst/>
+                        <a:latin typeface="Calibri" panose="020F0502020204030204" pitchFamily="34" charset="0"/>
+                      </a:endParaRPr>
+                    </a:p>
+                  </a:txBody>
+                  <a:tcPr marL="5101" marR="5101" marT="5101" marB="0" anchor="b"/>
+                </a:tc>
+                <a:tc>
+                  <a:txBody>
+                    <a:bodyPr/>
+                    <a:lstStyle/>
+                    <a:p>
+                      <a:pPr algn="r" fontAlgn="b"/>
+                      <a:r>
+                        <a:rPr lang="en-GB" sz="900" u="none" strike="noStrike">
+                          <a:effectLst/>
+                        </a:rPr>
+                        <a:t>8</a:t>
+                      </a:r>
+                      <a:endParaRPr lang="en-GB" sz="900" b="0" i="0" u="none" strike="noStrike">
+                        <a:solidFill>
+                          <a:srgbClr val="000000"/>
+                        </a:solidFill>
+                        <a:effectLst/>
+                        <a:latin typeface="Calibri" panose="020F0502020204030204" pitchFamily="34" charset="0"/>
+                      </a:endParaRPr>
+                    </a:p>
+                  </a:txBody>
+                  <a:tcPr marL="5101" marR="5101" marT="5101" marB="0" anchor="b"/>
+                </a:tc>
+                <a:tc>
+                  <a:txBody>
+                    <a:bodyPr/>
+                    <a:lstStyle/>
+                    <a:p>
+                      <a:pPr algn="r" fontAlgn="b"/>
+                      <a:r>
+                        <a:rPr lang="en-GB" sz="900" u="none" strike="noStrike">
+                          <a:effectLst/>
+                        </a:rPr>
+                        <a:t>8</a:t>
+                      </a:r>
+                      <a:endParaRPr lang="en-GB" sz="900" b="0" i="0" u="none" strike="noStrike">
+                        <a:solidFill>
+                          <a:srgbClr val="000000"/>
+                        </a:solidFill>
+                        <a:effectLst/>
+                        <a:latin typeface="Calibri" panose="020F0502020204030204" pitchFamily="34" charset="0"/>
+                      </a:endParaRPr>
+                    </a:p>
+                  </a:txBody>
+                  <a:tcPr marL="5101" marR="5101" marT="5101" marB="0" anchor="b"/>
+                </a:tc>
+                <a:tc>
+                  <a:txBody>
+                    <a:bodyPr/>
+                    <a:lstStyle/>
+                    <a:p>
+                      <a:pPr algn="l" fontAlgn="b"/>
+                      <a:r>
+                        <a:rPr lang="en-GB" sz="900" u="none" strike="noStrike">
+                          <a:effectLst/>
+                        </a:rPr>
+                        <a:t>completed</a:t>
+                      </a:r>
+                      <a:endParaRPr lang="en-GB" sz="900" b="0" i="0" u="none" strike="noStrike">
+                        <a:solidFill>
+                          <a:srgbClr val="000000"/>
+                        </a:solidFill>
+                        <a:effectLst/>
+                        <a:latin typeface="Calibri" panose="020F0502020204030204" pitchFamily="34" charset="0"/>
+                      </a:endParaRPr>
+                    </a:p>
+                  </a:txBody>
+                  <a:tcPr marL="5101" marR="5101" marT="5101" marB="0" anchor="b"/>
+                </a:tc>
+                <a:extLst>
+                  <a:ext uri="{0D108BD9-81ED-4DB2-BD59-A6C34878D82A}">
+                    <a16:rowId xmlns:a16="http://schemas.microsoft.com/office/drawing/2014/main" val="3813577196"/>
+                  </a:ext>
+                </a:extLst>
+              </a:tr>
+              <a:tr h="494862">
+                <a:tc>
+                  <a:txBody>
+                    <a:bodyPr/>
+                    <a:lstStyle/>
+                    <a:p>
+                      <a:pPr algn="r" fontAlgn="b"/>
+                      <a:r>
+                        <a:rPr lang="en-GB" sz="900" u="none" strike="noStrike">
+                          <a:effectLst/>
+                        </a:rPr>
+                        <a:t>1.4</a:t>
+                      </a:r>
+                      <a:endParaRPr lang="en-GB" sz="900" b="0" i="0" u="none" strike="noStrike">
+                        <a:solidFill>
+                          <a:srgbClr val="000000"/>
+                        </a:solidFill>
+                        <a:effectLst/>
+                        <a:latin typeface="Calibri" panose="020F0502020204030204" pitchFamily="34" charset="0"/>
+                      </a:endParaRPr>
+                    </a:p>
+                  </a:txBody>
+                  <a:tcPr marL="5101" marR="5101" marT="5101" marB="0" anchor="b"/>
+                </a:tc>
+                <a:tc>
+                  <a:txBody>
+                    <a:bodyPr/>
+                    <a:lstStyle/>
+                    <a:p>
+                      <a:pPr algn="r" fontAlgn="b"/>
+                      <a:r>
+                        <a:rPr lang="en-GB" sz="900" u="none" strike="noStrike">
+                          <a:effectLst/>
+                        </a:rPr>
+                        <a:t>1</a:t>
+                      </a:r>
+                      <a:endParaRPr lang="en-GB" sz="900" b="0" i="0" u="none" strike="noStrike">
+                        <a:solidFill>
+                          <a:srgbClr val="000000"/>
+                        </a:solidFill>
+                        <a:effectLst/>
+                        <a:latin typeface="Calibri" panose="020F0502020204030204" pitchFamily="34" charset="0"/>
+                      </a:endParaRPr>
+                    </a:p>
+                  </a:txBody>
+                  <a:tcPr marL="5101" marR="5101" marT="5101" marB="0" anchor="b"/>
+                </a:tc>
+                <a:tc>
+                  <a:txBody>
+                    <a:bodyPr/>
+                    <a:lstStyle/>
+                    <a:p>
+                      <a:pPr algn="l" fontAlgn="b"/>
+                      <a:r>
+                        <a:rPr lang="en-GB" sz="900" u="none" strike="noStrike">
+                          <a:effectLst/>
+                        </a:rPr>
+                        <a:t>Associations</a:t>
+                      </a:r>
+                      <a:endParaRPr lang="en-GB" sz="900" b="0" i="0" u="none" strike="noStrike">
+                        <a:solidFill>
+                          <a:srgbClr val="000000"/>
+                        </a:solidFill>
+                        <a:effectLst/>
+                        <a:latin typeface="Calibri" panose="020F0502020204030204" pitchFamily="34" charset="0"/>
+                      </a:endParaRPr>
+                    </a:p>
+                  </a:txBody>
+                  <a:tcPr marL="5101" marR="5101" marT="5101" marB="0" anchor="b"/>
+                </a:tc>
+                <a:tc>
+                  <a:txBody>
+                    <a:bodyPr/>
+                    <a:lstStyle/>
+                    <a:p>
+                      <a:pPr algn="l" fontAlgn="b"/>
+                      <a:r>
+                        <a:rPr lang="en-GB" sz="900" u="none" strike="noStrike">
+                          <a:effectLst/>
+                        </a:rPr>
+                        <a:t>Implementing Associations</a:t>
+                      </a:r>
+                      <a:endParaRPr lang="en-GB" sz="900" b="0" i="0" u="none" strike="noStrike">
+                        <a:solidFill>
+                          <a:srgbClr val="000000"/>
+                        </a:solidFill>
+                        <a:effectLst/>
+                        <a:latin typeface="Calibri" panose="020F0502020204030204" pitchFamily="34" charset="0"/>
+                      </a:endParaRPr>
+                    </a:p>
+                  </a:txBody>
+                  <a:tcPr marL="5101" marR="5101" marT="5101" marB="0" anchor="b"/>
+                </a:tc>
+                <a:tc>
+                  <a:txBody>
+                    <a:bodyPr/>
+                    <a:lstStyle/>
+                    <a:p>
+                      <a:pPr algn="l" fontAlgn="b"/>
+                      <a:r>
+                        <a:rPr lang="en-GB" sz="900" u="none" strike="noStrike">
+                          <a:effectLst/>
+                        </a:rPr>
+                        <a:t>Controller, JPA Classes</a:t>
+                      </a:r>
+                      <a:endParaRPr lang="en-GB" sz="900" b="0" i="0" u="none" strike="noStrike">
+                        <a:solidFill>
+                          <a:srgbClr val="000000"/>
+                        </a:solidFill>
+                        <a:effectLst/>
+                        <a:latin typeface="Calibri" panose="020F0502020204030204" pitchFamily="34" charset="0"/>
+                      </a:endParaRPr>
+                    </a:p>
+                  </a:txBody>
+                  <a:tcPr marL="5101" marR="5101" marT="5101" marB="0" anchor="b"/>
+                </a:tc>
+                <a:tc>
+                  <a:txBody>
+                    <a:bodyPr/>
+                    <a:lstStyle/>
+                    <a:p>
+                      <a:pPr algn="l" fontAlgn="b"/>
+                      <a:r>
+                        <a:rPr lang="en-GB" sz="900" u="none" strike="noStrike">
+                          <a:effectLst/>
+                        </a:rPr>
+                        <a:t>kammf1</a:t>
+                      </a:r>
+                      <a:endParaRPr lang="en-GB" sz="900" b="0" i="0" u="none" strike="noStrike">
+                        <a:solidFill>
+                          <a:srgbClr val="000000"/>
+                        </a:solidFill>
+                        <a:effectLst/>
+                        <a:latin typeface="Calibri" panose="020F0502020204030204" pitchFamily="34" charset="0"/>
+                      </a:endParaRPr>
+                    </a:p>
+                  </a:txBody>
+                  <a:tcPr marL="5101" marR="5101" marT="5101" marB="0" anchor="b"/>
+                </a:tc>
+                <a:tc>
+                  <a:txBody>
+                    <a:bodyPr/>
+                    <a:lstStyle/>
+                    <a:p>
+                      <a:pPr algn="l" fontAlgn="b"/>
+                      <a:r>
+                        <a:rPr lang="en-GB" sz="900" u="none" strike="noStrike">
+                          <a:effectLst/>
+                        </a:rPr>
+                        <a:t>jolop1</a:t>
+                      </a:r>
+                      <a:endParaRPr lang="en-GB" sz="900" b="0" i="0" u="none" strike="noStrike">
+                        <a:solidFill>
+                          <a:srgbClr val="000000"/>
+                        </a:solidFill>
+                        <a:effectLst/>
+                        <a:latin typeface="Calibri" panose="020F0502020204030204" pitchFamily="34" charset="0"/>
+                      </a:endParaRPr>
+                    </a:p>
+                  </a:txBody>
+                  <a:tcPr marL="5101" marR="5101" marT="5101" marB="0" anchor="b"/>
+                </a:tc>
+                <a:tc>
+                  <a:txBody>
+                    <a:bodyPr/>
+                    <a:lstStyle/>
+                    <a:p>
+                      <a:pPr algn="l" fontAlgn="b"/>
+                      <a:r>
+                        <a:rPr lang="en-GB" sz="900" u="none" strike="noStrike">
+                          <a:effectLst/>
+                        </a:rPr>
+                        <a:t>high</a:t>
+                      </a:r>
+                      <a:endParaRPr lang="en-GB" sz="900" b="0" i="0" u="none" strike="noStrike">
+                        <a:solidFill>
+                          <a:srgbClr val="000000"/>
+                        </a:solidFill>
+                        <a:effectLst/>
+                        <a:latin typeface="Calibri" panose="020F0502020204030204" pitchFamily="34" charset="0"/>
+                      </a:endParaRPr>
+                    </a:p>
+                  </a:txBody>
+                  <a:tcPr marL="5101" marR="5101" marT="5101" marB="0" anchor="b"/>
+                </a:tc>
+                <a:tc>
+                  <a:txBody>
+                    <a:bodyPr/>
+                    <a:lstStyle/>
+                    <a:p>
+                      <a:pPr algn="r" fontAlgn="b"/>
+                      <a:r>
+                        <a:rPr lang="en-GB" sz="900" u="none" strike="noStrike">
+                          <a:effectLst/>
+                        </a:rPr>
+                        <a:t>6</a:t>
+                      </a:r>
+                      <a:endParaRPr lang="en-GB" sz="900" b="0" i="0" u="none" strike="noStrike">
+                        <a:solidFill>
+                          <a:srgbClr val="000000"/>
+                        </a:solidFill>
+                        <a:effectLst/>
+                        <a:latin typeface="Calibri" panose="020F0502020204030204" pitchFamily="34" charset="0"/>
+                      </a:endParaRPr>
+                    </a:p>
+                  </a:txBody>
+                  <a:tcPr marL="5101" marR="5101" marT="5101" marB="0" anchor="b"/>
+                </a:tc>
+                <a:tc>
+                  <a:txBody>
+                    <a:bodyPr/>
+                    <a:lstStyle/>
+                    <a:p>
+                      <a:pPr algn="r" fontAlgn="b"/>
+                      <a:r>
+                        <a:rPr lang="en-GB" sz="900" u="none" strike="noStrike">
+                          <a:effectLst/>
+                        </a:rPr>
+                        <a:t>6</a:t>
+                      </a:r>
+                      <a:endParaRPr lang="en-GB" sz="900" b="0" i="0" u="none" strike="noStrike">
+                        <a:solidFill>
+                          <a:srgbClr val="000000"/>
+                        </a:solidFill>
+                        <a:effectLst/>
+                        <a:latin typeface="Calibri" panose="020F0502020204030204" pitchFamily="34" charset="0"/>
+                      </a:endParaRPr>
+                    </a:p>
+                  </a:txBody>
+                  <a:tcPr marL="5101" marR="5101" marT="5101" marB="0" anchor="b"/>
+                </a:tc>
+                <a:tc>
+                  <a:txBody>
+                    <a:bodyPr/>
+                    <a:lstStyle/>
+                    <a:p>
+                      <a:pPr algn="r" fontAlgn="b"/>
+                      <a:r>
+                        <a:rPr lang="en-GB" sz="900" u="none" strike="noStrike">
+                          <a:effectLst/>
+                        </a:rPr>
+                        <a:t>4</a:t>
+                      </a:r>
+                      <a:endParaRPr lang="en-GB" sz="900" b="0" i="0" u="none" strike="noStrike">
+                        <a:solidFill>
+                          <a:srgbClr val="000000"/>
+                        </a:solidFill>
+                        <a:effectLst/>
+                        <a:latin typeface="Calibri" panose="020F0502020204030204" pitchFamily="34" charset="0"/>
+                      </a:endParaRPr>
+                    </a:p>
+                  </a:txBody>
+                  <a:tcPr marL="5101" marR="5101" marT="5101" marB="0" anchor="b"/>
+                </a:tc>
+                <a:tc>
+                  <a:txBody>
+                    <a:bodyPr/>
+                    <a:lstStyle/>
+                    <a:p>
+                      <a:pPr algn="l" fontAlgn="b"/>
+                      <a:r>
+                        <a:rPr lang="en-GB" sz="900" u="none" strike="noStrike">
+                          <a:effectLst/>
+                        </a:rPr>
+                        <a:t>in progress</a:t>
+                      </a:r>
+                      <a:endParaRPr lang="en-GB" sz="900" b="0" i="0" u="none" strike="noStrike">
+                        <a:solidFill>
+                          <a:srgbClr val="000000"/>
+                        </a:solidFill>
+                        <a:effectLst/>
+                        <a:latin typeface="Calibri" panose="020F0502020204030204" pitchFamily="34" charset="0"/>
+                      </a:endParaRPr>
+                    </a:p>
+                  </a:txBody>
+                  <a:tcPr marL="5101" marR="5101" marT="5101" marB="0" anchor="b"/>
+                </a:tc>
+                <a:extLst>
+                  <a:ext uri="{0D108BD9-81ED-4DB2-BD59-A6C34878D82A}">
+                    <a16:rowId xmlns:a16="http://schemas.microsoft.com/office/drawing/2014/main" val="3990546036"/>
+                  </a:ext>
+                </a:extLst>
+              </a:tr>
+              <a:tr h="494862">
+                <a:tc>
+                  <a:txBody>
+                    <a:bodyPr/>
+                    <a:lstStyle/>
+                    <a:p>
+                      <a:pPr algn="r" fontAlgn="b"/>
+                      <a:r>
+                        <a:rPr lang="en-GB" sz="900" u="none" strike="noStrike">
+                          <a:effectLst/>
+                        </a:rPr>
+                        <a:t>1.5</a:t>
+                      </a:r>
+                      <a:endParaRPr lang="en-GB" sz="900" b="0" i="0" u="none" strike="noStrike">
+                        <a:solidFill>
+                          <a:srgbClr val="000000"/>
+                        </a:solidFill>
+                        <a:effectLst/>
+                        <a:latin typeface="Calibri" panose="020F0502020204030204" pitchFamily="34" charset="0"/>
+                      </a:endParaRPr>
+                    </a:p>
+                  </a:txBody>
+                  <a:tcPr marL="5101" marR="5101" marT="5101" marB="0" anchor="b"/>
+                </a:tc>
+                <a:tc>
+                  <a:txBody>
+                    <a:bodyPr/>
+                    <a:lstStyle/>
+                    <a:p>
+                      <a:pPr algn="r" fontAlgn="b"/>
+                      <a:r>
+                        <a:rPr lang="en-GB" sz="900" u="none" strike="noStrike">
+                          <a:effectLst/>
+                        </a:rPr>
+                        <a:t>1</a:t>
+                      </a:r>
+                      <a:endParaRPr lang="en-GB" sz="900" b="0" i="0" u="none" strike="noStrike">
+                        <a:solidFill>
+                          <a:srgbClr val="000000"/>
+                        </a:solidFill>
+                        <a:effectLst/>
+                        <a:latin typeface="Calibri" panose="020F0502020204030204" pitchFamily="34" charset="0"/>
+                      </a:endParaRPr>
+                    </a:p>
+                  </a:txBody>
+                  <a:tcPr marL="5101" marR="5101" marT="5101" marB="0" anchor="b"/>
+                </a:tc>
+                <a:tc>
+                  <a:txBody>
+                    <a:bodyPr/>
+                    <a:lstStyle/>
+                    <a:p>
+                      <a:pPr algn="l" fontAlgn="b"/>
+                      <a:r>
+                        <a:rPr lang="en-GB" sz="900" u="none" strike="noStrike">
+                          <a:effectLst/>
+                        </a:rPr>
+                        <a:t>Getter methods</a:t>
+                      </a:r>
+                      <a:endParaRPr lang="en-GB" sz="900" b="0" i="0" u="none" strike="noStrike">
+                        <a:solidFill>
+                          <a:srgbClr val="000000"/>
+                        </a:solidFill>
+                        <a:effectLst/>
+                        <a:latin typeface="Calibri" panose="020F0502020204030204" pitchFamily="34" charset="0"/>
+                      </a:endParaRPr>
+                    </a:p>
+                  </a:txBody>
+                  <a:tcPr marL="5101" marR="5101" marT="5101" marB="0" anchor="b"/>
+                </a:tc>
+                <a:tc>
+                  <a:txBody>
+                    <a:bodyPr/>
+                    <a:lstStyle/>
+                    <a:p>
+                      <a:pPr algn="l" fontAlgn="b"/>
+                      <a:r>
+                        <a:rPr lang="en-GB" sz="900" u="none" strike="noStrike">
+                          <a:effectLst/>
+                        </a:rPr>
+                        <a:t>JPA - getting methods</a:t>
+                      </a:r>
+                      <a:endParaRPr lang="en-GB" sz="900" b="0" i="0" u="none" strike="noStrike">
+                        <a:solidFill>
+                          <a:srgbClr val="000000"/>
+                        </a:solidFill>
+                        <a:effectLst/>
+                        <a:latin typeface="Calibri" panose="020F0502020204030204" pitchFamily="34" charset="0"/>
+                      </a:endParaRPr>
+                    </a:p>
+                  </a:txBody>
+                  <a:tcPr marL="5101" marR="5101" marT="5101" marB="0" anchor="b"/>
+                </a:tc>
+                <a:tc>
+                  <a:txBody>
+                    <a:bodyPr/>
+                    <a:lstStyle/>
+                    <a:p>
+                      <a:pPr algn="l" fontAlgn="b"/>
+                      <a:r>
+                        <a:rPr lang="en-GB" sz="900" u="none" strike="noStrike">
+                          <a:effectLst/>
+                        </a:rPr>
+                        <a:t>JPA Classes, Database</a:t>
+                      </a:r>
+                      <a:endParaRPr lang="en-GB" sz="900" b="0" i="0" u="none" strike="noStrike">
+                        <a:solidFill>
+                          <a:srgbClr val="000000"/>
+                        </a:solidFill>
+                        <a:effectLst/>
+                        <a:latin typeface="Calibri" panose="020F0502020204030204" pitchFamily="34" charset="0"/>
+                      </a:endParaRPr>
+                    </a:p>
+                  </a:txBody>
+                  <a:tcPr marL="5101" marR="5101" marT="5101" marB="0" anchor="b"/>
+                </a:tc>
+                <a:tc>
+                  <a:txBody>
+                    <a:bodyPr/>
+                    <a:lstStyle/>
+                    <a:p>
+                      <a:pPr algn="l" fontAlgn="b"/>
+                      <a:r>
+                        <a:rPr lang="en-GB" sz="900" u="none" strike="noStrike">
+                          <a:effectLst/>
+                        </a:rPr>
+                        <a:t>varan2</a:t>
+                      </a:r>
+                      <a:endParaRPr lang="en-GB" sz="900" b="0" i="0" u="none" strike="noStrike">
+                        <a:solidFill>
+                          <a:srgbClr val="000000"/>
+                        </a:solidFill>
+                        <a:effectLst/>
+                        <a:latin typeface="Calibri" panose="020F0502020204030204" pitchFamily="34" charset="0"/>
+                      </a:endParaRPr>
+                    </a:p>
+                  </a:txBody>
+                  <a:tcPr marL="5101" marR="5101" marT="5101" marB="0" anchor="b"/>
+                </a:tc>
+                <a:tc>
+                  <a:txBody>
+                    <a:bodyPr/>
+                    <a:lstStyle/>
+                    <a:p>
+                      <a:pPr algn="l" fontAlgn="b"/>
+                      <a:r>
+                        <a:rPr lang="en-GB" sz="900" u="none" strike="noStrike">
+                          <a:effectLst/>
+                        </a:rPr>
+                        <a:t>dittp2</a:t>
+                      </a:r>
+                      <a:endParaRPr lang="en-GB" sz="900" b="0" i="0" u="none" strike="noStrike">
+                        <a:solidFill>
+                          <a:srgbClr val="000000"/>
+                        </a:solidFill>
+                        <a:effectLst/>
+                        <a:latin typeface="Calibri" panose="020F0502020204030204" pitchFamily="34" charset="0"/>
+                      </a:endParaRPr>
+                    </a:p>
+                  </a:txBody>
+                  <a:tcPr marL="5101" marR="5101" marT="5101" marB="0" anchor="b"/>
+                </a:tc>
+                <a:tc>
+                  <a:txBody>
+                    <a:bodyPr/>
+                    <a:lstStyle/>
+                    <a:p>
+                      <a:pPr algn="l" fontAlgn="b"/>
+                      <a:r>
+                        <a:rPr lang="en-GB" sz="900" u="none" strike="noStrike">
+                          <a:effectLst/>
+                        </a:rPr>
+                        <a:t>low</a:t>
+                      </a:r>
+                      <a:endParaRPr lang="en-GB" sz="900" b="0" i="0" u="none" strike="noStrike">
+                        <a:solidFill>
+                          <a:srgbClr val="000000"/>
+                        </a:solidFill>
+                        <a:effectLst/>
+                        <a:latin typeface="Calibri" panose="020F0502020204030204" pitchFamily="34" charset="0"/>
+                      </a:endParaRPr>
+                    </a:p>
+                  </a:txBody>
+                  <a:tcPr marL="5101" marR="5101" marT="5101" marB="0" anchor="b"/>
+                </a:tc>
+                <a:tc>
+                  <a:txBody>
+                    <a:bodyPr/>
+                    <a:lstStyle/>
+                    <a:p>
+                      <a:pPr algn="r" fontAlgn="b"/>
+                      <a:r>
+                        <a:rPr lang="en-GB" sz="900" u="none" strike="noStrike">
+                          <a:effectLst/>
+                        </a:rPr>
+                        <a:t>6</a:t>
+                      </a:r>
+                      <a:endParaRPr lang="en-GB" sz="900" b="0" i="0" u="none" strike="noStrike">
+                        <a:solidFill>
+                          <a:srgbClr val="000000"/>
+                        </a:solidFill>
+                        <a:effectLst/>
+                        <a:latin typeface="Calibri" panose="020F0502020204030204" pitchFamily="34" charset="0"/>
+                      </a:endParaRPr>
+                    </a:p>
+                  </a:txBody>
+                  <a:tcPr marL="5101" marR="5101" marT="5101" marB="0" anchor="b"/>
+                </a:tc>
+                <a:tc>
+                  <a:txBody>
+                    <a:bodyPr/>
+                    <a:lstStyle/>
+                    <a:p>
+                      <a:pPr algn="r" fontAlgn="b"/>
+                      <a:r>
+                        <a:rPr lang="en-GB" sz="900" u="none" strike="noStrike">
+                          <a:effectLst/>
+                        </a:rPr>
+                        <a:t>8</a:t>
+                      </a:r>
+                      <a:endParaRPr lang="en-GB" sz="900" b="0" i="0" u="none" strike="noStrike">
+                        <a:solidFill>
+                          <a:srgbClr val="000000"/>
+                        </a:solidFill>
+                        <a:effectLst/>
+                        <a:latin typeface="Calibri" panose="020F0502020204030204" pitchFamily="34" charset="0"/>
+                      </a:endParaRPr>
+                    </a:p>
+                  </a:txBody>
+                  <a:tcPr marL="5101" marR="5101" marT="5101" marB="0" anchor="b"/>
+                </a:tc>
+                <a:tc>
+                  <a:txBody>
+                    <a:bodyPr/>
+                    <a:lstStyle/>
+                    <a:p>
+                      <a:pPr algn="r" fontAlgn="b"/>
+                      <a:r>
+                        <a:rPr lang="en-GB" sz="900" u="none" strike="noStrike">
+                          <a:effectLst/>
+                        </a:rPr>
+                        <a:t>0</a:t>
+                      </a:r>
+                      <a:endParaRPr lang="en-GB" sz="900" b="0" i="0" u="none" strike="noStrike">
+                        <a:solidFill>
+                          <a:srgbClr val="000000"/>
+                        </a:solidFill>
+                        <a:effectLst/>
+                        <a:latin typeface="Calibri" panose="020F0502020204030204" pitchFamily="34" charset="0"/>
+                      </a:endParaRPr>
+                    </a:p>
+                  </a:txBody>
+                  <a:tcPr marL="5101" marR="5101" marT="5101" marB="0" anchor="b"/>
+                </a:tc>
+                <a:tc>
+                  <a:txBody>
+                    <a:bodyPr/>
+                    <a:lstStyle/>
+                    <a:p>
+                      <a:pPr algn="l" fontAlgn="b"/>
+                      <a:r>
+                        <a:rPr lang="en-GB" sz="900" u="none" strike="noStrike" dirty="0">
+                          <a:effectLst/>
+                        </a:rPr>
+                        <a:t>deferred</a:t>
+                      </a:r>
+                      <a:endParaRPr lang="en-GB" sz="900" b="0" i="0" u="none" strike="noStrike" dirty="0">
+                        <a:solidFill>
+                          <a:srgbClr val="000000"/>
+                        </a:solidFill>
+                        <a:effectLst/>
+                        <a:latin typeface="Calibri" panose="020F0502020204030204" pitchFamily="34" charset="0"/>
+                      </a:endParaRPr>
+                    </a:p>
+                  </a:txBody>
+                  <a:tcPr marL="5101" marR="5101" marT="5101" marB="0" anchor="b"/>
+                </a:tc>
+                <a:extLst>
+                  <a:ext uri="{0D108BD9-81ED-4DB2-BD59-A6C34878D82A}">
+                    <a16:rowId xmlns:a16="http://schemas.microsoft.com/office/drawing/2014/main" val="1221227713"/>
+                  </a:ext>
+                </a:extLst>
+              </a:tr>
+            </a:tbl>
+          </a:graphicData>
+        </a:graphic>
+      </p:graphicFrame>
+    </p:spTree>
+    <p:extLst>
+      <p:ext uri="{BB962C8B-B14F-4D97-AF65-F5344CB8AC3E}">
+        <p14:creationId xmlns:p14="http://schemas.microsoft.com/office/powerpoint/2010/main" val="3364011619"/>
+      </p:ext>
+    </p:extLst>
+  </p:cSld>
+  <p:clrMapOvr>
+    <a:masterClrMapping/>
+  </p:clrMapOvr>
+</p:sld>
+</file>
+
+<file path=ppt/slides/slide6.xml><?xml version="1.0" encoding="utf-8"?>
+<p:sld xmlns:a="http://schemas.openxmlformats.org/drawingml/2006/main" xmlns:r="http://schemas.openxmlformats.org/officeDocument/2006/relationships" xmlns:p="http://schemas.openxmlformats.org/presentationml/2006/main">
+  <p:cSld>
+    <p:spTree>
+      <p:nvGrpSpPr>
+        <p:cNvPr id="1" name=""/>
+        <p:cNvGrpSpPr/>
+        <p:nvPr/>
+      </p:nvGrpSpPr>
+      <p:grpSpPr>
+        <a:xfrm>
+          <a:off x="0" y="0"/>
+          <a:ext cx="0" cy="0"/>
+          <a:chOff x="0" y="0"/>
+          <a:chExt cx="0" cy="0"/>
+        </a:xfrm>
+      </p:grpSpPr>
+      <p:sp>
+        <p:nvSpPr>
+          <p:cNvPr id="2" name="Content Placeholder 1"/>
+          <p:cNvSpPr>
+            <a:spLocks noGrp="1"/>
+          </p:cNvSpPr>
+          <p:nvPr>
+            <p:ph sz="half" idx="1"/>
+          </p:nvPr>
+        </p:nvSpPr>
+        <p:spPr>
+          <a:xfrm>
+            <a:off x="457200" y="1332000"/>
+            <a:ext cx="11249025" cy="439048"/>
+          </a:xfrm>
+        </p:spPr>
+        <p:txBody>
+          <a:bodyPr/>
+          <a:lstStyle/>
+          <a:p>
+            <a:r>
+              <a:rPr lang="en-GB" dirty="0"/>
+              <a:t>Burndown chart</a:t>
+            </a:r>
+          </a:p>
+          <a:p>
+            <a:endParaRPr lang="en-GB" dirty="0"/>
+          </a:p>
+        </p:txBody>
+      </p:sp>
+      <p:sp>
+        <p:nvSpPr>
+          <p:cNvPr id="3" name="Title 2"/>
+          <p:cNvSpPr>
+            <a:spLocks noGrp="1"/>
+          </p:cNvSpPr>
+          <p:nvPr>
+            <p:ph type="ctrTitle"/>
+          </p:nvPr>
+        </p:nvSpPr>
+        <p:spPr/>
+        <p:txBody>
+          <a:bodyPr/>
+          <a:lstStyle/>
+          <a:p>
+            <a:r>
+              <a:rPr lang="en-GB" dirty="0"/>
+              <a:t>Scrum process – Sprint 1</a:t>
+            </a:r>
+            <a:endParaRPr lang="en-GB" dirty="0"/>
+          </a:p>
+        </p:txBody>
+      </p:sp>
+      <p:sp>
+        <p:nvSpPr>
+          <p:cNvPr id="9" name="Content Placeholder 1"/>
+          <p:cNvSpPr txBox="1">
+            <a:spLocks/>
+          </p:cNvSpPr>
+          <p:nvPr/>
+        </p:nvSpPr>
+        <p:spPr>
+          <a:xfrm>
+            <a:off x="457200" y="5447898"/>
+            <a:ext cx="11249025" cy="808523"/>
+          </a:xfrm>
+          <a:prstGeom prst="rect">
+            <a:avLst/>
+          </a:prstGeom>
+        </p:spPr>
+        <p:txBody>
+          <a:bodyPr lIns="0" rIns="0"/>
+          <a:lstStyle>
+            <a:lvl1pPr marL="271463" indent="-271463" algn="l" defTabSz="457200" rtl="0" eaLnBrk="1" fontAlgn="base" hangingPunct="1">
+              <a:spcBef>
+                <a:spcPct val="20000"/>
+              </a:spcBef>
+              <a:spcAft>
+                <a:spcPct val="0"/>
+              </a:spcAft>
+              <a:buClr>
+                <a:srgbClr val="FAA500"/>
+              </a:buClr>
+              <a:buSzPct val="80000"/>
+              <a:buFont typeface="Lucida Grande"/>
+              <a:buChar char="▶"/>
+              <a:defRPr sz="2200" kern="1200">
+                <a:solidFill>
+                  <a:schemeClr val="tx1"/>
+                </a:solidFill>
+                <a:latin typeface="Lucida Sans"/>
+                <a:ea typeface="MS PGothic" pitchFamily="34" charset="-128"/>
+                <a:cs typeface="Lucida Sans"/>
+              </a:defRPr>
+            </a:lvl1pPr>
+            <a:lvl2pPr marL="742950" indent="-285750" algn="l" defTabSz="457200" rtl="0" eaLnBrk="1" fontAlgn="base" hangingPunct="1">
+              <a:spcBef>
+                <a:spcPct val="20000"/>
+              </a:spcBef>
+              <a:spcAft>
+                <a:spcPct val="0"/>
+              </a:spcAft>
+              <a:buClr>
+                <a:srgbClr val="FAA500"/>
+              </a:buClr>
+              <a:buSzPct val="80000"/>
+              <a:buFont typeface="Lucida Grande"/>
+              <a:buChar char="▶"/>
+              <a:defRPr sz="2200" kern="1200">
+                <a:solidFill>
+                  <a:schemeClr val="tx1"/>
+                </a:solidFill>
+                <a:latin typeface="Lucida Sans"/>
+                <a:ea typeface="MS PGothic" pitchFamily="34" charset="-128"/>
+                <a:cs typeface="Lucida Sans"/>
+              </a:defRPr>
+            </a:lvl2pPr>
+            <a:lvl3pPr marL="1143000" indent="-228600" algn="l" defTabSz="457200" rtl="0" eaLnBrk="1" fontAlgn="base" hangingPunct="1">
+              <a:spcBef>
+                <a:spcPct val="20000"/>
+              </a:spcBef>
+              <a:spcAft>
+                <a:spcPct val="0"/>
+              </a:spcAft>
+              <a:buClr>
+                <a:srgbClr val="FAA500"/>
+              </a:buClr>
+              <a:buSzPct val="80000"/>
+              <a:buFont typeface="Lucida Grande"/>
+              <a:buChar char="▶"/>
+              <a:defRPr sz="2200" kern="1200">
+                <a:solidFill>
+                  <a:schemeClr val="tx1"/>
+                </a:solidFill>
+                <a:latin typeface="Lucida Sans"/>
+                <a:ea typeface="MS PGothic" pitchFamily="34" charset="-128"/>
+                <a:cs typeface="Lucida Sans"/>
+              </a:defRPr>
+            </a:lvl3pPr>
+            <a:lvl4pPr marL="1600200" indent="-228600" algn="l" defTabSz="457200" rtl="0" eaLnBrk="1" fontAlgn="base" hangingPunct="1">
+              <a:spcBef>
+                <a:spcPct val="20000"/>
+              </a:spcBef>
+              <a:spcAft>
+                <a:spcPct val="0"/>
+              </a:spcAft>
+              <a:buClr>
+                <a:srgbClr val="FAA500"/>
+              </a:buClr>
+              <a:buSzPct val="80000"/>
+              <a:buFont typeface="Lucida Grande"/>
+              <a:buChar char="▶"/>
+              <a:defRPr sz="2200" kern="1200">
+                <a:solidFill>
+                  <a:schemeClr val="tx1"/>
+                </a:solidFill>
+                <a:latin typeface="Lucida Sans"/>
+                <a:ea typeface="MS PGothic" pitchFamily="34" charset="-128"/>
+                <a:cs typeface="Lucida Sans"/>
+              </a:defRPr>
+            </a:lvl4pPr>
+            <a:lvl5pPr marL="2057400" indent="-228600" algn="l" defTabSz="457200" rtl="0" eaLnBrk="1" fontAlgn="base" hangingPunct="1">
+              <a:spcBef>
+                <a:spcPct val="20000"/>
+              </a:spcBef>
+              <a:spcAft>
+                <a:spcPct val="0"/>
+              </a:spcAft>
+              <a:buClr>
+                <a:srgbClr val="FAA500"/>
+              </a:buClr>
+              <a:buSzPct val="80000"/>
+              <a:buFont typeface="Lucida Grande"/>
+              <a:buChar char="▶"/>
+              <a:defRPr sz="2200" kern="1200">
+                <a:solidFill>
+                  <a:schemeClr val="tx1"/>
+                </a:solidFill>
+                <a:latin typeface="Lucida Sans"/>
+                <a:ea typeface="MS PGothic" pitchFamily="34" charset="-128"/>
+                <a:cs typeface="Lucida Sans"/>
+              </a:defRPr>
+            </a:lvl5pPr>
+            <a:lvl6pPr marL="2514600" indent="-228600" algn="l" defTabSz="457200" rtl="0" eaLnBrk="1" latinLnBrk="0" hangingPunct="1">
+              <a:spcBef>
+                <a:spcPct val="20000"/>
+              </a:spcBef>
+              <a:buFont typeface="Arial"/>
+              <a:buChar char="•"/>
+              <a:defRPr sz="1800" kern="1200">
+                <a:solidFill>
+                  <a:schemeClr val="tx1"/>
+                </a:solidFill>
+                <a:latin typeface="+mn-lt"/>
+                <a:ea typeface="+mn-ea"/>
+                <a:cs typeface="+mn-cs"/>
+              </a:defRPr>
+            </a:lvl6pPr>
+            <a:lvl7pPr marL="2971800" indent="-228600" algn="l" defTabSz="457200" rtl="0" eaLnBrk="1" latinLnBrk="0" hangingPunct="1">
+              <a:spcBef>
+                <a:spcPct val="20000"/>
+              </a:spcBef>
+              <a:buFont typeface="Arial"/>
+              <a:buChar char="•"/>
+              <a:defRPr sz="1800" kern="1200">
+                <a:solidFill>
+                  <a:schemeClr val="tx1"/>
+                </a:solidFill>
+                <a:latin typeface="+mn-lt"/>
+                <a:ea typeface="+mn-ea"/>
+                <a:cs typeface="+mn-cs"/>
+              </a:defRPr>
+            </a:lvl7pPr>
+            <a:lvl8pPr marL="3429000" indent="-228600" algn="l" defTabSz="457200" rtl="0" eaLnBrk="1" latinLnBrk="0" hangingPunct="1">
+              <a:spcBef>
+                <a:spcPct val="20000"/>
+              </a:spcBef>
+              <a:buFont typeface="Arial"/>
+              <a:buChar char="•"/>
+              <a:defRPr sz="1800" kern="1200">
+                <a:solidFill>
+                  <a:schemeClr val="tx1"/>
+                </a:solidFill>
+                <a:latin typeface="+mn-lt"/>
+                <a:ea typeface="+mn-ea"/>
+                <a:cs typeface="+mn-cs"/>
+              </a:defRPr>
+            </a:lvl8pPr>
+            <a:lvl9pPr marL="3886200" indent="-228600" algn="l" defTabSz="457200" rtl="0" eaLnBrk="1" latinLnBrk="0" hangingPunct="1">
+              <a:spcBef>
+                <a:spcPct val="20000"/>
+              </a:spcBef>
+              <a:buFont typeface="Arial"/>
+              <a:buChar char="•"/>
+              <a:defRPr sz="1800" kern="1200">
+                <a:solidFill>
+                  <a:schemeClr val="tx1"/>
+                </a:solidFill>
+                <a:latin typeface="+mn-lt"/>
+                <a:ea typeface="+mn-ea"/>
+                <a:cs typeface="+mn-cs"/>
+              </a:defRPr>
+            </a:lvl9pPr>
+          </a:lstStyle>
+          <a:p>
+            <a:r>
+              <a:rPr lang="en-GB" dirty="0"/>
+              <a:t>Remaining Effort: 178</a:t>
+            </a:r>
+          </a:p>
+          <a:p>
+            <a:r>
+              <a:rPr lang="en-GB" dirty="0"/>
+              <a:t>Remaining Resources: 168</a:t>
+            </a:r>
+          </a:p>
+        </p:txBody>
+      </p:sp>
+      <p:graphicFrame>
+        <p:nvGraphicFramePr>
+          <p:cNvPr id="10" name="Chart 9">
+            <a:extLst>
+              <a:ext uri="{FF2B5EF4-FFF2-40B4-BE49-F238E27FC236}">
+                <a16:creationId xmlns:a16="http://schemas.microsoft.com/office/drawing/2014/main" id="{97255450-11E7-4F0C-93C8-00E68EF0BB4F}"/>
+              </a:ext>
+            </a:extLst>
+          </p:cNvPr>
+          <p:cNvGraphicFramePr>
+            <a:graphicFrameLocks/>
+          </p:cNvGraphicFramePr>
+          <p:nvPr>
+            <p:extLst>
+              <p:ext uri="{D42A27DB-BD31-4B8C-83A1-F6EECF244321}">
+                <p14:modId xmlns:p14="http://schemas.microsoft.com/office/powerpoint/2010/main" val="2804917154"/>
+              </p:ext>
+            </p:extLst>
+          </p:nvPr>
+        </p:nvGraphicFramePr>
+        <p:xfrm>
+          <a:off x="1491916" y="1771048"/>
+          <a:ext cx="8422105" cy="3676850"/>
+        </p:xfrm>
+        <a:graphic>
+          <a:graphicData uri="http://schemas.openxmlformats.org/drawingml/2006/chart">
+            <c:chart xmlns:c="http://schemas.openxmlformats.org/drawingml/2006/chart" xmlns:r="http://schemas.openxmlformats.org/officeDocument/2006/relationships" r:id="rId2"/>
+          </a:graphicData>
+        </a:graphic>
+      </p:graphicFrame>
+      <p:pic>
+        <p:nvPicPr>
+          <p:cNvPr id="11" name="Picture 10"/>
+          <p:cNvPicPr>
+            <a:picLocks noChangeAspect="1"/>
+          </p:cNvPicPr>
+          <p:nvPr/>
+        </p:nvPicPr>
+        <p:blipFill>
+          <a:blip r:embed="rId3"/>
+          <a:stretch>
+            <a:fillRect/>
+          </a:stretch>
+        </p:blipFill>
+        <p:spPr>
+          <a:xfrm>
+            <a:off x="1816683" y="1944300"/>
+            <a:ext cx="6249287" cy="3149842"/>
+          </a:xfrm>
+          <a:prstGeom prst="rect">
+            <a:avLst/>
+          </a:prstGeom>
+        </p:spPr>
+      </p:pic>
+    </p:spTree>
+    <p:extLst>
+      <p:ext uri="{BB962C8B-B14F-4D97-AF65-F5344CB8AC3E}">
+        <p14:creationId xmlns:p14="http://schemas.microsoft.com/office/powerpoint/2010/main" val="3664522045"/>
+      </p:ext>
+    </p:extLst>
+  </p:cSld>
+  <p:clrMapOvr>
+    <a:masterClrMapping/>
+  </p:clrMapOvr>
+  <p:timing>
+    <p:tnLst>
+      <p:par>
+        <p:cTn id="1" dur="indefinite" restart="never" nodeType="tmRoot">
+          <p:childTnLst>
+            <p:seq concurrent="1" nextAc="seek">
+              <p:cTn id="2" dur="indefinite" nodeType="mainSeq">
+                <p:childTnLst>
+                  <p:par>
+                    <p:cTn id="3" fill="hold">
+                      <p:stCondLst>
+                        <p:cond delay="indefinite"/>
+                      </p:stCondLst>
+                      <p:childTnLst>
+                        <p:par>
+                          <p:cTn id="4" fill="hold">
+                            <p:stCondLst>
+                              <p:cond delay="0"/>
+                            </p:stCondLst>
+                            <p:childTnLst>
+                              <p:par>
+                                <p:cTn id="5" presetID="10" presetClass="exit" presetSubtype="0" fill="hold" grpId="0" nodeType="clickEffect">
+                                  <p:stCondLst>
+                                    <p:cond delay="0"/>
+                                  </p:stCondLst>
+                                  <p:childTnLst>
+                                    <p:animEffect transition="out" filter="fade">
+                                      <p:cBhvr>
+                                        <p:cTn id="6" dur="500"/>
+                                        <p:tgtEl>
+                                          <p:spTgt spid="10"/>
+                                        </p:tgtEl>
+                                      </p:cBhvr>
+                                    </p:animEffect>
+                                    <p:set>
+                                      <p:cBhvr>
+                                        <p:cTn id="7" dur="1" fill="hold">
+                                          <p:stCondLst>
+                                            <p:cond delay="499"/>
+                                          </p:stCondLst>
+                                        </p:cTn>
+                                        <p:tgtEl>
+                                          <p:spTgt spid="10"/>
+                                        </p:tgtEl>
+                                        <p:attrNameLst>
+                                          <p:attrName>style.visibility</p:attrName>
+                                        </p:attrNameLst>
+                                      </p:cBhvr>
+                                      <p:to>
+                                        <p:strVal val="hidden"/>
+                                      </p:to>
+                                    </p:set>
+                                  </p:childTnLst>
+                                </p:cTn>
+                              </p:par>
+                              <p:par>
+                                <p:cTn id="8" presetID="1" presetClass="entr" presetSubtype="0" fill="hold" nodeType="withEffect">
+                                  <p:stCondLst>
+                                    <p:cond delay="0"/>
+                                  </p:stCondLst>
+                                  <p:childTnLst>
+                                    <p:set>
+                                      <p:cBhvr>
+                                        <p:cTn id="9" dur="1" fill="hold">
+                                          <p:stCondLst>
+                                            <p:cond delay="0"/>
+                                          </p:stCondLst>
+                                        </p:cTn>
+                                        <p:tgtEl>
+                                          <p:spTgt spid="11"/>
+                                        </p:tgtEl>
+                                        <p:attrNameLst>
+                                          <p:attrName>style.visibility</p:attrName>
+                                        </p:attrNameLst>
+                                      </p:cBhvr>
+                                      <p:to>
+                                        <p:strVal val="visible"/>
+                                      </p:to>
+                                    </p:set>
+                                  </p:childTnLst>
+                                </p:cTn>
+                              </p:par>
+                            </p:childTnLst>
+                          </p:cTn>
+                        </p:par>
+                      </p:childTnLst>
+                    </p:cTn>
+                  </p:par>
+                </p:childTnLst>
+              </p:cTn>
+              <p:prevCondLst>
+                <p:cond evt="onPrev" delay="0">
+                  <p:tgtEl>
+                    <p:sldTgt/>
+                  </p:tgtEl>
+                </p:cond>
+              </p:prevCondLst>
+              <p:nextCondLst>
+                <p:cond evt="onNext" delay="0">
+                  <p:tgtEl>
+                    <p:sldTgt/>
+                  </p:tgtEl>
+                </p:cond>
+              </p:nextCondLst>
+            </p:seq>
+          </p:childTnLst>
+        </p:cTn>
+      </p:par>
+    </p:tnLst>
+    <p:bldLst>
+      <p:bldGraphic spid="10" grpId="0">
+        <p:bldAsOne/>
+      </p:bldGraphic>
+    </p:bldLst>
+  </p:timing>
+</p:sld>
+</file>
+
+<file path=ppt/slides/slide7.xml><?xml version="1.0" encoding="utf-8"?>
+<p:sld xmlns:a="http://schemas.openxmlformats.org/drawingml/2006/main" xmlns:r="http://schemas.openxmlformats.org/officeDocument/2006/relationships" xmlns:p="http://schemas.openxmlformats.org/presentationml/2006/main">
+  <p:cSld>
+    <p:spTree>
+      <p:nvGrpSpPr>
+        <p:cNvPr id="1" name=""/>
+        <p:cNvGrpSpPr/>
+        <p:nvPr/>
+      </p:nvGrpSpPr>
+      <p:grpSpPr>
+        <a:xfrm>
+          <a:off x="0" y="0"/>
+          <a:ext cx="0" cy="0"/>
+          <a:chOff x="0" y="0"/>
+          <a:chExt cx="0" cy="0"/>
+        </a:xfrm>
+      </p:grpSpPr>
+      <p:sp>
+        <p:nvSpPr>
+          <p:cNvPr id="2" name="Content Placeholder 1"/>
+          <p:cNvSpPr>
+            <a:spLocks noGrp="1"/>
+          </p:cNvSpPr>
+          <p:nvPr>
+            <p:ph sz="half" idx="1"/>
+          </p:nvPr>
+        </p:nvSpPr>
+        <p:spPr/>
+        <p:txBody>
+          <a:bodyPr/>
+          <a:lstStyle/>
+          <a:p>
+            <a:r>
+              <a:rPr lang="en-GB" dirty="0"/>
+              <a:t>Sprint 2 – Scrum Session</a:t>
+            </a:r>
+          </a:p>
+          <a:p>
+            <a:pPr lvl="1"/>
+            <a:r>
+              <a:rPr lang="en-GB" dirty="0"/>
+              <a:t>2 weeks – a total of 84 working hours</a:t>
+            </a:r>
+          </a:p>
+          <a:p>
+            <a:pPr lvl="1"/>
+            <a:endParaRPr lang="en-GB" dirty="0"/>
+          </a:p>
+          <a:p>
+            <a:pPr lvl="1"/>
+            <a:endParaRPr lang="en-GB" dirty="0"/>
+          </a:p>
+        </p:txBody>
+      </p:sp>
+      <p:sp>
+        <p:nvSpPr>
+          <p:cNvPr id="3" name="Title 2"/>
+          <p:cNvSpPr>
+            <a:spLocks noGrp="1"/>
+          </p:cNvSpPr>
+          <p:nvPr>
+            <p:ph type="ctrTitle"/>
+          </p:nvPr>
+        </p:nvSpPr>
+        <p:spPr/>
+        <p:txBody>
+          <a:bodyPr/>
+          <a:lstStyle/>
+          <a:p>
+            <a:r>
+              <a:rPr lang="en-GB" dirty="0"/>
+              <a:t>Scrum process – Sprint 2 Planning</a:t>
+            </a:r>
+          </a:p>
+        </p:txBody>
+      </p:sp>
+      <p:graphicFrame>
+        <p:nvGraphicFramePr>
+          <p:cNvPr id="7" name="Table 6"/>
+          <p:cNvGraphicFramePr>
+            <a:graphicFrameLocks noGrp="1"/>
+          </p:cNvGraphicFramePr>
+          <p:nvPr>
+            <p:extLst>
+              <p:ext uri="{D42A27DB-BD31-4B8C-83A1-F6EECF244321}">
+                <p14:modId xmlns:p14="http://schemas.microsoft.com/office/powerpoint/2010/main" val="294086321"/>
+              </p:ext>
+            </p:extLst>
+          </p:nvPr>
+        </p:nvGraphicFramePr>
+        <p:xfrm>
+          <a:off x="457200" y="2264196"/>
+          <a:ext cx="11249025" cy="3029699"/>
+        </p:xfrm>
+        <a:graphic>
+          <a:graphicData uri="http://schemas.openxmlformats.org/drawingml/2006/table">
+            <a:tbl>
+              <a:tblPr>
+                <a:tableStyleId>{5C22544A-7EE6-4342-B048-85BDC9FD1C3A}</a:tableStyleId>
+              </a:tblPr>
+              <a:tblGrid>
+                <a:gridCol w="294306">
+                  <a:extLst>
+                    <a:ext uri="{9D8B030D-6E8A-4147-A177-3AD203B41FA5}">
+                      <a16:colId xmlns:a16="http://schemas.microsoft.com/office/drawing/2014/main" val="475861390"/>
+                    </a:ext>
+                  </a:extLst>
+                </a:gridCol>
+                <a:gridCol w="370608">
+                  <a:extLst>
+                    <a:ext uri="{9D8B030D-6E8A-4147-A177-3AD203B41FA5}">
+                      <a16:colId xmlns:a16="http://schemas.microsoft.com/office/drawing/2014/main" val="1769065204"/>
+                    </a:ext>
+                  </a:extLst>
+                </a:gridCol>
+                <a:gridCol w="854589">
+                  <a:extLst>
+                    <a:ext uri="{9D8B030D-6E8A-4147-A177-3AD203B41FA5}">
+                      <a16:colId xmlns:a16="http://schemas.microsoft.com/office/drawing/2014/main" val="3743636707"/>
+                    </a:ext>
+                  </a:extLst>
+                </a:gridCol>
+                <a:gridCol w="3756203">
+                  <a:extLst>
+                    <a:ext uri="{9D8B030D-6E8A-4147-A177-3AD203B41FA5}">
+                      <a16:colId xmlns:a16="http://schemas.microsoft.com/office/drawing/2014/main" val="2646478733"/>
+                    </a:ext>
+                  </a:extLst>
+                </a:gridCol>
+                <a:gridCol w="1635032">
+                  <a:extLst>
+                    <a:ext uri="{9D8B030D-6E8A-4147-A177-3AD203B41FA5}">
+                      <a16:colId xmlns:a16="http://schemas.microsoft.com/office/drawing/2014/main" val="3805328897"/>
+                    </a:ext>
+                  </a:extLst>
+                </a:gridCol>
+                <a:gridCol w="872017">
+                  <a:extLst>
+                    <a:ext uri="{9D8B030D-6E8A-4147-A177-3AD203B41FA5}">
+                      <a16:colId xmlns:a16="http://schemas.microsoft.com/office/drawing/2014/main" val="1477152197"/>
+                    </a:ext>
+                  </a:extLst>
+                </a:gridCol>
+                <a:gridCol w="588611">
+                  <a:extLst>
+                    <a:ext uri="{9D8B030D-6E8A-4147-A177-3AD203B41FA5}">
+                      <a16:colId xmlns:a16="http://schemas.microsoft.com/office/drawing/2014/main" val="108243116"/>
+                    </a:ext>
+                  </a:extLst>
+                </a:gridCol>
+                <a:gridCol w="501410">
+                  <a:extLst>
+                    <a:ext uri="{9D8B030D-6E8A-4147-A177-3AD203B41FA5}">
+                      <a16:colId xmlns:a16="http://schemas.microsoft.com/office/drawing/2014/main" val="835247576"/>
+                    </a:ext>
+                  </a:extLst>
+                </a:gridCol>
+                <a:gridCol w="479610">
+                  <a:extLst>
+                    <a:ext uri="{9D8B030D-6E8A-4147-A177-3AD203B41FA5}">
+                      <a16:colId xmlns:a16="http://schemas.microsoft.com/office/drawing/2014/main" val="4250152116"/>
+                    </a:ext>
+                  </a:extLst>
+                </a:gridCol>
+                <a:gridCol w="545011">
+                  <a:extLst>
+                    <a:ext uri="{9D8B030D-6E8A-4147-A177-3AD203B41FA5}">
+                      <a16:colId xmlns:a16="http://schemas.microsoft.com/office/drawing/2014/main" val="3902149122"/>
+                    </a:ext>
+                  </a:extLst>
+                </a:gridCol>
+                <a:gridCol w="436009">
+                  <a:extLst>
+                    <a:ext uri="{9D8B030D-6E8A-4147-A177-3AD203B41FA5}">
+                      <a16:colId xmlns:a16="http://schemas.microsoft.com/office/drawing/2014/main" val="2723395586"/>
+                    </a:ext>
+                  </a:extLst>
+                </a:gridCol>
+                <a:gridCol w="915619">
+                  <a:extLst>
+                    <a:ext uri="{9D8B030D-6E8A-4147-A177-3AD203B41FA5}">
+                      <a16:colId xmlns:a16="http://schemas.microsoft.com/office/drawing/2014/main" val="1003722045"/>
+                    </a:ext>
+                  </a:extLst>
+                </a:gridCol>
+              </a:tblGrid>
+              <a:tr h="442006">
+                <a:tc>
+                  <a:txBody>
+                    <a:bodyPr/>
+                    <a:lstStyle/>
+                    <a:p>
+                      <a:pPr algn="r" fontAlgn="b"/>
+                      <a:r>
+                        <a:rPr lang="en-GB" sz="900" u="none" strike="noStrike">
+                          <a:effectLst/>
+                        </a:rPr>
+                        <a:t>2.1</a:t>
+                      </a:r>
+                      <a:endParaRPr lang="en-GB" sz="900" b="0" i="0" u="none" strike="noStrike">
+                        <a:solidFill>
+                          <a:srgbClr val="000000"/>
+                        </a:solidFill>
+                        <a:effectLst/>
+                        <a:latin typeface="Calibri" panose="020F0502020204030204" pitchFamily="34" charset="0"/>
+                      </a:endParaRPr>
+                    </a:p>
+                  </a:txBody>
+                  <a:tcPr marL="0" marR="0" marT="0" marB="0" anchor="b"/>
+                </a:tc>
+                <a:tc>
+                  <a:txBody>
+                    <a:bodyPr/>
+                    <a:lstStyle/>
+                    <a:p>
+                      <a:pPr algn="r" fontAlgn="b"/>
+                      <a:r>
+                        <a:rPr lang="en-GB" sz="900" u="none" strike="noStrike">
+                          <a:effectLst/>
+                        </a:rPr>
+                        <a:t>2</a:t>
+                      </a:r>
+                      <a:endParaRPr lang="en-GB" sz="900" b="0" i="0" u="none" strike="noStrike">
+                        <a:solidFill>
+                          <a:srgbClr val="000000"/>
+                        </a:solidFill>
+                        <a:effectLst/>
+                        <a:latin typeface="Calibri" panose="020F0502020204030204" pitchFamily="34" charset="0"/>
+                      </a:endParaRPr>
+                    </a:p>
+                  </a:txBody>
+                  <a:tcPr marL="0" marR="0" marT="0" marB="0" anchor="b"/>
+                </a:tc>
+                <a:tc>
+                  <a:txBody>
+                    <a:bodyPr/>
+                    <a:lstStyle/>
+                    <a:p>
+                      <a:pPr algn="l" fontAlgn="b"/>
+                      <a:r>
+                        <a:rPr lang="en-GB" sz="900" u="none" strike="noStrike">
+                          <a:effectLst/>
+                        </a:rPr>
+                        <a:t>Getter methods</a:t>
+                      </a:r>
+                      <a:endParaRPr lang="en-GB" sz="900" b="0" i="0" u="none" strike="noStrike">
+                        <a:solidFill>
+                          <a:srgbClr val="000000"/>
+                        </a:solidFill>
+                        <a:effectLst/>
+                        <a:latin typeface="Calibri" panose="020F0502020204030204" pitchFamily="34" charset="0"/>
+                      </a:endParaRPr>
+                    </a:p>
+                  </a:txBody>
+                  <a:tcPr marL="0" marR="0" marT="0" marB="0" anchor="b"/>
+                </a:tc>
+                <a:tc>
+                  <a:txBody>
+                    <a:bodyPr/>
+                    <a:lstStyle/>
+                    <a:p>
+                      <a:pPr algn="l" fontAlgn="b"/>
+                      <a:r>
+                        <a:rPr lang="en-GB" sz="900" u="none" strike="noStrike">
+                          <a:effectLst/>
+                        </a:rPr>
+                        <a:t>JPA - getting methods</a:t>
+                      </a:r>
+                      <a:endParaRPr lang="en-GB" sz="900" b="0" i="0" u="none" strike="noStrike">
+                        <a:solidFill>
+                          <a:srgbClr val="000000"/>
+                        </a:solidFill>
+                        <a:effectLst/>
+                        <a:latin typeface="Calibri" panose="020F0502020204030204" pitchFamily="34" charset="0"/>
+                      </a:endParaRPr>
+                    </a:p>
+                  </a:txBody>
+                  <a:tcPr marL="0" marR="0" marT="0" marB="0" anchor="b"/>
+                </a:tc>
+                <a:tc>
+                  <a:txBody>
+                    <a:bodyPr/>
+                    <a:lstStyle/>
+                    <a:p>
+                      <a:pPr algn="l" fontAlgn="b"/>
+                      <a:r>
+                        <a:rPr lang="en-GB" sz="900" u="none" strike="noStrike">
+                          <a:effectLst/>
+                        </a:rPr>
+                        <a:t>JPA Classes, Database</a:t>
+                      </a:r>
+                      <a:endParaRPr lang="en-GB" sz="900" b="0" i="0" u="none" strike="noStrike">
+                        <a:solidFill>
+                          <a:srgbClr val="000000"/>
+                        </a:solidFill>
+                        <a:effectLst/>
+                        <a:latin typeface="Calibri" panose="020F0502020204030204" pitchFamily="34" charset="0"/>
+                      </a:endParaRPr>
+                    </a:p>
+                  </a:txBody>
+                  <a:tcPr marL="0" marR="0" marT="0" marB="0" anchor="b"/>
+                </a:tc>
+                <a:tc>
+                  <a:txBody>
+                    <a:bodyPr/>
+                    <a:lstStyle/>
+                    <a:p>
+                      <a:pPr algn="l" fontAlgn="b"/>
+                      <a:r>
+                        <a:rPr lang="en-GB" sz="900" u="none" strike="noStrike">
+                          <a:effectLst/>
+                        </a:rPr>
+                        <a:t>varan2</a:t>
+                      </a:r>
+                      <a:endParaRPr lang="en-GB" sz="900" b="0" i="0" u="none" strike="noStrike">
+                        <a:solidFill>
+                          <a:srgbClr val="000000"/>
+                        </a:solidFill>
+                        <a:effectLst/>
+                        <a:latin typeface="Calibri" panose="020F0502020204030204" pitchFamily="34" charset="0"/>
+                      </a:endParaRPr>
+                    </a:p>
+                  </a:txBody>
+                  <a:tcPr marL="0" marR="0" marT="0" marB="0" anchor="b"/>
+                </a:tc>
+                <a:tc>
+                  <a:txBody>
+                    <a:bodyPr/>
+                    <a:lstStyle/>
+                    <a:p>
+                      <a:pPr algn="l" fontAlgn="b"/>
+                      <a:r>
+                        <a:rPr lang="en-GB" sz="900" u="none" strike="noStrike">
+                          <a:effectLst/>
+                        </a:rPr>
+                        <a:t>dittp2</a:t>
+                      </a:r>
+                      <a:endParaRPr lang="en-GB" sz="900" b="0" i="0" u="none" strike="noStrike">
+                        <a:solidFill>
+                          <a:srgbClr val="000000"/>
+                        </a:solidFill>
+                        <a:effectLst/>
+                        <a:latin typeface="Calibri" panose="020F0502020204030204" pitchFamily="34" charset="0"/>
+                      </a:endParaRPr>
+                    </a:p>
+                  </a:txBody>
+                  <a:tcPr marL="0" marR="0" marT="0" marB="0" anchor="b"/>
+                </a:tc>
+                <a:tc>
+                  <a:txBody>
+                    <a:bodyPr/>
+                    <a:lstStyle/>
+                    <a:p>
+                      <a:pPr algn="l" fontAlgn="b"/>
+                      <a:r>
+                        <a:rPr lang="en-GB" sz="900" u="none" strike="noStrike">
+                          <a:effectLst/>
+                        </a:rPr>
+                        <a:t>high</a:t>
+                      </a:r>
+                      <a:endParaRPr lang="en-GB" sz="900" b="0" i="0" u="none" strike="noStrike">
+                        <a:solidFill>
+                          <a:srgbClr val="000000"/>
+                        </a:solidFill>
+                        <a:effectLst/>
+                        <a:latin typeface="Calibri" panose="020F0502020204030204" pitchFamily="34" charset="0"/>
+                      </a:endParaRPr>
+                    </a:p>
+                  </a:txBody>
+                  <a:tcPr marL="0" marR="0" marT="0" marB="0" anchor="b"/>
+                </a:tc>
+                <a:tc>
+                  <a:txBody>
+                    <a:bodyPr/>
+                    <a:lstStyle/>
+                    <a:p>
+                      <a:pPr algn="r" fontAlgn="b"/>
+                      <a:r>
+                        <a:rPr lang="en-GB" sz="900" u="none" strike="noStrike">
+                          <a:effectLst/>
+                        </a:rPr>
+                        <a:t>8</a:t>
+                      </a:r>
+                      <a:endParaRPr lang="en-GB" sz="900" b="0" i="0" u="none" strike="noStrike">
+                        <a:solidFill>
+                          <a:srgbClr val="000000"/>
+                        </a:solidFill>
+                        <a:effectLst/>
+                        <a:latin typeface="Calibri" panose="020F0502020204030204" pitchFamily="34" charset="0"/>
+                      </a:endParaRPr>
+                    </a:p>
+                  </a:txBody>
+                  <a:tcPr marL="0" marR="0" marT="0" marB="0" anchor="b"/>
+                </a:tc>
+                <a:tc>
+                  <a:txBody>
+                    <a:bodyPr/>
+                    <a:lstStyle/>
+                    <a:p>
+                      <a:pPr algn="l" fontAlgn="b"/>
+                      <a:endParaRPr lang="en-GB" sz="900" b="0" i="0" u="none" strike="noStrike">
+                        <a:solidFill>
+                          <a:srgbClr val="000000"/>
+                        </a:solidFill>
+                        <a:effectLst/>
+                        <a:latin typeface="Calibri" panose="020F0502020204030204" pitchFamily="34" charset="0"/>
+                      </a:endParaRPr>
+                    </a:p>
+                  </a:txBody>
+                  <a:tcPr marL="0" marR="0" marT="0" marB="0" anchor="b"/>
+                </a:tc>
+                <a:tc>
+                  <a:txBody>
+                    <a:bodyPr/>
+                    <a:lstStyle/>
+                    <a:p>
+                      <a:pPr algn="l" fontAlgn="b"/>
+                      <a:endParaRPr lang="en-GB" sz="900" b="0" i="0" u="none" strike="noStrike">
+                        <a:solidFill>
+                          <a:srgbClr val="000000"/>
+                        </a:solidFill>
+                        <a:effectLst/>
+                        <a:latin typeface="Calibri" panose="020F0502020204030204" pitchFamily="34" charset="0"/>
+                      </a:endParaRPr>
+                    </a:p>
+                  </a:txBody>
+                  <a:tcPr marL="0" marR="0" marT="0" marB="0" anchor="b"/>
+                </a:tc>
+                <a:tc>
+                  <a:txBody>
+                    <a:bodyPr/>
+                    <a:lstStyle/>
+                    <a:p>
+                      <a:pPr algn="l" fontAlgn="b"/>
+                      <a:r>
+                        <a:rPr lang="en-GB" sz="900" u="none" strike="noStrike">
+                          <a:effectLst/>
+                        </a:rPr>
+                        <a:t>not started</a:t>
+                      </a:r>
+                      <a:endParaRPr lang="en-GB" sz="900" b="0" i="0" u="none" strike="noStrike">
+                        <a:solidFill>
+                          <a:srgbClr val="000000"/>
+                        </a:solidFill>
+                        <a:effectLst/>
+                        <a:latin typeface="Calibri" panose="020F0502020204030204" pitchFamily="34" charset="0"/>
+                      </a:endParaRPr>
+                    </a:p>
+                  </a:txBody>
+                  <a:tcPr marL="0" marR="0" marT="0" marB="0" anchor="b"/>
+                </a:tc>
+                <a:extLst>
+                  <a:ext uri="{0D108BD9-81ED-4DB2-BD59-A6C34878D82A}">
+                    <a16:rowId xmlns:a16="http://schemas.microsoft.com/office/drawing/2014/main" val="114231999"/>
+                  </a:ext>
+                </a:extLst>
+              </a:tr>
+              <a:tr h="442006">
+                <a:tc>
+                  <a:txBody>
+                    <a:bodyPr/>
+                    <a:lstStyle/>
+                    <a:p>
+                      <a:pPr algn="r" fontAlgn="b"/>
+                      <a:r>
+                        <a:rPr lang="en-GB" sz="900" u="none" strike="noStrike">
+                          <a:effectLst/>
+                        </a:rPr>
+                        <a:t>2.2</a:t>
+                      </a:r>
+                      <a:endParaRPr lang="en-GB" sz="900" b="0" i="0" u="none" strike="noStrike">
+                        <a:solidFill>
+                          <a:srgbClr val="000000"/>
+                        </a:solidFill>
+                        <a:effectLst/>
+                        <a:latin typeface="Calibri" panose="020F0502020204030204" pitchFamily="34" charset="0"/>
+                      </a:endParaRPr>
+                    </a:p>
+                  </a:txBody>
+                  <a:tcPr marL="0" marR="0" marT="0" marB="0" anchor="b"/>
+                </a:tc>
+                <a:tc>
+                  <a:txBody>
+                    <a:bodyPr/>
+                    <a:lstStyle/>
+                    <a:p>
+                      <a:pPr algn="r" fontAlgn="b"/>
+                      <a:r>
+                        <a:rPr lang="en-GB" sz="900" u="none" strike="noStrike">
+                          <a:effectLst/>
+                        </a:rPr>
+                        <a:t>2</a:t>
+                      </a:r>
+                      <a:endParaRPr lang="en-GB" sz="900" b="0" i="0" u="none" strike="noStrike">
+                        <a:solidFill>
+                          <a:srgbClr val="000000"/>
+                        </a:solidFill>
+                        <a:effectLst/>
+                        <a:latin typeface="Calibri" panose="020F0502020204030204" pitchFamily="34" charset="0"/>
+                      </a:endParaRPr>
+                    </a:p>
+                  </a:txBody>
+                  <a:tcPr marL="0" marR="0" marT="0" marB="0" anchor="b"/>
+                </a:tc>
+                <a:tc>
+                  <a:txBody>
+                    <a:bodyPr/>
+                    <a:lstStyle/>
+                    <a:p>
+                      <a:pPr algn="l" fontAlgn="b"/>
+                      <a:r>
+                        <a:rPr lang="en-GB" sz="900" u="none" strike="noStrike">
+                          <a:effectLst/>
+                        </a:rPr>
+                        <a:t>Patient display</a:t>
+                      </a:r>
+                      <a:endParaRPr lang="en-GB" sz="900" b="0" i="0" u="none" strike="noStrike">
+                        <a:solidFill>
+                          <a:srgbClr val="000000"/>
+                        </a:solidFill>
+                        <a:effectLst/>
+                        <a:latin typeface="Calibri" panose="020F0502020204030204" pitchFamily="34" charset="0"/>
+                      </a:endParaRPr>
+                    </a:p>
+                  </a:txBody>
+                  <a:tcPr marL="0" marR="0" marT="0" marB="0" anchor="b"/>
+                </a:tc>
+                <a:tc>
+                  <a:txBody>
+                    <a:bodyPr/>
+                    <a:lstStyle/>
+                    <a:p>
+                      <a:pPr algn="l" fontAlgn="b"/>
+                      <a:r>
+                        <a:rPr lang="en-GB" sz="900" u="none" strike="noStrike">
+                          <a:effectLst/>
+                        </a:rPr>
+                        <a:t>Shows in patient overview  information about patient</a:t>
+                      </a:r>
+                      <a:endParaRPr lang="en-GB" sz="900" b="0" i="0" u="none" strike="noStrike">
+                        <a:solidFill>
+                          <a:srgbClr val="000000"/>
+                        </a:solidFill>
+                        <a:effectLst/>
+                        <a:latin typeface="Calibri" panose="020F0502020204030204" pitchFamily="34" charset="0"/>
+                      </a:endParaRPr>
+                    </a:p>
+                  </a:txBody>
+                  <a:tcPr marL="0" marR="0" marT="0" marB="0" anchor="b"/>
+                </a:tc>
+                <a:tc>
+                  <a:txBody>
+                    <a:bodyPr/>
+                    <a:lstStyle/>
+                    <a:p>
+                      <a:pPr algn="l" fontAlgn="b"/>
+                      <a:r>
+                        <a:rPr lang="en-GB" sz="900" u="none" strike="noStrike">
+                          <a:effectLst/>
+                        </a:rPr>
+                        <a:t>Database, JPA, Controller,UI</a:t>
+                      </a:r>
+                      <a:endParaRPr lang="en-GB" sz="900" b="0" i="0" u="none" strike="noStrike">
+                        <a:solidFill>
+                          <a:srgbClr val="000000"/>
+                        </a:solidFill>
+                        <a:effectLst/>
+                        <a:latin typeface="Calibri" panose="020F0502020204030204" pitchFamily="34" charset="0"/>
+                      </a:endParaRPr>
+                    </a:p>
+                  </a:txBody>
+                  <a:tcPr marL="0" marR="0" marT="0" marB="0" anchor="b"/>
+                </a:tc>
+                <a:tc>
+                  <a:txBody>
+                    <a:bodyPr/>
+                    <a:lstStyle/>
+                    <a:p>
+                      <a:pPr algn="l" fontAlgn="b"/>
+                      <a:r>
+                        <a:rPr lang="en-GB" sz="900" u="none" strike="noStrike">
+                          <a:effectLst/>
+                        </a:rPr>
+                        <a:t>dittp2</a:t>
+                      </a:r>
+                      <a:endParaRPr lang="en-GB" sz="900" b="0" i="0" u="none" strike="noStrike">
+                        <a:solidFill>
+                          <a:srgbClr val="000000"/>
+                        </a:solidFill>
+                        <a:effectLst/>
+                        <a:latin typeface="Calibri" panose="020F0502020204030204" pitchFamily="34" charset="0"/>
+                      </a:endParaRPr>
+                    </a:p>
+                  </a:txBody>
+                  <a:tcPr marL="0" marR="0" marT="0" marB="0" anchor="b"/>
+                </a:tc>
+                <a:tc>
+                  <a:txBody>
+                    <a:bodyPr/>
+                    <a:lstStyle/>
+                    <a:p>
+                      <a:pPr algn="l" fontAlgn="b"/>
+                      <a:r>
+                        <a:rPr lang="en-GB" sz="900" u="none" strike="noStrike">
+                          <a:effectLst/>
+                        </a:rPr>
+                        <a:t>varan2</a:t>
+                      </a:r>
+                      <a:endParaRPr lang="en-GB" sz="900" b="0" i="0" u="none" strike="noStrike">
+                        <a:solidFill>
+                          <a:srgbClr val="000000"/>
+                        </a:solidFill>
+                        <a:effectLst/>
+                        <a:latin typeface="Calibri" panose="020F0502020204030204" pitchFamily="34" charset="0"/>
+                      </a:endParaRPr>
+                    </a:p>
+                  </a:txBody>
+                  <a:tcPr marL="0" marR="0" marT="0" marB="0" anchor="b"/>
+                </a:tc>
+                <a:tc>
+                  <a:txBody>
+                    <a:bodyPr/>
+                    <a:lstStyle/>
+                    <a:p>
+                      <a:pPr algn="l" fontAlgn="b"/>
+                      <a:r>
+                        <a:rPr lang="en-GB" sz="900" u="none" strike="noStrike">
+                          <a:effectLst/>
+                        </a:rPr>
+                        <a:t>high</a:t>
+                      </a:r>
+                      <a:endParaRPr lang="en-GB" sz="900" b="0" i="0" u="none" strike="noStrike">
+                        <a:solidFill>
+                          <a:srgbClr val="000000"/>
+                        </a:solidFill>
+                        <a:effectLst/>
+                        <a:latin typeface="Calibri" panose="020F0502020204030204" pitchFamily="34" charset="0"/>
+                      </a:endParaRPr>
+                    </a:p>
+                  </a:txBody>
+                  <a:tcPr marL="0" marR="0" marT="0" marB="0" anchor="b"/>
+                </a:tc>
+                <a:tc>
+                  <a:txBody>
+                    <a:bodyPr/>
+                    <a:lstStyle/>
+                    <a:p>
+                      <a:pPr algn="r" fontAlgn="b"/>
+                      <a:r>
+                        <a:rPr lang="en-GB" sz="900" u="none" strike="noStrike">
+                          <a:effectLst/>
+                        </a:rPr>
+                        <a:t>12</a:t>
+                      </a:r>
+                      <a:endParaRPr lang="en-GB" sz="900" b="0" i="0" u="none" strike="noStrike">
+                        <a:solidFill>
+                          <a:srgbClr val="000000"/>
+                        </a:solidFill>
+                        <a:effectLst/>
+                        <a:latin typeface="Calibri" panose="020F0502020204030204" pitchFamily="34" charset="0"/>
+                      </a:endParaRPr>
+                    </a:p>
+                  </a:txBody>
+                  <a:tcPr marL="0" marR="0" marT="0" marB="0" anchor="b"/>
+                </a:tc>
+                <a:tc>
+                  <a:txBody>
+                    <a:bodyPr/>
+                    <a:lstStyle/>
+                    <a:p>
+                      <a:pPr algn="l" fontAlgn="b"/>
+                      <a:endParaRPr lang="en-GB" sz="900" b="0" i="0" u="none" strike="noStrike">
+                        <a:solidFill>
+                          <a:srgbClr val="000000"/>
+                        </a:solidFill>
+                        <a:effectLst/>
+                        <a:latin typeface="Calibri" panose="020F0502020204030204" pitchFamily="34" charset="0"/>
+                      </a:endParaRPr>
+                    </a:p>
+                  </a:txBody>
+                  <a:tcPr marL="0" marR="0" marT="0" marB="0" anchor="b"/>
+                </a:tc>
+                <a:tc>
+                  <a:txBody>
+                    <a:bodyPr/>
+                    <a:lstStyle/>
+                    <a:p>
+                      <a:pPr algn="l" fontAlgn="b"/>
+                      <a:endParaRPr lang="en-GB" sz="900" b="0" i="0" u="none" strike="noStrike">
+                        <a:solidFill>
+                          <a:srgbClr val="000000"/>
+                        </a:solidFill>
+                        <a:effectLst/>
+                        <a:latin typeface="Calibri" panose="020F0502020204030204" pitchFamily="34" charset="0"/>
+                      </a:endParaRPr>
+                    </a:p>
+                  </a:txBody>
+                  <a:tcPr marL="0" marR="0" marT="0" marB="0" anchor="b"/>
+                </a:tc>
+                <a:tc>
+                  <a:txBody>
+                    <a:bodyPr/>
+                    <a:lstStyle/>
+                    <a:p>
+                      <a:pPr algn="l" fontAlgn="b"/>
+                      <a:r>
+                        <a:rPr lang="en-GB" sz="900" u="none" strike="noStrike">
+                          <a:effectLst/>
+                        </a:rPr>
+                        <a:t>not started</a:t>
+                      </a:r>
+                      <a:endParaRPr lang="en-GB" sz="900" b="0" i="0" u="none" strike="noStrike">
+                        <a:solidFill>
+                          <a:srgbClr val="000000"/>
+                        </a:solidFill>
+                        <a:effectLst/>
+                        <a:latin typeface="Calibri" panose="020F0502020204030204" pitchFamily="34" charset="0"/>
+                      </a:endParaRPr>
+                    </a:p>
+                  </a:txBody>
+                  <a:tcPr marL="0" marR="0" marT="0" marB="0" anchor="b"/>
+                </a:tc>
+                <a:extLst>
+                  <a:ext uri="{0D108BD9-81ED-4DB2-BD59-A6C34878D82A}">
+                    <a16:rowId xmlns:a16="http://schemas.microsoft.com/office/drawing/2014/main" val="3694202679"/>
+                  </a:ext>
+                </a:extLst>
+              </a:tr>
+              <a:tr h="819669">
+                <a:tc>
+                  <a:txBody>
+                    <a:bodyPr/>
+                    <a:lstStyle/>
+                    <a:p>
+                      <a:pPr algn="r" fontAlgn="b"/>
+                      <a:r>
+                        <a:rPr lang="en-GB" sz="900" u="none" strike="noStrike">
+                          <a:effectLst/>
+                        </a:rPr>
+                        <a:t>2.3</a:t>
+                      </a:r>
+                      <a:endParaRPr lang="en-GB" sz="900" b="0" i="0" u="none" strike="noStrike">
+                        <a:solidFill>
+                          <a:srgbClr val="000000"/>
+                        </a:solidFill>
+                        <a:effectLst/>
+                        <a:latin typeface="Calibri" panose="020F0502020204030204" pitchFamily="34" charset="0"/>
+                      </a:endParaRPr>
+                    </a:p>
+                  </a:txBody>
+                  <a:tcPr marL="0" marR="0" marT="0" marB="0" anchor="b"/>
+                </a:tc>
+                <a:tc>
+                  <a:txBody>
+                    <a:bodyPr/>
+                    <a:lstStyle/>
+                    <a:p>
+                      <a:pPr algn="r" fontAlgn="b"/>
+                      <a:r>
+                        <a:rPr lang="en-GB" sz="900" u="none" strike="noStrike">
+                          <a:effectLst/>
+                        </a:rPr>
+                        <a:t>2</a:t>
+                      </a:r>
+                      <a:endParaRPr lang="en-GB" sz="900" b="0" i="0" u="none" strike="noStrike">
+                        <a:solidFill>
+                          <a:srgbClr val="000000"/>
+                        </a:solidFill>
+                        <a:effectLst/>
+                        <a:latin typeface="Calibri" panose="020F0502020204030204" pitchFamily="34" charset="0"/>
+                      </a:endParaRPr>
+                    </a:p>
+                  </a:txBody>
+                  <a:tcPr marL="0" marR="0" marT="0" marB="0" anchor="b"/>
+                </a:tc>
+                <a:tc>
+                  <a:txBody>
+                    <a:bodyPr/>
+                    <a:lstStyle/>
+                    <a:p>
+                      <a:pPr algn="l" fontAlgn="b"/>
+                      <a:r>
+                        <a:rPr lang="en-GB" sz="900" u="none" strike="noStrike">
+                          <a:effectLst/>
+                        </a:rPr>
+                        <a:t>Medication display</a:t>
+                      </a:r>
+                      <a:endParaRPr lang="en-GB" sz="900" b="0" i="0" u="none" strike="noStrike">
+                        <a:solidFill>
+                          <a:srgbClr val="000000"/>
+                        </a:solidFill>
+                        <a:effectLst/>
+                        <a:latin typeface="Calibri" panose="020F0502020204030204" pitchFamily="34" charset="0"/>
+                      </a:endParaRPr>
+                    </a:p>
+                  </a:txBody>
+                  <a:tcPr marL="0" marR="0" marT="0" marB="0" anchor="b"/>
+                </a:tc>
+                <a:tc>
+                  <a:txBody>
+                    <a:bodyPr/>
+                    <a:lstStyle/>
+                    <a:p>
+                      <a:pPr algn="l" fontAlgn="b"/>
+                      <a:r>
+                        <a:rPr lang="en-GB" sz="900" u="none" strike="noStrike">
+                          <a:effectLst/>
+                        </a:rPr>
+                        <a:t>Shows in medication overview  information about medication</a:t>
+                      </a:r>
+                      <a:endParaRPr lang="en-GB" sz="900" b="0" i="0" u="none" strike="noStrike">
+                        <a:solidFill>
+                          <a:srgbClr val="000000"/>
+                        </a:solidFill>
+                        <a:effectLst/>
+                        <a:latin typeface="Calibri" panose="020F0502020204030204" pitchFamily="34" charset="0"/>
+                      </a:endParaRPr>
+                    </a:p>
+                  </a:txBody>
+                  <a:tcPr marL="0" marR="0" marT="0" marB="0" anchor="b"/>
+                </a:tc>
+                <a:tc>
+                  <a:txBody>
+                    <a:bodyPr/>
+                    <a:lstStyle/>
+                    <a:p>
+                      <a:pPr algn="l" fontAlgn="b"/>
+                      <a:r>
+                        <a:rPr lang="en-GB" sz="900" u="none" strike="noStrike">
+                          <a:effectLst/>
+                        </a:rPr>
+                        <a:t>Database, JPA, Controller,UI</a:t>
+                      </a:r>
+                      <a:endParaRPr lang="en-GB" sz="900" b="0" i="0" u="none" strike="noStrike">
+                        <a:solidFill>
+                          <a:srgbClr val="000000"/>
+                        </a:solidFill>
+                        <a:effectLst/>
+                        <a:latin typeface="Calibri" panose="020F0502020204030204" pitchFamily="34" charset="0"/>
+                      </a:endParaRPr>
+                    </a:p>
+                  </a:txBody>
+                  <a:tcPr marL="0" marR="0" marT="0" marB="0" anchor="b"/>
+                </a:tc>
+                <a:tc>
+                  <a:txBody>
+                    <a:bodyPr/>
+                    <a:lstStyle/>
+                    <a:p>
+                      <a:pPr algn="l" fontAlgn="b"/>
+                      <a:r>
+                        <a:rPr lang="en-GB" sz="900" u="none" strike="noStrike" dirty="0">
+                          <a:effectLst/>
+                        </a:rPr>
+                        <a:t>lamlr1</a:t>
+                      </a:r>
+                      <a:endParaRPr lang="en-GB" sz="900" b="0" i="0" u="none" strike="noStrike" dirty="0">
+                        <a:solidFill>
+                          <a:srgbClr val="000000"/>
+                        </a:solidFill>
+                        <a:effectLst/>
+                        <a:latin typeface="Calibri" panose="020F0502020204030204" pitchFamily="34" charset="0"/>
+                      </a:endParaRPr>
+                    </a:p>
+                  </a:txBody>
+                  <a:tcPr marL="0" marR="0" marT="0" marB="0" anchor="b"/>
+                </a:tc>
+                <a:tc>
+                  <a:txBody>
+                    <a:bodyPr/>
+                    <a:lstStyle/>
+                    <a:p>
+                      <a:pPr algn="l" fontAlgn="b"/>
+                      <a:r>
+                        <a:rPr lang="en-GB" sz="900" u="none" strike="noStrike">
+                          <a:effectLst/>
+                        </a:rPr>
+                        <a:t>jolop1</a:t>
+                      </a:r>
+                      <a:endParaRPr lang="en-GB" sz="900" b="0" i="0" u="none" strike="noStrike">
+                        <a:solidFill>
+                          <a:srgbClr val="000000"/>
+                        </a:solidFill>
+                        <a:effectLst/>
+                        <a:latin typeface="Calibri" panose="020F0502020204030204" pitchFamily="34" charset="0"/>
+                      </a:endParaRPr>
+                    </a:p>
+                  </a:txBody>
+                  <a:tcPr marL="0" marR="0" marT="0" marB="0" anchor="b"/>
+                </a:tc>
+                <a:tc>
+                  <a:txBody>
+                    <a:bodyPr/>
+                    <a:lstStyle/>
+                    <a:p>
+                      <a:pPr algn="l" fontAlgn="b"/>
+                      <a:r>
+                        <a:rPr lang="en-GB" sz="900" u="none" strike="noStrike">
+                          <a:effectLst/>
+                        </a:rPr>
+                        <a:t>high</a:t>
+                      </a:r>
+                      <a:endParaRPr lang="en-GB" sz="900" b="0" i="0" u="none" strike="noStrike">
+                        <a:solidFill>
+                          <a:srgbClr val="000000"/>
+                        </a:solidFill>
+                        <a:effectLst/>
+                        <a:latin typeface="Calibri" panose="020F0502020204030204" pitchFamily="34" charset="0"/>
+                      </a:endParaRPr>
+                    </a:p>
+                  </a:txBody>
+                  <a:tcPr marL="0" marR="0" marT="0" marB="0" anchor="b"/>
+                </a:tc>
+                <a:tc>
+                  <a:txBody>
+                    <a:bodyPr/>
+                    <a:lstStyle/>
+                    <a:p>
+                      <a:pPr algn="r" fontAlgn="b"/>
+                      <a:r>
+                        <a:rPr lang="en-GB" sz="900" u="none" strike="noStrike">
+                          <a:effectLst/>
+                        </a:rPr>
+                        <a:t>12</a:t>
+                      </a:r>
+                      <a:endParaRPr lang="en-GB" sz="900" b="0" i="0" u="none" strike="noStrike">
+                        <a:solidFill>
+                          <a:srgbClr val="000000"/>
+                        </a:solidFill>
+                        <a:effectLst/>
+                        <a:latin typeface="Calibri" panose="020F0502020204030204" pitchFamily="34" charset="0"/>
+                      </a:endParaRPr>
+                    </a:p>
+                  </a:txBody>
+                  <a:tcPr marL="0" marR="0" marT="0" marB="0" anchor="b"/>
+                </a:tc>
+                <a:tc>
+                  <a:txBody>
+                    <a:bodyPr/>
+                    <a:lstStyle/>
+                    <a:p>
+                      <a:pPr algn="l" fontAlgn="b"/>
+                      <a:endParaRPr lang="en-GB" sz="900" b="0" i="0" u="none" strike="noStrike">
+                        <a:solidFill>
+                          <a:srgbClr val="000000"/>
+                        </a:solidFill>
+                        <a:effectLst/>
+                        <a:latin typeface="Calibri" panose="020F0502020204030204" pitchFamily="34" charset="0"/>
+                      </a:endParaRPr>
+                    </a:p>
+                  </a:txBody>
+                  <a:tcPr marL="0" marR="0" marT="0" marB="0" anchor="b"/>
+                </a:tc>
+                <a:tc>
+                  <a:txBody>
+                    <a:bodyPr/>
+                    <a:lstStyle/>
+                    <a:p>
+                      <a:pPr algn="l" fontAlgn="b"/>
+                      <a:endParaRPr lang="en-GB" sz="900" b="0" i="0" u="none" strike="noStrike">
+                        <a:solidFill>
+                          <a:srgbClr val="000000"/>
+                        </a:solidFill>
+                        <a:effectLst/>
+                        <a:latin typeface="Calibri" panose="020F0502020204030204" pitchFamily="34" charset="0"/>
+                      </a:endParaRPr>
+                    </a:p>
+                  </a:txBody>
+                  <a:tcPr marL="0" marR="0" marT="0" marB="0" anchor="b"/>
+                </a:tc>
+                <a:tc>
+                  <a:txBody>
+                    <a:bodyPr/>
+                    <a:lstStyle/>
+                    <a:p>
+                      <a:pPr algn="l" fontAlgn="b"/>
+                      <a:r>
+                        <a:rPr lang="en-GB" sz="900" u="none" strike="noStrike">
+                          <a:effectLst/>
+                        </a:rPr>
+                        <a:t>not started</a:t>
+                      </a:r>
+                      <a:endParaRPr lang="en-GB" sz="900" b="0" i="0" u="none" strike="noStrike">
+                        <a:solidFill>
+                          <a:srgbClr val="000000"/>
+                        </a:solidFill>
+                        <a:effectLst/>
+                        <a:latin typeface="Calibri" panose="020F0502020204030204" pitchFamily="34" charset="0"/>
+                      </a:endParaRPr>
+                    </a:p>
+                  </a:txBody>
+                  <a:tcPr marL="0" marR="0" marT="0" marB="0" anchor="b"/>
+                </a:tc>
+                <a:extLst>
+                  <a:ext uri="{0D108BD9-81ED-4DB2-BD59-A6C34878D82A}">
+                    <a16:rowId xmlns:a16="http://schemas.microsoft.com/office/drawing/2014/main" val="2702129055"/>
+                  </a:ext>
+                </a:extLst>
+              </a:tr>
+              <a:tr h="442006">
+                <a:tc>
+                  <a:txBody>
+                    <a:bodyPr/>
+                    <a:lstStyle/>
+                    <a:p>
+                      <a:pPr algn="r" fontAlgn="b"/>
+                      <a:r>
+                        <a:rPr lang="en-GB" sz="900" u="none" strike="noStrike">
+                          <a:effectLst/>
+                        </a:rPr>
+                        <a:t>2.4</a:t>
+                      </a:r>
+                      <a:endParaRPr lang="en-GB" sz="900" b="0" i="0" u="none" strike="noStrike">
+                        <a:solidFill>
+                          <a:srgbClr val="000000"/>
+                        </a:solidFill>
+                        <a:effectLst/>
+                        <a:latin typeface="Calibri" panose="020F0502020204030204" pitchFamily="34" charset="0"/>
+                      </a:endParaRPr>
+                    </a:p>
+                  </a:txBody>
+                  <a:tcPr marL="0" marR="0" marT="0" marB="0" anchor="b"/>
+                </a:tc>
+                <a:tc>
+                  <a:txBody>
+                    <a:bodyPr/>
+                    <a:lstStyle/>
+                    <a:p>
+                      <a:pPr algn="r" fontAlgn="b"/>
+                      <a:r>
+                        <a:rPr lang="en-GB" sz="900" u="none" strike="noStrike">
+                          <a:effectLst/>
+                        </a:rPr>
+                        <a:t>2</a:t>
+                      </a:r>
+                      <a:endParaRPr lang="en-GB" sz="900" b="0" i="0" u="none" strike="noStrike">
+                        <a:solidFill>
+                          <a:srgbClr val="000000"/>
+                        </a:solidFill>
+                        <a:effectLst/>
+                        <a:latin typeface="Calibri" panose="020F0502020204030204" pitchFamily="34" charset="0"/>
+                      </a:endParaRPr>
+                    </a:p>
+                  </a:txBody>
+                  <a:tcPr marL="0" marR="0" marT="0" marB="0" anchor="b"/>
+                </a:tc>
+                <a:tc>
+                  <a:txBody>
+                    <a:bodyPr/>
+                    <a:lstStyle/>
+                    <a:p>
+                      <a:pPr algn="l" fontAlgn="b"/>
+                      <a:r>
+                        <a:rPr lang="en-GB" sz="900" u="none" strike="noStrike">
+                          <a:effectLst/>
+                        </a:rPr>
+                        <a:t>Disgnosis display</a:t>
+                      </a:r>
+                      <a:endParaRPr lang="en-GB" sz="900" b="0" i="0" u="none" strike="noStrike">
+                        <a:solidFill>
+                          <a:srgbClr val="000000"/>
+                        </a:solidFill>
+                        <a:effectLst/>
+                        <a:latin typeface="Calibri" panose="020F0502020204030204" pitchFamily="34" charset="0"/>
+                      </a:endParaRPr>
+                    </a:p>
+                  </a:txBody>
+                  <a:tcPr marL="0" marR="0" marT="0" marB="0" anchor="b"/>
+                </a:tc>
+                <a:tc>
+                  <a:txBody>
+                    <a:bodyPr/>
+                    <a:lstStyle/>
+                    <a:p>
+                      <a:pPr algn="l" fontAlgn="b"/>
+                      <a:r>
+                        <a:rPr lang="en-GB" sz="900" u="none" strike="noStrike">
+                          <a:effectLst/>
+                        </a:rPr>
+                        <a:t>Shows in disgnosis overview  information about disgnosis</a:t>
+                      </a:r>
+                      <a:endParaRPr lang="en-GB" sz="900" b="0" i="0" u="none" strike="noStrike">
+                        <a:solidFill>
+                          <a:srgbClr val="000000"/>
+                        </a:solidFill>
+                        <a:effectLst/>
+                        <a:latin typeface="Calibri" panose="020F0502020204030204" pitchFamily="34" charset="0"/>
+                      </a:endParaRPr>
+                    </a:p>
+                  </a:txBody>
+                  <a:tcPr marL="0" marR="0" marT="0" marB="0" anchor="b"/>
+                </a:tc>
+                <a:tc>
+                  <a:txBody>
+                    <a:bodyPr/>
+                    <a:lstStyle/>
+                    <a:p>
+                      <a:pPr algn="l" fontAlgn="b"/>
+                      <a:r>
+                        <a:rPr lang="en-GB" sz="900" u="none" strike="noStrike">
+                          <a:effectLst/>
+                        </a:rPr>
+                        <a:t>Database, JPA, Controller,UI</a:t>
+                      </a:r>
+                      <a:endParaRPr lang="en-GB" sz="900" b="0" i="0" u="none" strike="noStrike">
+                        <a:solidFill>
+                          <a:srgbClr val="000000"/>
+                        </a:solidFill>
+                        <a:effectLst/>
+                        <a:latin typeface="Calibri" panose="020F0502020204030204" pitchFamily="34" charset="0"/>
+                      </a:endParaRPr>
+                    </a:p>
+                  </a:txBody>
+                  <a:tcPr marL="0" marR="0" marT="0" marB="0" anchor="b"/>
+                </a:tc>
+                <a:tc>
+                  <a:txBody>
+                    <a:bodyPr/>
+                    <a:lstStyle/>
+                    <a:p>
+                      <a:pPr algn="l" fontAlgn="b"/>
+                      <a:r>
+                        <a:rPr lang="en-GB" sz="900" u="none" strike="noStrike">
+                          <a:effectLst/>
+                        </a:rPr>
+                        <a:t>jolop1</a:t>
+                      </a:r>
+                      <a:endParaRPr lang="en-GB" sz="900" b="0" i="0" u="none" strike="noStrike">
+                        <a:solidFill>
+                          <a:srgbClr val="000000"/>
+                        </a:solidFill>
+                        <a:effectLst/>
+                        <a:latin typeface="Calibri" panose="020F0502020204030204" pitchFamily="34" charset="0"/>
+                      </a:endParaRPr>
+                    </a:p>
+                  </a:txBody>
+                  <a:tcPr marL="0" marR="0" marT="0" marB="0" anchor="b"/>
+                </a:tc>
+                <a:tc>
+                  <a:txBody>
+                    <a:bodyPr/>
+                    <a:lstStyle/>
+                    <a:p>
+                      <a:pPr algn="l" fontAlgn="b"/>
+                      <a:r>
+                        <a:rPr lang="en-GB" sz="900" u="none" strike="noStrike">
+                          <a:effectLst/>
+                        </a:rPr>
+                        <a:t>telec1</a:t>
+                      </a:r>
+                      <a:endParaRPr lang="en-GB" sz="900" b="0" i="0" u="none" strike="noStrike">
+                        <a:solidFill>
+                          <a:srgbClr val="000000"/>
+                        </a:solidFill>
+                        <a:effectLst/>
+                        <a:latin typeface="Calibri" panose="020F0502020204030204" pitchFamily="34" charset="0"/>
+                      </a:endParaRPr>
+                    </a:p>
+                  </a:txBody>
+                  <a:tcPr marL="0" marR="0" marT="0" marB="0" anchor="b"/>
+                </a:tc>
+                <a:tc>
+                  <a:txBody>
+                    <a:bodyPr/>
+                    <a:lstStyle/>
+                    <a:p>
+                      <a:pPr algn="l" fontAlgn="b"/>
+                      <a:r>
+                        <a:rPr lang="en-GB" sz="900" u="none" strike="noStrike">
+                          <a:effectLst/>
+                        </a:rPr>
+                        <a:t>medium</a:t>
+                      </a:r>
+                      <a:endParaRPr lang="en-GB" sz="900" b="0" i="0" u="none" strike="noStrike">
+                        <a:solidFill>
+                          <a:srgbClr val="000000"/>
+                        </a:solidFill>
+                        <a:effectLst/>
+                        <a:latin typeface="Calibri" panose="020F0502020204030204" pitchFamily="34" charset="0"/>
+                      </a:endParaRPr>
+                    </a:p>
+                  </a:txBody>
+                  <a:tcPr marL="0" marR="0" marT="0" marB="0" anchor="b"/>
+                </a:tc>
+                <a:tc>
+                  <a:txBody>
+                    <a:bodyPr/>
+                    <a:lstStyle/>
+                    <a:p>
+                      <a:pPr algn="r" fontAlgn="b"/>
+                      <a:r>
+                        <a:rPr lang="en-GB" sz="900" u="none" strike="noStrike">
+                          <a:effectLst/>
+                        </a:rPr>
+                        <a:t>12</a:t>
+                      </a:r>
+                      <a:endParaRPr lang="en-GB" sz="900" b="0" i="0" u="none" strike="noStrike">
+                        <a:solidFill>
+                          <a:srgbClr val="000000"/>
+                        </a:solidFill>
+                        <a:effectLst/>
+                        <a:latin typeface="Calibri" panose="020F0502020204030204" pitchFamily="34" charset="0"/>
+                      </a:endParaRPr>
+                    </a:p>
+                  </a:txBody>
+                  <a:tcPr marL="0" marR="0" marT="0" marB="0" anchor="b"/>
+                </a:tc>
+                <a:tc>
+                  <a:txBody>
+                    <a:bodyPr/>
+                    <a:lstStyle/>
+                    <a:p>
+                      <a:pPr algn="l" fontAlgn="b"/>
+                      <a:endParaRPr lang="en-GB" sz="900" b="0" i="0" u="none" strike="noStrike">
+                        <a:solidFill>
+                          <a:srgbClr val="000000"/>
+                        </a:solidFill>
+                        <a:effectLst/>
+                        <a:latin typeface="Calibri" panose="020F0502020204030204" pitchFamily="34" charset="0"/>
+                      </a:endParaRPr>
+                    </a:p>
+                  </a:txBody>
+                  <a:tcPr marL="0" marR="0" marT="0" marB="0" anchor="b"/>
+                </a:tc>
+                <a:tc>
+                  <a:txBody>
+                    <a:bodyPr/>
+                    <a:lstStyle/>
+                    <a:p>
+                      <a:pPr algn="l" fontAlgn="b"/>
+                      <a:endParaRPr lang="en-GB" sz="900" b="0" i="0" u="none" strike="noStrike">
+                        <a:solidFill>
+                          <a:srgbClr val="000000"/>
+                        </a:solidFill>
+                        <a:effectLst/>
+                        <a:latin typeface="Calibri" panose="020F0502020204030204" pitchFamily="34" charset="0"/>
+                      </a:endParaRPr>
+                    </a:p>
+                  </a:txBody>
+                  <a:tcPr marL="0" marR="0" marT="0" marB="0" anchor="b"/>
+                </a:tc>
+                <a:tc>
+                  <a:txBody>
+                    <a:bodyPr/>
+                    <a:lstStyle/>
+                    <a:p>
+                      <a:pPr algn="l" fontAlgn="b"/>
+                      <a:r>
+                        <a:rPr lang="en-GB" sz="900" u="none" strike="noStrike">
+                          <a:effectLst/>
+                        </a:rPr>
+                        <a:t>not started</a:t>
+                      </a:r>
+                      <a:endParaRPr lang="en-GB" sz="900" b="0" i="0" u="none" strike="noStrike">
+                        <a:solidFill>
+                          <a:srgbClr val="000000"/>
+                        </a:solidFill>
+                        <a:effectLst/>
+                        <a:latin typeface="Calibri" panose="020F0502020204030204" pitchFamily="34" charset="0"/>
+                      </a:endParaRPr>
+                    </a:p>
+                  </a:txBody>
+                  <a:tcPr marL="0" marR="0" marT="0" marB="0" anchor="b"/>
+                </a:tc>
+                <a:extLst>
+                  <a:ext uri="{0D108BD9-81ED-4DB2-BD59-A6C34878D82A}">
+                    <a16:rowId xmlns:a16="http://schemas.microsoft.com/office/drawing/2014/main" val="3374135725"/>
+                  </a:ext>
+                </a:extLst>
+              </a:tr>
+              <a:tr h="442006">
+                <a:tc>
+                  <a:txBody>
+                    <a:bodyPr/>
+                    <a:lstStyle/>
+                    <a:p>
+                      <a:pPr algn="r" fontAlgn="b"/>
+                      <a:r>
+                        <a:rPr lang="en-GB" sz="900" u="none" strike="noStrike">
+                          <a:effectLst/>
+                        </a:rPr>
+                        <a:t>2.5</a:t>
+                      </a:r>
+                      <a:endParaRPr lang="en-GB" sz="900" b="0" i="0" u="none" strike="noStrike">
+                        <a:solidFill>
+                          <a:srgbClr val="000000"/>
+                        </a:solidFill>
+                        <a:effectLst/>
+                        <a:latin typeface="Calibri" panose="020F0502020204030204" pitchFamily="34" charset="0"/>
+                      </a:endParaRPr>
+                    </a:p>
+                  </a:txBody>
+                  <a:tcPr marL="0" marR="0" marT="0" marB="0" anchor="b"/>
+                </a:tc>
+                <a:tc>
+                  <a:txBody>
+                    <a:bodyPr/>
+                    <a:lstStyle/>
+                    <a:p>
+                      <a:pPr algn="r" fontAlgn="b"/>
+                      <a:r>
+                        <a:rPr lang="en-GB" sz="900" u="none" strike="noStrike">
+                          <a:effectLst/>
+                        </a:rPr>
+                        <a:t>2</a:t>
+                      </a:r>
+                      <a:endParaRPr lang="en-GB" sz="900" b="0" i="0" u="none" strike="noStrike">
+                        <a:solidFill>
+                          <a:srgbClr val="000000"/>
+                        </a:solidFill>
+                        <a:effectLst/>
+                        <a:latin typeface="Calibri" panose="020F0502020204030204" pitchFamily="34" charset="0"/>
+                      </a:endParaRPr>
+                    </a:p>
+                  </a:txBody>
+                  <a:tcPr marL="0" marR="0" marT="0" marB="0" anchor="b"/>
+                </a:tc>
+                <a:tc>
+                  <a:txBody>
+                    <a:bodyPr/>
+                    <a:lstStyle/>
+                    <a:p>
+                      <a:pPr algn="l" fontAlgn="b"/>
+                      <a:r>
+                        <a:rPr lang="en-GB" sz="900" u="none" strike="noStrike">
+                          <a:effectLst/>
+                        </a:rPr>
+                        <a:t>laboraty display</a:t>
+                      </a:r>
+                      <a:endParaRPr lang="en-GB" sz="900" b="0" i="0" u="none" strike="noStrike">
+                        <a:solidFill>
+                          <a:srgbClr val="000000"/>
+                        </a:solidFill>
+                        <a:effectLst/>
+                        <a:latin typeface="Calibri" panose="020F0502020204030204" pitchFamily="34" charset="0"/>
+                      </a:endParaRPr>
+                    </a:p>
+                  </a:txBody>
+                  <a:tcPr marL="0" marR="0" marT="0" marB="0" anchor="b"/>
+                </a:tc>
+                <a:tc>
+                  <a:txBody>
+                    <a:bodyPr/>
+                    <a:lstStyle/>
+                    <a:p>
+                      <a:pPr algn="l" fontAlgn="b"/>
+                      <a:r>
+                        <a:rPr lang="en-GB" sz="900" u="none" strike="noStrike">
+                          <a:effectLst/>
+                        </a:rPr>
+                        <a:t>Shows in laboraty overview  information about laboraty</a:t>
+                      </a:r>
+                      <a:endParaRPr lang="en-GB" sz="900" b="0" i="0" u="none" strike="noStrike">
+                        <a:solidFill>
+                          <a:srgbClr val="000000"/>
+                        </a:solidFill>
+                        <a:effectLst/>
+                        <a:latin typeface="Calibri" panose="020F0502020204030204" pitchFamily="34" charset="0"/>
+                      </a:endParaRPr>
+                    </a:p>
+                  </a:txBody>
+                  <a:tcPr marL="0" marR="0" marT="0" marB="0" anchor="b"/>
+                </a:tc>
+                <a:tc>
+                  <a:txBody>
+                    <a:bodyPr/>
+                    <a:lstStyle/>
+                    <a:p>
+                      <a:pPr algn="l" fontAlgn="b"/>
+                      <a:r>
+                        <a:rPr lang="en-GB" sz="900" u="none" strike="noStrike">
+                          <a:effectLst/>
+                        </a:rPr>
+                        <a:t>Database, JPA, Controller,UI</a:t>
+                      </a:r>
+                      <a:endParaRPr lang="en-GB" sz="900" b="0" i="0" u="none" strike="noStrike">
+                        <a:solidFill>
+                          <a:srgbClr val="000000"/>
+                        </a:solidFill>
+                        <a:effectLst/>
+                        <a:latin typeface="Calibri" panose="020F0502020204030204" pitchFamily="34" charset="0"/>
+                      </a:endParaRPr>
+                    </a:p>
+                  </a:txBody>
+                  <a:tcPr marL="0" marR="0" marT="0" marB="0" anchor="b"/>
+                </a:tc>
+                <a:tc>
+                  <a:txBody>
+                    <a:bodyPr/>
+                    <a:lstStyle/>
+                    <a:p>
+                      <a:pPr algn="l" fontAlgn="b"/>
+                      <a:r>
+                        <a:rPr lang="en-GB" sz="900" u="none" strike="noStrike">
+                          <a:effectLst/>
+                        </a:rPr>
+                        <a:t>kammf1</a:t>
+                      </a:r>
+                      <a:endParaRPr lang="en-GB" sz="900" b="0" i="0" u="none" strike="noStrike">
+                        <a:solidFill>
+                          <a:srgbClr val="000000"/>
+                        </a:solidFill>
+                        <a:effectLst/>
+                        <a:latin typeface="Calibri" panose="020F0502020204030204" pitchFamily="34" charset="0"/>
+                      </a:endParaRPr>
+                    </a:p>
+                  </a:txBody>
+                  <a:tcPr marL="0" marR="0" marT="0" marB="0" anchor="b"/>
+                </a:tc>
+                <a:tc>
+                  <a:txBody>
+                    <a:bodyPr/>
+                    <a:lstStyle/>
+                    <a:p>
+                      <a:pPr algn="l" fontAlgn="b"/>
+                      <a:r>
+                        <a:rPr lang="en-GB" sz="900" u="none" strike="noStrike">
+                          <a:effectLst/>
+                        </a:rPr>
+                        <a:t>dittp2</a:t>
+                      </a:r>
+                      <a:endParaRPr lang="en-GB" sz="900" b="0" i="0" u="none" strike="noStrike">
+                        <a:solidFill>
+                          <a:srgbClr val="000000"/>
+                        </a:solidFill>
+                        <a:effectLst/>
+                        <a:latin typeface="Calibri" panose="020F0502020204030204" pitchFamily="34" charset="0"/>
+                      </a:endParaRPr>
+                    </a:p>
+                  </a:txBody>
+                  <a:tcPr marL="0" marR="0" marT="0" marB="0" anchor="b"/>
+                </a:tc>
+                <a:tc>
+                  <a:txBody>
+                    <a:bodyPr/>
+                    <a:lstStyle/>
+                    <a:p>
+                      <a:pPr algn="l" fontAlgn="b"/>
+                      <a:r>
+                        <a:rPr lang="en-GB" sz="900" u="none" strike="noStrike">
+                          <a:effectLst/>
+                        </a:rPr>
+                        <a:t>medium</a:t>
+                      </a:r>
+                      <a:endParaRPr lang="en-GB" sz="900" b="0" i="0" u="none" strike="noStrike">
+                        <a:solidFill>
+                          <a:srgbClr val="000000"/>
+                        </a:solidFill>
+                        <a:effectLst/>
+                        <a:latin typeface="Calibri" panose="020F0502020204030204" pitchFamily="34" charset="0"/>
+                      </a:endParaRPr>
+                    </a:p>
+                  </a:txBody>
+                  <a:tcPr marL="0" marR="0" marT="0" marB="0" anchor="b"/>
+                </a:tc>
+                <a:tc>
+                  <a:txBody>
+                    <a:bodyPr/>
+                    <a:lstStyle/>
+                    <a:p>
+                      <a:pPr algn="r" fontAlgn="b"/>
+                      <a:r>
+                        <a:rPr lang="en-GB" sz="900" u="none" strike="noStrike">
+                          <a:effectLst/>
+                        </a:rPr>
+                        <a:t>12</a:t>
+                      </a:r>
+                      <a:endParaRPr lang="en-GB" sz="900" b="0" i="0" u="none" strike="noStrike">
+                        <a:solidFill>
+                          <a:srgbClr val="000000"/>
+                        </a:solidFill>
+                        <a:effectLst/>
+                        <a:latin typeface="Calibri" panose="020F0502020204030204" pitchFamily="34" charset="0"/>
+                      </a:endParaRPr>
+                    </a:p>
+                  </a:txBody>
+                  <a:tcPr marL="0" marR="0" marT="0" marB="0" anchor="b"/>
+                </a:tc>
+                <a:tc>
+                  <a:txBody>
+                    <a:bodyPr/>
+                    <a:lstStyle/>
+                    <a:p>
+                      <a:pPr algn="l" fontAlgn="b"/>
+                      <a:endParaRPr lang="en-GB" sz="900" b="0" i="0" u="none" strike="noStrike">
+                        <a:solidFill>
+                          <a:srgbClr val="000000"/>
+                        </a:solidFill>
+                        <a:effectLst/>
+                        <a:latin typeface="Calibri" panose="020F0502020204030204" pitchFamily="34" charset="0"/>
+                      </a:endParaRPr>
+                    </a:p>
+                  </a:txBody>
+                  <a:tcPr marL="0" marR="0" marT="0" marB="0" anchor="b"/>
+                </a:tc>
+                <a:tc>
+                  <a:txBody>
+                    <a:bodyPr/>
+                    <a:lstStyle/>
+                    <a:p>
+                      <a:pPr algn="l" fontAlgn="b"/>
+                      <a:endParaRPr lang="en-GB" sz="900" b="0" i="0" u="none" strike="noStrike">
+                        <a:solidFill>
+                          <a:srgbClr val="000000"/>
+                        </a:solidFill>
+                        <a:effectLst/>
+                        <a:latin typeface="Calibri" panose="020F0502020204030204" pitchFamily="34" charset="0"/>
+                      </a:endParaRPr>
+                    </a:p>
+                  </a:txBody>
+                  <a:tcPr marL="0" marR="0" marT="0" marB="0" anchor="b"/>
+                </a:tc>
+                <a:tc>
+                  <a:txBody>
+                    <a:bodyPr/>
+                    <a:lstStyle/>
+                    <a:p>
+                      <a:pPr algn="l" fontAlgn="b"/>
+                      <a:r>
+                        <a:rPr lang="en-GB" sz="900" u="none" strike="noStrike">
+                          <a:effectLst/>
+                        </a:rPr>
+                        <a:t>not started</a:t>
+                      </a:r>
+                      <a:endParaRPr lang="en-GB" sz="900" b="0" i="0" u="none" strike="noStrike">
+                        <a:solidFill>
+                          <a:srgbClr val="000000"/>
+                        </a:solidFill>
+                        <a:effectLst/>
+                        <a:latin typeface="Calibri" panose="020F0502020204030204" pitchFamily="34" charset="0"/>
+                      </a:endParaRPr>
+                    </a:p>
+                  </a:txBody>
+                  <a:tcPr marL="0" marR="0" marT="0" marB="0" anchor="b"/>
+                </a:tc>
+                <a:extLst>
+                  <a:ext uri="{0D108BD9-81ED-4DB2-BD59-A6C34878D82A}">
+                    <a16:rowId xmlns:a16="http://schemas.microsoft.com/office/drawing/2014/main" val="4116588445"/>
+                  </a:ext>
+                </a:extLst>
+              </a:tr>
+              <a:tr h="442006">
+                <a:tc>
+                  <a:txBody>
+                    <a:bodyPr/>
+                    <a:lstStyle/>
+                    <a:p>
+                      <a:pPr algn="r" fontAlgn="b"/>
+                      <a:r>
+                        <a:rPr lang="en-GB" sz="900" u="none" strike="noStrike">
+                          <a:effectLst/>
+                        </a:rPr>
+                        <a:t>2.6</a:t>
+                      </a:r>
+                      <a:endParaRPr lang="en-GB" sz="900" b="0" i="0" u="none" strike="noStrike">
+                        <a:solidFill>
+                          <a:srgbClr val="000000"/>
+                        </a:solidFill>
+                        <a:effectLst/>
+                        <a:latin typeface="Calibri" panose="020F0502020204030204" pitchFamily="34" charset="0"/>
+                      </a:endParaRPr>
+                    </a:p>
+                  </a:txBody>
+                  <a:tcPr marL="0" marR="0" marT="0" marB="0" anchor="b"/>
+                </a:tc>
+                <a:tc>
+                  <a:txBody>
+                    <a:bodyPr/>
+                    <a:lstStyle/>
+                    <a:p>
+                      <a:pPr algn="r" fontAlgn="b"/>
+                      <a:r>
+                        <a:rPr lang="en-GB" sz="900" u="none" strike="noStrike">
+                          <a:effectLst/>
+                        </a:rPr>
+                        <a:t>2</a:t>
+                      </a:r>
+                      <a:endParaRPr lang="en-GB" sz="900" b="0" i="0" u="none" strike="noStrike">
+                        <a:solidFill>
+                          <a:srgbClr val="000000"/>
+                        </a:solidFill>
+                        <a:effectLst/>
+                        <a:latin typeface="Calibri" panose="020F0502020204030204" pitchFamily="34" charset="0"/>
+                      </a:endParaRPr>
+                    </a:p>
+                  </a:txBody>
+                  <a:tcPr marL="0" marR="0" marT="0" marB="0" anchor="b"/>
+                </a:tc>
+                <a:tc>
+                  <a:txBody>
+                    <a:bodyPr/>
+                    <a:lstStyle/>
+                    <a:p>
+                      <a:pPr algn="l" fontAlgn="b"/>
+                      <a:r>
+                        <a:rPr lang="en-GB" sz="900" u="none" strike="noStrike">
+                          <a:effectLst/>
+                        </a:rPr>
+                        <a:t>schedule view</a:t>
+                      </a:r>
+                      <a:endParaRPr lang="en-GB" sz="900" b="0" i="0" u="none" strike="noStrike">
+                        <a:solidFill>
+                          <a:srgbClr val="000000"/>
+                        </a:solidFill>
+                        <a:effectLst/>
+                        <a:latin typeface="Calibri" panose="020F0502020204030204" pitchFamily="34" charset="0"/>
+                      </a:endParaRPr>
+                    </a:p>
+                  </a:txBody>
+                  <a:tcPr marL="0" marR="0" marT="0" marB="0" anchor="b"/>
+                </a:tc>
+                <a:tc>
+                  <a:txBody>
+                    <a:bodyPr/>
+                    <a:lstStyle/>
+                    <a:p>
+                      <a:pPr algn="l" fontAlgn="b"/>
+                      <a:r>
+                        <a:rPr lang="en-GB" sz="900" u="none" strike="noStrike">
+                          <a:effectLst/>
+                        </a:rPr>
+                        <a:t>Shows in schedule overview  information about schedule</a:t>
+                      </a:r>
+                      <a:endParaRPr lang="en-GB" sz="900" b="0" i="0" u="none" strike="noStrike">
+                        <a:solidFill>
+                          <a:srgbClr val="000000"/>
+                        </a:solidFill>
+                        <a:effectLst/>
+                        <a:latin typeface="Calibri" panose="020F0502020204030204" pitchFamily="34" charset="0"/>
+                      </a:endParaRPr>
+                    </a:p>
+                  </a:txBody>
+                  <a:tcPr marL="0" marR="0" marT="0" marB="0" anchor="b"/>
+                </a:tc>
+                <a:tc>
+                  <a:txBody>
+                    <a:bodyPr/>
+                    <a:lstStyle/>
+                    <a:p>
+                      <a:pPr algn="l" fontAlgn="b"/>
+                      <a:r>
+                        <a:rPr lang="en-GB" sz="900" u="none" strike="noStrike">
+                          <a:effectLst/>
+                        </a:rPr>
+                        <a:t>Database, JPA, Controller,UI</a:t>
+                      </a:r>
+                      <a:endParaRPr lang="en-GB" sz="900" b="0" i="0" u="none" strike="noStrike">
+                        <a:solidFill>
+                          <a:srgbClr val="000000"/>
+                        </a:solidFill>
+                        <a:effectLst/>
+                        <a:latin typeface="Calibri" panose="020F0502020204030204" pitchFamily="34" charset="0"/>
+                      </a:endParaRPr>
+                    </a:p>
+                  </a:txBody>
+                  <a:tcPr marL="0" marR="0" marT="0" marB="0" anchor="b"/>
+                </a:tc>
+                <a:tc>
+                  <a:txBody>
+                    <a:bodyPr/>
+                    <a:lstStyle/>
+                    <a:p>
+                      <a:pPr algn="l" fontAlgn="b"/>
+                      <a:r>
+                        <a:rPr lang="en-GB" sz="900" u="none" strike="noStrike">
+                          <a:effectLst/>
+                        </a:rPr>
+                        <a:t>sevib1</a:t>
+                      </a:r>
+                      <a:endParaRPr lang="en-GB" sz="900" b="0" i="0" u="none" strike="noStrike">
+                        <a:solidFill>
+                          <a:srgbClr val="000000"/>
+                        </a:solidFill>
+                        <a:effectLst/>
+                        <a:latin typeface="Calibri" panose="020F0502020204030204" pitchFamily="34" charset="0"/>
+                      </a:endParaRPr>
+                    </a:p>
+                  </a:txBody>
+                  <a:tcPr marL="0" marR="0" marT="0" marB="0" anchor="b"/>
+                </a:tc>
+                <a:tc>
+                  <a:txBody>
+                    <a:bodyPr/>
+                    <a:lstStyle/>
+                    <a:p>
+                      <a:pPr algn="l" fontAlgn="b"/>
+                      <a:r>
+                        <a:rPr lang="en-GB" sz="900" u="none" strike="noStrike">
+                          <a:effectLst/>
+                        </a:rPr>
+                        <a:t>lamlr1</a:t>
+                      </a:r>
+                      <a:endParaRPr lang="en-GB" sz="900" b="0" i="0" u="none" strike="noStrike">
+                        <a:solidFill>
+                          <a:srgbClr val="000000"/>
+                        </a:solidFill>
+                        <a:effectLst/>
+                        <a:latin typeface="Calibri" panose="020F0502020204030204" pitchFamily="34" charset="0"/>
+                      </a:endParaRPr>
+                    </a:p>
+                  </a:txBody>
+                  <a:tcPr marL="0" marR="0" marT="0" marB="0" anchor="b"/>
+                </a:tc>
+                <a:tc>
+                  <a:txBody>
+                    <a:bodyPr/>
+                    <a:lstStyle/>
+                    <a:p>
+                      <a:pPr algn="l" fontAlgn="b"/>
+                      <a:r>
+                        <a:rPr lang="en-GB" sz="900" u="none" strike="noStrike">
+                          <a:effectLst/>
+                        </a:rPr>
+                        <a:t>high</a:t>
+                      </a:r>
+                      <a:endParaRPr lang="en-GB" sz="900" b="0" i="0" u="none" strike="noStrike">
+                        <a:solidFill>
+                          <a:srgbClr val="000000"/>
+                        </a:solidFill>
+                        <a:effectLst/>
+                        <a:latin typeface="Calibri" panose="020F0502020204030204" pitchFamily="34" charset="0"/>
+                      </a:endParaRPr>
+                    </a:p>
+                  </a:txBody>
+                  <a:tcPr marL="0" marR="0" marT="0" marB="0" anchor="b"/>
+                </a:tc>
+                <a:tc>
+                  <a:txBody>
+                    <a:bodyPr/>
+                    <a:lstStyle/>
+                    <a:p>
+                      <a:pPr algn="r" fontAlgn="b"/>
+                      <a:r>
+                        <a:rPr lang="en-GB" sz="900" u="none" strike="noStrike">
+                          <a:effectLst/>
+                        </a:rPr>
+                        <a:t>24</a:t>
+                      </a:r>
+                      <a:endParaRPr lang="en-GB" sz="900" b="0" i="0" u="none" strike="noStrike">
+                        <a:solidFill>
+                          <a:srgbClr val="000000"/>
+                        </a:solidFill>
+                        <a:effectLst/>
+                        <a:latin typeface="Calibri" panose="020F0502020204030204" pitchFamily="34" charset="0"/>
+                      </a:endParaRPr>
+                    </a:p>
+                  </a:txBody>
+                  <a:tcPr marL="0" marR="0" marT="0" marB="0" anchor="b"/>
+                </a:tc>
+                <a:tc>
+                  <a:txBody>
+                    <a:bodyPr/>
+                    <a:lstStyle/>
+                    <a:p>
+                      <a:pPr algn="l" fontAlgn="b"/>
+                      <a:endParaRPr lang="en-GB" sz="900" b="0" i="0" u="none" strike="noStrike">
+                        <a:solidFill>
+                          <a:srgbClr val="000000"/>
+                        </a:solidFill>
+                        <a:effectLst/>
+                        <a:latin typeface="Calibri" panose="020F0502020204030204" pitchFamily="34" charset="0"/>
+                      </a:endParaRPr>
+                    </a:p>
+                  </a:txBody>
+                  <a:tcPr marL="0" marR="0" marT="0" marB="0" anchor="b"/>
+                </a:tc>
+                <a:tc>
+                  <a:txBody>
+                    <a:bodyPr/>
+                    <a:lstStyle/>
+                    <a:p>
+                      <a:pPr algn="l" fontAlgn="b"/>
+                      <a:endParaRPr lang="en-GB" sz="900" b="0" i="0" u="none" strike="noStrike">
+                        <a:solidFill>
+                          <a:srgbClr val="000000"/>
+                        </a:solidFill>
+                        <a:effectLst/>
+                        <a:latin typeface="Calibri" panose="020F0502020204030204" pitchFamily="34" charset="0"/>
+                      </a:endParaRPr>
+                    </a:p>
+                  </a:txBody>
+                  <a:tcPr marL="0" marR="0" marT="0" marB="0" anchor="b"/>
+                </a:tc>
+                <a:tc>
+                  <a:txBody>
+                    <a:bodyPr/>
+                    <a:lstStyle/>
+                    <a:p>
+                      <a:pPr algn="l" fontAlgn="b"/>
+                      <a:r>
+                        <a:rPr lang="en-GB" sz="900" u="none" strike="noStrike" dirty="0">
+                          <a:effectLst/>
+                        </a:rPr>
+                        <a:t>in progress</a:t>
+                      </a:r>
+                      <a:endParaRPr lang="en-GB" sz="900" b="0" i="0" u="none" strike="noStrike" dirty="0">
+                        <a:solidFill>
+                          <a:srgbClr val="000000"/>
+                        </a:solidFill>
+                        <a:effectLst/>
+                        <a:latin typeface="Calibri" panose="020F0502020204030204" pitchFamily="34" charset="0"/>
+                      </a:endParaRPr>
+                    </a:p>
+                  </a:txBody>
+                  <a:tcPr marL="0" marR="0" marT="0" marB="0" anchor="b"/>
+                </a:tc>
+                <a:extLst>
+                  <a:ext uri="{0D108BD9-81ED-4DB2-BD59-A6C34878D82A}">
+                    <a16:rowId xmlns:a16="http://schemas.microsoft.com/office/drawing/2014/main" val="3465428816"/>
+                  </a:ext>
+                </a:extLst>
+              </a:tr>
+            </a:tbl>
+          </a:graphicData>
+        </a:graphic>
+      </p:graphicFrame>
+      <p:sp>
+        <p:nvSpPr>
+          <p:cNvPr id="8" name="Content Placeholder 1"/>
+          <p:cNvSpPr txBox="1">
+            <a:spLocks/>
+          </p:cNvSpPr>
+          <p:nvPr/>
+        </p:nvSpPr>
+        <p:spPr>
+          <a:xfrm>
+            <a:off x="609600" y="5293894"/>
+            <a:ext cx="11249025" cy="978505"/>
+          </a:xfrm>
+          <a:prstGeom prst="rect">
+            <a:avLst/>
+          </a:prstGeom>
+        </p:spPr>
+        <p:txBody>
+          <a:bodyPr lIns="0" rIns="0"/>
+          <a:lstStyle>
+            <a:lvl1pPr marL="271463" indent="-271463" algn="l" defTabSz="457200" rtl="0" eaLnBrk="1" fontAlgn="base" hangingPunct="1">
+              <a:spcBef>
+                <a:spcPct val="20000"/>
+              </a:spcBef>
+              <a:spcAft>
+                <a:spcPct val="0"/>
+              </a:spcAft>
+              <a:buClr>
+                <a:srgbClr val="FAA500"/>
+              </a:buClr>
+              <a:buSzPct val="80000"/>
+              <a:buFont typeface="Lucida Grande"/>
+              <a:buChar char="▶"/>
+              <a:defRPr sz="2200" kern="1200">
+                <a:solidFill>
+                  <a:schemeClr val="tx1"/>
+                </a:solidFill>
+                <a:latin typeface="Lucida Sans"/>
+                <a:ea typeface="MS PGothic" pitchFamily="34" charset="-128"/>
+                <a:cs typeface="Lucida Sans"/>
+              </a:defRPr>
+            </a:lvl1pPr>
+            <a:lvl2pPr marL="742950" indent="-285750" algn="l" defTabSz="457200" rtl="0" eaLnBrk="1" fontAlgn="base" hangingPunct="1">
+              <a:spcBef>
+                <a:spcPct val="20000"/>
+              </a:spcBef>
+              <a:spcAft>
+                <a:spcPct val="0"/>
+              </a:spcAft>
+              <a:buClr>
+                <a:srgbClr val="FAA500"/>
+              </a:buClr>
+              <a:buSzPct val="80000"/>
+              <a:buFont typeface="Lucida Grande"/>
+              <a:buChar char="▶"/>
+              <a:defRPr sz="2200" kern="1200">
+                <a:solidFill>
+                  <a:schemeClr val="tx1"/>
+                </a:solidFill>
+                <a:latin typeface="Lucida Sans"/>
+                <a:ea typeface="MS PGothic" pitchFamily="34" charset="-128"/>
+                <a:cs typeface="Lucida Sans"/>
+              </a:defRPr>
+            </a:lvl2pPr>
+            <a:lvl3pPr marL="1143000" indent="-228600" algn="l" defTabSz="457200" rtl="0" eaLnBrk="1" fontAlgn="base" hangingPunct="1">
+              <a:spcBef>
+                <a:spcPct val="20000"/>
+              </a:spcBef>
+              <a:spcAft>
+                <a:spcPct val="0"/>
+              </a:spcAft>
+              <a:buClr>
+                <a:srgbClr val="FAA500"/>
+              </a:buClr>
+              <a:buSzPct val="80000"/>
+              <a:buFont typeface="Lucida Grande"/>
+              <a:buChar char="▶"/>
+              <a:defRPr sz="2200" kern="1200">
+                <a:solidFill>
+                  <a:schemeClr val="tx1"/>
+                </a:solidFill>
+                <a:latin typeface="Lucida Sans"/>
+                <a:ea typeface="MS PGothic" pitchFamily="34" charset="-128"/>
+                <a:cs typeface="Lucida Sans"/>
+              </a:defRPr>
+            </a:lvl3pPr>
+            <a:lvl4pPr marL="1600200" indent="-228600" algn="l" defTabSz="457200" rtl="0" eaLnBrk="1" fontAlgn="base" hangingPunct="1">
+              <a:spcBef>
+                <a:spcPct val="20000"/>
+              </a:spcBef>
+              <a:spcAft>
+                <a:spcPct val="0"/>
+              </a:spcAft>
+              <a:buClr>
+                <a:srgbClr val="FAA500"/>
+              </a:buClr>
+              <a:buSzPct val="80000"/>
+              <a:buFont typeface="Lucida Grande"/>
+              <a:buChar char="▶"/>
+              <a:defRPr sz="2200" kern="1200">
+                <a:solidFill>
+                  <a:schemeClr val="tx1"/>
+                </a:solidFill>
+                <a:latin typeface="Lucida Sans"/>
+                <a:ea typeface="MS PGothic" pitchFamily="34" charset="-128"/>
+                <a:cs typeface="Lucida Sans"/>
+              </a:defRPr>
+            </a:lvl4pPr>
+            <a:lvl5pPr marL="2057400" indent="-228600" algn="l" defTabSz="457200" rtl="0" eaLnBrk="1" fontAlgn="base" hangingPunct="1">
+              <a:spcBef>
+                <a:spcPct val="20000"/>
+              </a:spcBef>
+              <a:spcAft>
+                <a:spcPct val="0"/>
+              </a:spcAft>
+              <a:buClr>
+                <a:srgbClr val="FAA500"/>
+              </a:buClr>
+              <a:buSzPct val="80000"/>
+              <a:buFont typeface="Lucida Grande"/>
+              <a:buChar char="▶"/>
+              <a:defRPr sz="2200" kern="1200">
+                <a:solidFill>
+                  <a:schemeClr val="tx1"/>
+                </a:solidFill>
+                <a:latin typeface="Lucida Sans"/>
+                <a:ea typeface="MS PGothic" pitchFamily="34" charset="-128"/>
+                <a:cs typeface="Lucida Sans"/>
+              </a:defRPr>
+            </a:lvl5pPr>
+            <a:lvl6pPr marL="2514600" indent="-228600" algn="l" defTabSz="457200" rtl="0" eaLnBrk="1" latinLnBrk="0" hangingPunct="1">
+              <a:spcBef>
+                <a:spcPct val="20000"/>
+              </a:spcBef>
+              <a:buFont typeface="Arial"/>
+              <a:buChar char="•"/>
+              <a:defRPr sz="1800" kern="1200">
+                <a:solidFill>
+                  <a:schemeClr val="tx1"/>
+                </a:solidFill>
+                <a:latin typeface="+mn-lt"/>
+                <a:ea typeface="+mn-ea"/>
+                <a:cs typeface="+mn-cs"/>
+              </a:defRPr>
+            </a:lvl6pPr>
+            <a:lvl7pPr marL="2971800" indent="-228600" algn="l" defTabSz="457200" rtl="0" eaLnBrk="1" latinLnBrk="0" hangingPunct="1">
+              <a:spcBef>
+                <a:spcPct val="20000"/>
+              </a:spcBef>
+              <a:buFont typeface="Arial"/>
+              <a:buChar char="•"/>
+              <a:defRPr sz="1800" kern="1200">
+                <a:solidFill>
+                  <a:schemeClr val="tx1"/>
+                </a:solidFill>
+                <a:latin typeface="+mn-lt"/>
+                <a:ea typeface="+mn-ea"/>
+                <a:cs typeface="+mn-cs"/>
+              </a:defRPr>
+            </a:lvl7pPr>
+            <a:lvl8pPr marL="3429000" indent="-228600" algn="l" defTabSz="457200" rtl="0" eaLnBrk="1" latinLnBrk="0" hangingPunct="1">
+              <a:spcBef>
+                <a:spcPct val="20000"/>
+              </a:spcBef>
+              <a:buFont typeface="Arial"/>
+              <a:buChar char="•"/>
+              <a:defRPr sz="1800" kern="1200">
+                <a:solidFill>
+                  <a:schemeClr val="tx1"/>
+                </a:solidFill>
+                <a:latin typeface="+mn-lt"/>
+                <a:ea typeface="+mn-ea"/>
+                <a:cs typeface="+mn-cs"/>
+              </a:defRPr>
+            </a:lvl8pPr>
+            <a:lvl9pPr marL="3886200" indent="-228600" algn="l" defTabSz="457200" rtl="0" eaLnBrk="1" latinLnBrk="0" hangingPunct="1">
+              <a:spcBef>
+                <a:spcPct val="20000"/>
+              </a:spcBef>
+              <a:buFont typeface="Arial"/>
+              <a:buChar char="•"/>
+              <a:defRPr sz="1800" kern="1200">
+                <a:solidFill>
+                  <a:schemeClr val="tx1"/>
+                </a:solidFill>
+                <a:latin typeface="+mn-lt"/>
+                <a:ea typeface="+mn-ea"/>
+                <a:cs typeface="+mn-cs"/>
+              </a:defRPr>
+            </a:lvl9pPr>
+          </a:lstStyle>
+          <a:p>
+            <a:r>
+              <a:rPr lang="en-GB" dirty="0"/>
+              <a:t>4 additional hours for Effort Plan Updated</a:t>
+            </a:r>
+          </a:p>
+          <a:p>
+            <a:pPr lvl="1"/>
+            <a:r>
+              <a:rPr lang="en-GB" dirty="0"/>
+              <a:t>Experience from sprint 1</a:t>
+            </a:r>
+          </a:p>
+          <a:p>
+            <a:pPr lvl="1"/>
+            <a:endParaRPr lang="en-GB" dirty="0"/>
+          </a:p>
+          <a:p>
+            <a:pPr lvl="1"/>
+            <a:endParaRPr lang="en-GB" dirty="0"/>
+          </a:p>
+        </p:txBody>
+      </p:sp>
+    </p:spTree>
+    <p:extLst>
+      <p:ext uri="{BB962C8B-B14F-4D97-AF65-F5344CB8AC3E}">
+        <p14:creationId xmlns:p14="http://schemas.microsoft.com/office/powerpoint/2010/main" val="3637545331"/>
+      </p:ext>
+    </p:extLst>
+  </p:cSld>
+  <p:clrMapOvr>
+    <a:masterClrMapping/>
+  </p:clrMapOvr>
+</p:sld>
+</file>
+
+<file path=ppt/slides/slide8.xml><?xml version="1.0" encoding="utf-8"?>
+<p:sld xmlns:a="http://schemas.openxmlformats.org/drawingml/2006/main" xmlns:r="http://schemas.openxmlformats.org/officeDocument/2006/relationships" xmlns:p="http://schemas.openxmlformats.org/presentationml/2006/main">
+  <p:cSld>
+    <p:spTree>
+      <p:nvGrpSpPr>
+        <p:cNvPr id="1" name=""/>
+        <p:cNvGrpSpPr/>
+        <p:nvPr/>
+      </p:nvGrpSpPr>
+      <p:grpSpPr>
+        <a:xfrm>
+          <a:off x="0" y="0"/>
+          <a:ext cx="0" cy="0"/>
+          <a:chOff x="0" y="0"/>
+          <a:chExt cx="0" cy="0"/>
+        </a:xfrm>
+      </p:grpSpPr>
+      <p:sp>
+        <p:nvSpPr>
           <p:cNvPr id="8194" name="Titel 1"/>
           <p:cNvSpPr>
             <a:spLocks noGrp="1"/>
@@ -7079,14 +12710,14 @@
           <a:noFill/>
           <a:extLst>
             <a:ext uri="{909E8E84-426E-40dd-AFC4-6F175D3DCCD1}">
-              <a14:hiddenFill xmlns="" xmlns:a14="http://schemas.microsoft.com/office/drawing/2010/main">
+              <a14:hiddenFill xmlns:a14="http://schemas.microsoft.com/office/drawing/2010/main" xmlns="">
                 <a:solidFill>
                   <a:srgbClr val="FFFFFF"/>
                 </a:solidFill>
               </a14:hiddenFill>
             </a:ext>
             <a:ext uri="{91240B29-F687-4f45-9708-019B960494DF}">
-              <a14:hiddenLine xmlns="" xmlns:a14="http://schemas.microsoft.com/office/drawing/2010/main" w="9525">
+              <a14:hiddenLine xmlns:a14="http://schemas.microsoft.com/office/drawing/2010/main" xmlns="" w="9525">
                 <a:solidFill>
                   <a:srgbClr val="000000"/>
                 </a:solidFill>
@@ -7134,14 +12765,14 @@
           <a:noFill/>
           <a:extLst>
             <a:ext uri="{909E8E84-426E-40dd-AFC4-6F175D3DCCD1}">
-              <a14:hiddenFill xmlns="" xmlns:a14="http://schemas.microsoft.com/office/drawing/2010/main">
+              <a14:hiddenFill xmlns:a14="http://schemas.microsoft.com/office/drawing/2010/main" xmlns="">
                 <a:solidFill>
                   <a:srgbClr val="FFFFFF"/>
                 </a:solidFill>
               </a14:hiddenFill>
             </a:ext>
             <a:ext uri="{91240B29-F687-4f45-9708-019B960494DF}">
-              <a14:hiddenLine xmlns="" xmlns:a14="http://schemas.microsoft.com/office/drawing/2010/main" w="9525">
+              <a14:hiddenLine xmlns:a14="http://schemas.microsoft.com/office/drawing/2010/main" xmlns="" w="9525">
                 <a:solidFill>
                   <a:srgbClr val="000000"/>
                 </a:solidFill>
@@ -7782,6 +13413,16 @@
 </file>
 
 <file path=customXml/item1.xml><?xml version="1.0" encoding="utf-8"?>
+<p:properties xmlns:p="http://schemas.microsoft.com/office/2006/metadata/properties" xmlns:xsi="http://www.w3.org/2001/XMLSchema-instance">
+  <documentManagement>
+    <Betriebsystem xmlns="238ac175-5152-443e-bf42-417a27926292">Windows/Mac</Betriebsystem>
+    <Office_x002d_Version xmlns="238ac175-5152-443e-bf42-417a27926292">Office 2010/2011</Office_x002d_Version>
+    <Kategorie xmlns="238ac175-5152-443e-bf42-417a27926292">Powerpoint</Kategorie>
+  </documentManagement>
+</p:properties>
+</file>
+
+<file path=customXml/item2.xml><?xml version="1.0" encoding="utf-8"?>
 <ct:contentTypeSchema xmlns:ct="http://schemas.microsoft.com/office/2006/metadata/contentType" xmlns:ma="http://schemas.microsoft.com/office/2006/metadata/properties/metaAttributes" ct:_="" ma:_="" ma:contentTypeName="Dokument" ma:contentTypeID="0x0101003A4279409C3118409D418E682AEFAFB0" ma:contentTypeVersion="3" ma:contentTypeDescription="Ein neues Dokument erstellen." ma:contentTypeScope="" ma:versionID="101028ed2a8124309b77afe37cae3487">
   <xsd:schema xmlns:xsd="http://www.w3.org/2001/XMLSchema" xmlns:p="http://schemas.microsoft.com/office/2006/metadata/properties" xmlns:ns2="238ac175-5152-443e-bf42-417a27926292" targetNamespace="http://schemas.microsoft.com/office/2006/metadata/properties" ma:root="true" ma:fieldsID="20db5ee339a7a41ccd05188cc98320bc" ns2:_="">
     <xsd:import namespace="238ac175-5152-443e-bf42-417a27926292"/>
@@ -7867,16 +13508,6 @@
 </ct:contentTypeSchema>
 </file>
 
-<file path=customXml/item2.xml><?xml version="1.0" encoding="utf-8"?>
-<p:properties xmlns:p="http://schemas.microsoft.com/office/2006/metadata/properties" xmlns:xsi="http://www.w3.org/2001/XMLSchema-instance">
-  <documentManagement>
-    <Betriebsystem xmlns="238ac175-5152-443e-bf42-417a27926292">Windows/Mac</Betriebsystem>
-    <Office_x002d_Version xmlns="238ac175-5152-443e-bf42-417a27926292">Office 2010/2011</Office_x002d_Version>
-    <Kategorie xmlns="238ac175-5152-443e-bf42-417a27926292">Powerpoint</Kategorie>
-  </documentManagement>
-</p:properties>
-</file>
-
 <file path=customXml/item3.xml><?xml version="1.0" encoding="utf-8"?>
 <?mso-contentType ?>
 <FormTemplates xmlns="http://schemas.microsoft.com/sharepoint/v3/contenttype/forms">
@@ -7887,6 +13518,21 @@
 </file>
 
 <file path=customXml/itemProps1.xml><?xml version="1.0" encoding="utf-8"?>
+<ds:datastoreItem xmlns:ds="http://schemas.openxmlformats.org/officeDocument/2006/customXml" ds:itemID="{F09E12DB-F876-4C59-A411-726D3126721E}">
+  <ds:schemaRefs>
+    <ds:schemaRef ds:uri="http://purl.org/dc/dcmitype/"/>
+    <ds:schemaRef ds:uri="http://purl.org/dc/elements/1.1/"/>
+    <ds:schemaRef ds:uri="http://schemas.microsoft.com/office/2006/metadata/properties"/>
+    <ds:schemaRef ds:uri="http://schemas.microsoft.com/office/2006/documentManagement/types"/>
+    <ds:schemaRef ds:uri="238ac175-5152-443e-bf42-417a27926292"/>
+    <ds:schemaRef ds:uri="http://schemas.openxmlformats.org/package/2006/metadata/core-properties"/>
+    <ds:schemaRef ds:uri="http://www.w3.org/XML/1998/namespace"/>
+    <ds:schemaRef ds:uri="http://purl.org/dc/terms/"/>
+  </ds:schemaRefs>
+</ds:datastoreItem>
+</file>
+
+<file path=customXml/itemProps2.xml><?xml version="1.0" encoding="utf-8"?>
 <ds:datastoreItem xmlns:ds="http://schemas.openxmlformats.org/officeDocument/2006/customXml" ds:itemID="{277F83F2-8BF7-47B6-B01C-8F4E00C9C994}">
   <ds:schemaRefs>
     <ds:schemaRef ds:uri="http://schemas.microsoft.com/office/2006/metadata/contentType"/>
@@ -7903,21 +13549,6 @@
 </ds:datastoreItem>
 </file>
 
-<file path=customXml/itemProps2.xml><?xml version="1.0" encoding="utf-8"?>
-<ds:datastoreItem xmlns:ds="http://schemas.openxmlformats.org/officeDocument/2006/customXml" ds:itemID="{F09E12DB-F876-4C59-A411-726D3126721E}">
-  <ds:schemaRefs>
-    <ds:schemaRef ds:uri="http://purl.org/dc/elements/1.1/"/>
-    <ds:schemaRef ds:uri="http://schemas.microsoft.com/office/2006/metadata/properties"/>
-    <ds:schemaRef ds:uri="http://purl.org/dc/terms/"/>
-    <ds:schemaRef ds:uri="http://schemas.openxmlformats.org/package/2006/metadata/core-properties"/>
-    <ds:schemaRef ds:uri="238ac175-5152-443e-bf42-417a27926292"/>
-    <ds:schemaRef ds:uri="http://schemas.microsoft.com/office/2006/documentManagement/types"/>
-    <ds:schemaRef ds:uri="http://www.w3.org/XML/1998/namespace"/>
-    <ds:schemaRef ds:uri="http://purl.org/dc/dcmitype/"/>
-  </ds:schemaRefs>
-</ds:datastoreItem>
-</file>
-
 <file path=customXml/itemProps3.xml><?xml version="1.0" encoding="utf-8"?>
 <ds:datastoreItem xmlns:ds="http://schemas.openxmlformats.org/officeDocument/2006/customXml" ds:itemID="{9CE40E7B-A2C7-4778-9F2A-6D23000DC7D5}">
   <ds:schemaRefs>

--- a/doc/CS1/Task11/Präsentation_CS1_Task11.pptx
+++ b/doc/CS1/Task11/Präsentation_CS1_Task11.pptx
@@ -5,17 +5,18 @@
     <p:sldMasterId id="2147483669" r:id="rId4"/>
   </p:sldMasterIdLst>
   <p:notesMasterIdLst>
-    <p:notesMasterId r:id="rId13"/>
+    <p:notesMasterId r:id="rId14"/>
   </p:notesMasterIdLst>
   <p:sldIdLst>
     <p:sldId id="256" r:id="rId5"/>
     <p:sldId id="258" r:id="rId6"/>
     <p:sldId id="261" r:id="rId7"/>
-    <p:sldId id="265" r:id="rId8"/>
-    <p:sldId id="262" r:id="rId9"/>
-    <p:sldId id="264" r:id="rId10"/>
-    <p:sldId id="263" r:id="rId11"/>
-    <p:sldId id="259" r:id="rId12"/>
+    <p:sldId id="266" r:id="rId8"/>
+    <p:sldId id="265" r:id="rId9"/>
+    <p:sldId id="262" r:id="rId10"/>
+    <p:sldId id="264" r:id="rId11"/>
+    <p:sldId id="263" r:id="rId12"/>
+    <p:sldId id="259" r:id="rId13"/>
   </p:sldIdLst>
   <p:sldSz cx="12207875" cy="6858000"/>
   <p:notesSz cx="6797675" cy="9872663"/>
@@ -146,7 +147,7 @@
   </p:defaultTextStyle>
   <p:extLst>
     <p:ext uri="{EFAFB233-063F-42B5-8137-9DF3F51BA10A}">
-      <p15:sldGuideLst xmlns:p15="http://schemas.microsoft.com/office/powerpoint/2012/main">
+      <p15:sldGuideLst xmlns:p15="http://schemas.microsoft.com/office/powerpoint/2012/main" xmlns="">
         <p15:guide id="1" orient="horz" pos="2160">
           <p15:clr>
             <a:srgbClr val="A4A3A4"/>
@@ -164,9 +165,9 @@
 </file>
 
 <file path=ppt/charts/chart1.xml><?xml version="1.0" encoding="utf-8"?>
-<c:chartSpace xmlns:c="http://schemas.openxmlformats.org/drawingml/2006/chart" xmlns:a="http://schemas.openxmlformats.org/drawingml/2006/main" xmlns:r="http://schemas.openxmlformats.org/officeDocument/2006/relationships" xmlns:c16r2="http://schemas.microsoft.com/office/drawing/2015/06/chart">
+<c:chartSpace xmlns:c="http://schemas.openxmlformats.org/drawingml/2006/chart" xmlns:a="http://schemas.openxmlformats.org/drawingml/2006/main" xmlns:r="http://schemas.openxmlformats.org/officeDocument/2006/relationships">
   <c:date1904 val="0"/>
-  <c:lang val="en-US"/>
+  <c:lang val="de-CH"/>
   <c:roundedCorners val="0"/>
   <mc:AlternateContent xmlns:mc="http://schemas.openxmlformats.org/markup-compatibility/2006">
     <mc:Choice xmlns:c14="http://schemas.microsoft.com/office/drawing/2007/8/2/chart" Requires="c14">
@@ -203,6 +204,7 @@
           </a:p>
         </c:rich>
       </c:tx>
+      <c:layout/>
       <c:overlay val="0"/>
       <c:spPr>
         <a:noFill/>
@@ -211,26 +213,6 @@
         </a:ln>
         <a:effectLst/>
       </c:spPr>
-      <c:txPr>
-        <a:bodyPr rot="0" spcFirstLastPara="1" vertOverflow="ellipsis" vert="horz" wrap="square" anchor="ctr" anchorCtr="1"/>
-        <a:lstStyle/>
-        <a:p>
-          <a:pPr>
-            <a:defRPr sz="1400" b="0" i="0" u="none" strike="noStrike" kern="1200" spc="0" baseline="0">
-              <a:solidFill>
-                <a:schemeClr val="tx1">
-                  <a:lumMod val="65000"/>
-                  <a:lumOff val="35000"/>
-                </a:schemeClr>
-              </a:solidFill>
-              <a:latin typeface="+mn-lt"/>
-              <a:ea typeface="+mn-ea"/>
-              <a:cs typeface="+mn-cs"/>
-            </a:defRPr>
-          </a:pPr>
-          <a:endParaRPr lang="en-US"/>
-        </a:p>
-      </c:txPr>
     </c:title>
     <c:autoTitleDeleted val="0"/>
     <c:plotArea>
@@ -283,7 +265,7 @@
                     <a:cs typeface="+mn-cs"/>
                   </a:defRPr>
                 </a:pPr>
-                <a:endParaRPr lang="en-US"/>
+                <a:endParaRPr lang="de-DE"/>
               </a:p>
             </c:txPr>
             <c:dLblPos val="ctr"/>
@@ -294,7 +276,7 @@
             <c:showPercent val="0"/>
             <c:showBubbleSize val="0"/>
             <c:showLeaderLines val="0"/>
-            <c:extLst>
+            <c:extLst xmlns:c16r2="http://schemas.microsoft.com/office/drawing/2015/06/chart">
               <c:ext xmlns:c15="http://schemas.microsoft.com/office/drawing/2012/chart" uri="{CE6537A1-D6FC-4f65-9D91-7224C49458BB}">
                 <c15:showLeaderLines val="1"/>
                 <c15:leaderLines>
@@ -363,7 +345,7 @@
             </c:numRef>
           </c:val>
           <c:smooth val="0"/>
-          <c:extLst>
+          <c:extLst xmlns:c16r2="http://schemas.microsoft.com/office/drawing/2015/06/chart">
             <c:ext xmlns:c16="http://schemas.microsoft.com/office/drawing/2014/chart" uri="{C3380CC4-5D6E-409C-BE32-E72D297353CC}">
               <c16:uniqueId val="{00000000-D45A-4908-A40A-48AF744F6942}"/>
             </c:ext>
@@ -414,7 +396,7 @@
                     <a:cs typeface="+mn-cs"/>
                   </a:defRPr>
                 </a:pPr>
-                <a:endParaRPr lang="en-US"/>
+                <a:endParaRPr lang="de-DE"/>
               </a:p>
             </c:txPr>
             <c:dLblPos val="ctr"/>
@@ -425,7 +407,7 @@
             <c:showPercent val="0"/>
             <c:showBubbleSize val="0"/>
             <c:showLeaderLines val="0"/>
-            <c:extLst>
+            <c:extLst xmlns:c16r2="http://schemas.microsoft.com/office/drawing/2015/06/chart">
               <c:ext xmlns:c15="http://schemas.microsoft.com/office/drawing/2012/chart" uri="{CE6537A1-D6FC-4f65-9D91-7224C49458BB}">
                 <c15:showLeaderLines val="1"/>
                 <c15:leaderLines>
@@ -503,7 +485,7 @@
             </c:numRef>
           </c:val>
           <c:smooth val="0"/>
-          <c:extLst>
+          <c:extLst xmlns:c16r2="http://schemas.microsoft.com/office/drawing/2015/06/chart">
             <c:ext xmlns:c16="http://schemas.microsoft.com/office/drawing/2014/chart" uri="{C3380CC4-5D6E-409C-BE32-E72D297353CC}">
               <c16:uniqueId val="{00000001-D45A-4908-A40A-48AF744F6942}"/>
             </c:ext>
@@ -518,12 +500,13 @@
           <c:showPercent val="0"/>
           <c:showBubbleSize val="0"/>
         </c:dLbls>
+        <c:marker val="1"/>
         <c:smooth val="0"/>
-        <c:axId val="549207312"/>
-        <c:axId val="549207640"/>
+        <c:axId val="150169088"/>
+        <c:axId val="124931456"/>
       </c:lineChart>
       <c:catAx>
-        <c:axId val="549207312"/>
+        <c:axId val="150169088"/>
         <c:scaling>
           <c:orientation val="minMax"/>
         </c:scaling>
@@ -555,6 +538,7 @@
               </a:p>
             </c:rich>
           </c:tx>
+          <c:layout/>
           <c:overlay val="0"/>
           <c:spPr>
             <a:noFill/>
@@ -563,26 +547,6 @@
             </a:ln>
             <a:effectLst/>
           </c:spPr>
-          <c:txPr>
-            <a:bodyPr rot="0" spcFirstLastPara="1" vertOverflow="ellipsis" vert="horz" wrap="square" anchor="ctr" anchorCtr="1"/>
-            <a:lstStyle/>
-            <a:p>
-              <a:pPr>
-                <a:defRPr sz="1000" b="0" i="0" u="none" strike="noStrike" kern="1200" baseline="0">
-                  <a:solidFill>
-                    <a:schemeClr val="tx1">
-                      <a:lumMod val="65000"/>
-                      <a:lumOff val="35000"/>
-                    </a:schemeClr>
-                  </a:solidFill>
-                  <a:latin typeface="+mn-lt"/>
-                  <a:ea typeface="+mn-ea"/>
-                  <a:cs typeface="+mn-cs"/>
-                </a:defRPr>
-              </a:pPr>
-              <a:endParaRPr lang="en-US"/>
-            </a:p>
-          </c:txPr>
         </c:title>
         <c:numFmt formatCode="General" sourceLinked="1"/>
         <c:majorTickMark val="none"/>
@@ -618,10 +582,10 @@
                 <a:cs typeface="+mn-cs"/>
               </a:defRPr>
             </a:pPr>
-            <a:endParaRPr lang="en-US"/>
+            <a:endParaRPr lang="de-DE"/>
           </a:p>
         </c:txPr>
-        <c:crossAx val="549207640"/>
+        <c:crossAx val="124931456"/>
         <c:crosses val="autoZero"/>
         <c:auto val="1"/>
         <c:lblAlgn val="ctr"/>
@@ -629,7 +593,7 @@
         <c:noMultiLvlLbl val="0"/>
       </c:catAx>
       <c:valAx>
-        <c:axId val="549207640"/>
+        <c:axId val="124931456"/>
         <c:scaling>
           <c:orientation val="minMax"/>
         </c:scaling>
@@ -675,6 +639,7 @@
               </a:p>
             </c:rich>
           </c:tx>
+          <c:layout/>
           <c:overlay val="0"/>
           <c:spPr>
             <a:noFill/>
@@ -683,26 +648,6 @@
             </a:ln>
             <a:effectLst/>
           </c:spPr>
-          <c:txPr>
-            <a:bodyPr rot="-5400000" spcFirstLastPara="1" vertOverflow="ellipsis" vert="horz" wrap="square" anchor="ctr" anchorCtr="1"/>
-            <a:lstStyle/>
-            <a:p>
-              <a:pPr>
-                <a:defRPr sz="1000" b="0" i="0" u="none" strike="noStrike" kern="1200" baseline="0">
-                  <a:solidFill>
-                    <a:schemeClr val="tx1">
-                      <a:lumMod val="65000"/>
-                      <a:lumOff val="35000"/>
-                    </a:schemeClr>
-                  </a:solidFill>
-                  <a:latin typeface="+mn-lt"/>
-                  <a:ea typeface="+mn-ea"/>
-                  <a:cs typeface="+mn-cs"/>
-                </a:defRPr>
-              </a:pPr>
-              <a:endParaRPr lang="en-US"/>
-            </a:p>
-          </c:txPr>
         </c:title>
         <c:numFmt formatCode="General" sourceLinked="1"/>
         <c:majorTickMark val="none"/>
@@ -732,10 +677,10 @@
                 <a:cs typeface="+mn-cs"/>
               </a:defRPr>
             </a:pPr>
-            <a:endParaRPr lang="en-US"/>
+            <a:endParaRPr lang="de-DE"/>
           </a:p>
         </c:txPr>
-        <c:crossAx val="549207312"/>
+        <c:crossAx val="150169088"/>
         <c:crosses val="autoZero"/>
         <c:crossBetween val="between"/>
       </c:valAx>
@@ -774,7 +719,7 @@
                 <a:cs typeface="+mn-cs"/>
               </a:defRPr>
             </a:pPr>
-            <a:endParaRPr lang="en-US"/>
+            <a:endParaRPr lang="de-DE"/>
           </a:p>
         </c:txPr>
       </c:dTable>
@@ -788,6 +733,7 @@
     </c:plotArea>
     <c:legend>
       <c:legendPos val="b"/>
+      <c:layout/>
       <c:overlay val="0"/>
       <c:spPr>
         <a:noFill/>
@@ -813,7 +759,7 @@
               <a:cs typeface="+mn-cs"/>
             </a:defRPr>
           </a:pPr>
-          <a:endParaRPr lang="en-US"/>
+          <a:endParaRPr lang="de-DE"/>
         </a:p>
       </c:txPr>
     </c:legend>
@@ -835,10 +781,10 @@
       <a:pPr>
         <a:defRPr/>
       </a:pPr>
-      <a:endParaRPr lang="en-US"/>
+      <a:endParaRPr lang="de-DE"/>
     </a:p>
   </c:txPr>
-  <c:externalData r:id="rId3">
+  <c:externalData r:id="rId1">
     <c:autoUpdate val="0"/>
   </c:externalData>
 </c:chartSpace>
@@ -1660,7 +1606,7 @@
               <a:pPr>
                 <a:defRPr/>
               </a:pPr>
-              <a:t>‹#›</a:t>
+              <a:t>‹Nr.›</a:t>
             </a:fld>
             <a:endParaRPr lang="de-CH"/>
           </a:p>
@@ -2023,15 +1969,15 @@
             <a:noFill/>
           </a:ln>
           <a:extLst>
-            <a:ext uri="{909E8E84-426E-40dd-AFC4-6F175D3DCCD1}">
-              <a14:hiddenFill xmlns:a14="http://schemas.microsoft.com/office/drawing/2010/main" xmlns="">
+            <a:ext uri="{909E8E84-426E-40DD-AFC4-6F175D3DCCD1}">
+              <a14:hiddenFill xmlns:a14="http://schemas.microsoft.com/office/drawing/2010/main">
                 <a:solidFill>
                   <a:srgbClr val="FFFFFF"/>
                 </a:solidFill>
               </a14:hiddenFill>
             </a:ext>
-            <a:ext uri="{91240B29-F687-4f45-9708-019B960494DF}">
-              <a14:hiddenLine xmlns:a14="http://schemas.microsoft.com/office/drawing/2010/main" xmlns="" w="9525">
+            <a:ext uri="{91240B29-F687-4F45-9708-019B960494DF}">
+              <a14:hiddenLine xmlns:a14="http://schemas.microsoft.com/office/drawing/2010/main" w="9525">
                 <a:solidFill>
                   <a:srgbClr val="000000"/>
                 </a:solidFill>
@@ -2081,9 +2027,17 @@
             <a:br>
               <a:rPr lang="de-DE" noProof="0" dirty="0"/>
             </a:br>
+            <a:r>
+              <a:rPr lang="de-DE" noProof="0" dirty="0"/>
+              <a:t/>
+            </a:r>
             <a:br>
               <a:rPr lang="de-DE" noProof="0" dirty="0"/>
             </a:br>
+            <a:r>
+              <a:rPr lang="de-DE" noProof="0" dirty="0"/>
+              <a:t/>
+            </a:r>
             <a:br>
               <a:rPr lang="de-DE" noProof="0" dirty="0"/>
             </a:br>
@@ -3151,7 +3105,7 @@
               <a:pPr>
                 <a:defRPr/>
               </a:pPr>
-              <a:t>‹#›</a:t>
+              <a:t>‹Nr.›</a:t>
             </a:fld>
             <a:endParaRPr lang="de-CH" dirty="0"/>
           </a:p>
@@ -3214,7 +3168,7 @@
               <a:pPr>
                 <a:defRPr/>
               </a:pPr>
-              <a:t>‹#›</a:t>
+              <a:t>‹Nr.›</a:t>
             </a:fld>
             <a:endParaRPr lang="de-CH" dirty="0"/>
           </a:p>
@@ -3519,15 +3473,15 @@
             <a:noFill/>
           </a:ln>
           <a:extLst>
-            <a:ext uri="{909E8E84-426E-40dd-AFC4-6F175D3DCCD1}">
-              <a14:hiddenFill xmlns:a14="http://schemas.microsoft.com/office/drawing/2010/main" xmlns="">
+            <a:ext uri="{909E8E84-426E-40DD-AFC4-6F175D3DCCD1}">
+              <a14:hiddenFill xmlns:a14="http://schemas.microsoft.com/office/drawing/2010/main">
                 <a:solidFill>
                   <a:srgbClr val="FFFFFF"/>
                 </a:solidFill>
               </a14:hiddenFill>
             </a:ext>
-            <a:ext uri="{91240B29-F687-4f45-9708-019B960494DF}">
-              <a14:hiddenLine xmlns:a14="http://schemas.microsoft.com/office/drawing/2010/main" xmlns="" w="9525">
+            <a:ext uri="{91240B29-F687-4F45-9708-019B960494DF}">
+              <a14:hiddenLine xmlns:a14="http://schemas.microsoft.com/office/drawing/2010/main" w="9525">
                 <a:solidFill>
                   <a:srgbClr val="000000"/>
                 </a:solidFill>
@@ -4269,7 +4223,7 @@
               <a:pPr>
                 <a:defRPr/>
               </a:pPr>
-              <a:t>‹#›</a:t>
+              <a:t>‹Nr.›</a:t>
             </a:fld>
             <a:endParaRPr lang="de-CH" dirty="0"/>
           </a:p>
@@ -4668,7 +4622,7 @@
               <a:pPr>
                 <a:defRPr/>
               </a:pPr>
-              <a:t>‹#›</a:t>
+              <a:t>‹Nr.›</a:t>
             </a:fld>
             <a:endParaRPr lang="de-CH" dirty="0"/>
           </a:p>
@@ -4905,7 +4859,7 @@
               <a:pPr>
                 <a:defRPr/>
               </a:pPr>
-              <a:t>‹#›</a:t>
+              <a:t>‹Nr.›</a:t>
             </a:fld>
             <a:endParaRPr lang="de-CH" dirty="0"/>
           </a:p>
@@ -5216,7 +5170,7 @@
               <a:pPr>
                 <a:defRPr/>
               </a:pPr>
-              <a:t>‹#›</a:t>
+              <a:t>‹Nr.›</a:t>
             </a:fld>
             <a:endParaRPr lang="de-CH" dirty="0"/>
           </a:p>
@@ -5749,7 +5703,7 @@
               <a:pPr>
                 <a:defRPr/>
               </a:pPr>
-              <a:t>‹#›</a:t>
+              <a:t>‹Nr.›</a:t>
             </a:fld>
             <a:endParaRPr lang="de-CH" dirty="0"/>
           </a:p>
@@ -6282,7 +6236,7 @@
               <a:pPr>
                 <a:defRPr/>
               </a:pPr>
-              <a:t>‹#›</a:t>
+              <a:t>‹Nr.›</a:t>
             </a:fld>
             <a:endParaRPr lang="de-CH" dirty="0"/>
           </a:p>
@@ -7007,7 +6961,7 @@
               <a:pPr>
                 <a:defRPr/>
               </a:pPr>
-              <a:t>‹#›</a:t>
+              <a:t>‹Nr.›</a:t>
             </a:fld>
             <a:endParaRPr lang="de-CH" dirty="0"/>
           </a:p>
@@ -7072,15 +7026,15 @@
             <a:noFill/>
           </a:ln>
           <a:extLst>
-            <a:ext uri="{909E8E84-426E-40dd-AFC4-6F175D3DCCD1}">
-              <a14:hiddenFill xmlns:a14="http://schemas.microsoft.com/office/drawing/2010/main" xmlns="">
+            <a:ext uri="{909E8E84-426E-40DD-AFC4-6F175D3DCCD1}">
+              <a14:hiddenFill xmlns:a14="http://schemas.microsoft.com/office/drawing/2010/main">
                 <a:solidFill>
                   <a:srgbClr val="FFFFFF"/>
                 </a:solidFill>
               </a14:hiddenFill>
             </a:ext>
-            <a:ext uri="{91240B29-F687-4f45-9708-019B960494DF}">
-              <a14:hiddenLine xmlns:a14="http://schemas.microsoft.com/office/drawing/2010/main" xmlns="" w="9525">
+            <a:ext uri="{91240B29-F687-4F45-9708-019B960494DF}">
+              <a14:hiddenLine xmlns:a14="http://schemas.microsoft.com/office/drawing/2010/main" w="9525">
                 <a:solidFill>
                   <a:srgbClr val="000000"/>
                 </a:solidFill>
@@ -7400,7 +7354,7 @@
               <a:pPr>
                 <a:defRPr/>
               </a:pPr>
-              <a:t>‹#›</a:t>
+              <a:t>‹Nr.›</a:t>
             </a:fld>
             <a:endParaRPr lang="de-CH" dirty="0"/>
           </a:p>
@@ -7855,15 +7809,15 @@
           </a:xfrm>
           <a:noFill/>
           <a:extLst>
-            <a:ext uri="{909E8E84-426E-40dd-AFC4-6F175D3DCCD1}">
-              <a14:hiddenFill xmlns:a14="http://schemas.microsoft.com/office/drawing/2010/main" xmlns="">
+            <a:ext uri="{909E8E84-426E-40DD-AFC4-6F175D3DCCD1}">
+              <a14:hiddenFill xmlns:a14="http://schemas.microsoft.com/office/drawing/2010/main">
                 <a:solidFill>
                   <a:srgbClr val="FFFFFF"/>
                 </a:solidFill>
               </a14:hiddenFill>
             </a:ext>
-            <a:ext uri="{91240B29-F687-4f45-9708-019B960494DF}">
-              <a14:hiddenLine xmlns:a14="http://schemas.microsoft.com/office/drawing/2010/main" xmlns="" w="9525">
+            <a:ext uri="{91240B29-F687-4F45-9708-019B960494DF}">
+              <a14:hiddenLine xmlns:a14="http://schemas.microsoft.com/office/drawing/2010/main" w="9525">
                 <a:solidFill>
                   <a:srgbClr val="000000"/>
                 </a:solidFill>
@@ -7917,15 +7871,15 @@
           </a:xfrm>
           <a:noFill/>
           <a:extLst>
-            <a:ext uri="{909E8E84-426E-40dd-AFC4-6F175D3DCCD1}">
-              <a14:hiddenFill xmlns:a14="http://schemas.microsoft.com/office/drawing/2010/main" xmlns="">
+            <a:ext uri="{909E8E84-426E-40DD-AFC4-6F175D3DCCD1}">
+              <a14:hiddenFill xmlns:a14="http://schemas.microsoft.com/office/drawing/2010/main">
                 <a:solidFill>
                   <a:srgbClr val="FFFFFF"/>
                 </a:solidFill>
               </a14:hiddenFill>
             </a:ext>
-            <a:ext uri="{91240B29-F687-4f45-9708-019B960494DF}">
-              <a14:hiddenLine xmlns:a14="http://schemas.microsoft.com/office/drawing/2010/main" xmlns="" w="9525">
+            <a:ext uri="{91240B29-F687-4F45-9708-019B960494DF}">
+              <a14:hiddenLine xmlns:a14="http://schemas.microsoft.com/office/drawing/2010/main" w="9525">
                 <a:solidFill>
                   <a:srgbClr val="000000"/>
                 </a:solidFill>
@@ -7971,15 +7925,15 @@
           </a:xfrm>
           <a:noFill/>
           <a:extLst>
-            <a:ext uri="{909E8E84-426E-40dd-AFC4-6F175D3DCCD1}">
-              <a14:hiddenFill xmlns:a14="http://schemas.microsoft.com/office/drawing/2010/main" xmlns="">
+            <a:ext uri="{909E8E84-426E-40DD-AFC4-6F175D3DCCD1}">
+              <a14:hiddenFill xmlns:a14="http://schemas.microsoft.com/office/drawing/2010/main">
                 <a:solidFill>
                   <a:srgbClr val="FFFFFF"/>
                 </a:solidFill>
               </a14:hiddenFill>
             </a:ext>
-            <a:ext uri="{91240B29-F687-4f45-9708-019B960494DF}">
-              <a14:hiddenLine xmlns:a14="http://schemas.microsoft.com/office/drawing/2010/main" xmlns="" w="9525">
+            <a:ext uri="{91240B29-F687-4F45-9708-019B960494DF}">
+              <a14:hiddenLine xmlns:a14="http://schemas.microsoft.com/office/drawing/2010/main" w="9525">
                 <a:solidFill>
                   <a:srgbClr val="000000"/>
                 </a:solidFill>
@@ -8086,15 +8040,15 @@
           </a:xfrm>
           <a:noFill/>
           <a:extLst>
-            <a:ext uri="{909E8E84-426E-40dd-AFC4-6F175D3DCCD1}">
-              <a14:hiddenFill xmlns:a14="http://schemas.microsoft.com/office/drawing/2010/main" xmlns="">
+            <a:ext uri="{909E8E84-426E-40DD-AFC4-6F175D3DCCD1}">
+              <a14:hiddenFill xmlns:a14="http://schemas.microsoft.com/office/drawing/2010/main">
                 <a:solidFill>
                   <a:srgbClr val="FFFFFF"/>
                 </a:solidFill>
               </a14:hiddenFill>
             </a:ext>
-            <a:ext uri="{91240B29-F687-4f45-9708-019B960494DF}">
-              <a14:hiddenLine xmlns:a14="http://schemas.microsoft.com/office/drawing/2010/main" xmlns="" w="9525">
+            <a:ext uri="{91240B29-F687-4F45-9708-019B960494DF}">
+              <a14:hiddenLine xmlns:a14="http://schemas.microsoft.com/office/drawing/2010/main" w="9525">
                 <a:solidFill>
                   <a:srgbClr val="000000"/>
                 </a:solidFill>
@@ -8166,15 +8120,15 @@
           </a:xfrm>
           <a:noFill/>
           <a:extLst>
-            <a:ext uri="{909E8E84-426E-40dd-AFC4-6F175D3DCCD1}">
-              <a14:hiddenFill xmlns:a14="http://schemas.microsoft.com/office/drawing/2010/main" xmlns="">
+            <a:ext uri="{909E8E84-426E-40DD-AFC4-6F175D3DCCD1}">
+              <a14:hiddenFill xmlns:a14="http://schemas.microsoft.com/office/drawing/2010/main">
                 <a:solidFill>
                   <a:srgbClr val="FFFFFF"/>
                 </a:solidFill>
               </a14:hiddenFill>
             </a:ext>
-            <a:ext uri="{91240B29-F687-4f45-9708-019B960494DF}">
-              <a14:hiddenLine xmlns:a14="http://schemas.microsoft.com/office/drawing/2010/main" xmlns="" w="9525">
+            <a:ext uri="{91240B29-F687-4F45-9708-019B960494DF}">
+              <a14:hiddenLine xmlns:a14="http://schemas.microsoft.com/office/drawing/2010/main" w="9525">
                 <a:solidFill>
                   <a:srgbClr val="000000"/>
                 </a:solidFill>
@@ -8209,10 +8163,202 @@
   <p:clrMapOvr>
     <a:masterClrMapping/>
   </p:clrMapOvr>
+  <p:timing>
+    <p:tnLst>
+      <p:par>
+        <p:cTn id="1" dur="indefinite" restart="never" nodeType="tmRoot"/>
+      </p:par>
+    </p:tnLst>
+  </p:timing>
 </p:sld>
 </file>
 
 <file path=ppt/slides/slide3.xml><?xml version="1.0" encoding="utf-8"?>
+<p:sld xmlns:a="http://schemas.openxmlformats.org/drawingml/2006/main" xmlns:r="http://schemas.openxmlformats.org/officeDocument/2006/relationships" xmlns:p="http://schemas.openxmlformats.org/presentationml/2006/main">
+  <p:cSld>
+    <p:spTree>
+      <p:nvGrpSpPr>
+        <p:cNvPr id="1" name=""/>
+        <p:cNvGrpSpPr/>
+        <p:nvPr/>
+      </p:nvGrpSpPr>
+      <p:grpSpPr>
+        <a:xfrm>
+          <a:off x="0" y="0"/>
+          <a:ext cx="0" cy="0"/>
+          <a:chOff x="0" y="0"/>
+          <a:chExt cx="0" cy="0"/>
+        </a:xfrm>
+      </p:grpSpPr>
+      <p:sp>
+        <p:nvSpPr>
+          <p:cNvPr id="3" name="Title 2"/>
+          <p:cNvSpPr>
+            <a:spLocks noGrp="1"/>
+          </p:cNvSpPr>
+          <p:nvPr>
+            <p:ph type="ctrTitle"/>
+          </p:nvPr>
+        </p:nvSpPr>
+        <p:spPr/>
+        <p:txBody>
+          <a:bodyPr/>
+          <a:lstStyle/>
+          <a:p>
+            <a:r>
+              <a:rPr lang="en-GB" dirty="0"/>
+              <a:t>Evaluation, </a:t>
+            </a:r>
+            <a:r>
+              <a:rPr lang="en-GB"/>
+              <a:t>GUI design </a:t>
+            </a:r>
+          </a:p>
+        </p:txBody>
+      </p:sp>
+      <p:sp>
+        <p:nvSpPr>
+          <p:cNvPr id="5" name="Inhaltsplatzhalter 4"/>
+          <p:cNvSpPr>
+            <a:spLocks noGrp="1"/>
+          </p:cNvSpPr>
+          <p:nvPr>
+            <p:ph sz="half" idx="1"/>
+          </p:nvPr>
+        </p:nvSpPr>
+        <p:spPr/>
+        <p:txBody>
+          <a:bodyPr/>
+          <a:lstStyle/>
+          <a:p>
+            <a:endParaRPr lang="de-CH" dirty="0"/>
+          </a:p>
+        </p:txBody>
+      </p:sp>
+      <p:pic>
+        <p:nvPicPr>
+          <p:cNvPr id="6" name="Grafik 5"/>
+          <p:cNvPicPr/>
+          <p:nvPr/>
+        </p:nvPicPr>
+        <p:blipFill rotWithShape="1">
+          <a:blip r:embed="rId2"/>
+          <a:srcRect b="16128"/>
+          <a:stretch/>
+        </p:blipFill>
+        <p:spPr>
+          <a:xfrm>
+            <a:off x="1413932" y="900000"/>
+            <a:ext cx="9330267" cy="5483867"/>
+          </a:xfrm>
+          <a:prstGeom prst="rect">
+            <a:avLst/>
+          </a:prstGeom>
+        </p:spPr>
+      </p:pic>
+    </p:spTree>
+    <p:extLst>
+      <p:ext uri="{BB962C8B-B14F-4D97-AF65-F5344CB8AC3E}">
+        <p14:creationId xmlns:p14="http://schemas.microsoft.com/office/powerpoint/2010/main" val="338839171"/>
+      </p:ext>
+    </p:extLst>
+  </p:cSld>
+  <p:clrMapOvr>
+    <a:masterClrMapping/>
+  </p:clrMapOvr>
+  <p:timing>
+    <p:tnLst>
+      <p:par>
+        <p:cTn id="1" dur="indefinite" restart="never" nodeType="tmRoot"/>
+      </p:par>
+    </p:tnLst>
+  </p:timing>
+</p:sld>
+</file>
+
+<file path=ppt/slides/slide4.xml><?xml version="1.0" encoding="utf-8"?>
+<p:sld xmlns:a="http://schemas.openxmlformats.org/drawingml/2006/main" xmlns:r="http://schemas.openxmlformats.org/officeDocument/2006/relationships" xmlns:p="http://schemas.openxmlformats.org/presentationml/2006/main">
+  <p:cSld>
+    <p:spTree>
+      <p:nvGrpSpPr>
+        <p:cNvPr id="1" name=""/>
+        <p:cNvGrpSpPr/>
+        <p:nvPr/>
+      </p:nvGrpSpPr>
+      <p:grpSpPr>
+        <a:xfrm>
+          <a:off x="0" y="0"/>
+          <a:ext cx="0" cy="0"/>
+          <a:chOff x="0" y="0"/>
+          <a:chExt cx="0" cy="0"/>
+        </a:xfrm>
+      </p:grpSpPr>
+      <p:sp>
+        <p:nvSpPr>
+          <p:cNvPr id="3" name="Titel 2"/>
+          <p:cNvSpPr>
+            <a:spLocks noGrp="1"/>
+          </p:cNvSpPr>
+          <p:nvPr>
+            <p:ph type="ctrTitle"/>
+          </p:nvPr>
+        </p:nvSpPr>
+        <p:spPr/>
+        <p:txBody>
+          <a:bodyPr/>
+          <a:lstStyle/>
+          <a:p>
+            <a:endParaRPr lang="de-CH"/>
+          </a:p>
+        </p:txBody>
+      </p:sp>
+      <p:pic>
+        <p:nvPicPr>
+          <p:cNvPr id="4" name="Inhaltsplatzhalter 3"/>
+          <p:cNvPicPr>
+            <a:picLocks noGrp="1"/>
+          </p:cNvPicPr>
+          <p:nvPr>
+            <p:ph sz="half" idx="1"/>
+          </p:nvPr>
+        </p:nvPicPr>
+        <p:blipFill>
+          <a:blip r:embed="rId2"/>
+          <a:stretch>
+            <a:fillRect/>
+          </a:stretch>
+        </p:blipFill>
+        <p:spPr>
+          <a:xfrm>
+            <a:off x="1371600" y="360000"/>
+            <a:ext cx="8830733" cy="5947667"/>
+          </a:xfrm>
+          <a:prstGeom prst="rect">
+            <a:avLst/>
+          </a:prstGeom>
+        </p:spPr>
+      </p:pic>
+    </p:spTree>
+    <p:extLst>
+      <p:ext uri="{BB962C8B-B14F-4D97-AF65-F5344CB8AC3E}">
+        <p14:creationId xmlns:p14="http://schemas.microsoft.com/office/powerpoint/2010/main" val="594283384"/>
+      </p:ext>
+    </p:extLst>
+  </p:cSld>
+  <p:clrMapOvr>
+    <a:masterClrMapping/>
+  </p:clrMapOvr>
+  <p:timing>
+    <p:tnLst>
+      <p:par>
+        <p:cTn id="1" dur="indefinite" restart="never" nodeType="tmRoot"/>
+      </p:par>
+    </p:tnLst>
+  </p:timing>
+</p:sld>
+</file>
+
+<file path=ppt/slides/slide5.xml><?xml version="1.0" encoding="utf-8"?>
 <p:sld xmlns:a="http://schemas.openxmlformats.org/drawingml/2006/main" xmlns:r="http://schemas.openxmlformats.org/officeDocument/2006/relationships" xmlns:p="http://schemas.openxmlformats.org/presentationml/2006/main">
   <p:cSld>
     <p:spTree>
@@ -8244,7 +8390,7 @@
           <a:bodyPr/>
           <a:lstStyle/>
           <a:p>
-            <a:endParaRPr lang="en-GB" dirty="0"/>
+            <a:endParaRPr lang="en-GB"/>
           </a:p>
         </p:txBody>
       </p:sp>
@@ -8265,81 +8411,6 @@
           <a:p>
             <a:r>
               <a:rPr lang="en-GB" dirty="0"/>
-              <a:t>Evaluation, </a:t>
-            </a:r>
-            <a:r>
-              <a:rPr lang="en-GB"/>
-              <a:t>GUI design </a:t>
-            </a:r>
-          </a:p>
-        </p:txBody>
-      </p:sp>
-    </p:spTree>
-    <p:extLst>
-      <p:ext uri="{BB962C8B-B14F-4D97-AF65-F5344CB8AC3E}">
-        <p14:creationId xmlns:p14="http://schemas.microsoft.com/office/powerpoint/2010/main" val="338839171"/>
-      </p:ext>
-    </p:extLst>
-  </p:cSld>
-  <p:clrMapOvr>
-    <a:masterClrMapping/>
-  </p:clrMapOvr>
-</p:sld>
-</file>
-
-<file path=ppt/slides/slide4.xml><?xml version="1.0" encoding="utf-8"?>
-<p:sld xmlns:a="http://schemas.openxmlformats.org/drawingml/2006/main" xmlns:r="http://schemas.openxmlformats.org/officeDocument/2006/relationships" xmlns:p="http://schemas.openxmlformats.org/presentationml/2006/main">
-  <p:cSld>
-    <p:spTree>
-      <p:nvGrpSpPr>
-        <p:cNvPr id="1" name=""/>
-        <p:cNvGrpSpPr/>
-        <p:nvPr/>
-      </p:nvGrpSpPr>
-      <p:grpSpPr>
-        <a:xfrm>
-          <a:off x="0" y="0"/>
-          <a:ext cx="0" cy="0"/>
-          <a:chOff x="0" y="0"/>
-          <a:chExt cx="0" cy="0"/>
-        </a:xfrm>
-      </p:grpSpPr>
-      <p:sp>
-        <p:nvSpPr>
-          <p:cNvPr id="2" name="Content Placeholder 1"/>
-          <p:cNvSpPr>
-            <a:spLocks noGrp="1"/>
-          </p:cNvSpPr>
-          <p:nvPr>
-            <p:ph sz="half" idx="1"/>
-          </p:nvPr>
-        </p:nvSpPr>
-        <p:spPr/>
-        <p:txBody>
-          <a:bodyPr/>
-          <a:lstStyle/>
-          <a:p>
-            <a:endParaRPr lang="en-GB"/>
-          </a:p>
-        </p:txBody>
-      </p:sp>
-      <p:sp>
-        <p:nvSpPr>
-          <p:cNvPr id="3" name="Title 2"/>
-          <p:cNvSpPr>
-            <a:spLocks noGrp="1"/>
-          </p:cNvSpPr>
-          <p:nvPr>
-            <p:ph type="ctrTitle"/>
-          </p:nvPr>
-        </p:nvSpPr>
-        <p:spPr/>
-        <p:txBody>
-          <a:bodyPr/>
-          <a:lstStyle/>
-          <a:p>
-            <a:r>
-              <a:rPr lang="en-GB" dirty="0"/>
               <a:t>Code Design</a:t>
             </a:r>
           </a:p>
@@ -8355,10 +8426,17 @@
   <p:clrMapOvr>
     <a:masterClrMapping/>
   </p:clrMapOvr>
+  <p:timing>
+    <p:tnLst>
+      <p:par>
+        <p:cTn id="1" dur="indefinite" restart="never" nodeType="tmRoot"/>
+      </p:par>
+    </p:tnLst>
+  </p:timing>
 </p:sld>
 </file>
 
-<file path=ppt/slides/slide5.xml><?xml version="1.0" encoding="utf-8"?>
+<file path=ppt/slides/slide6.xml><?xml version="1.0" encoding="utf-8"?>
 <p:sld xmlns:a="http://schemas.openxmlformats.org/drawingml/2006/main" xmlns:r="http://schemas.openxmlformats.org/officeDocument/2006/relationships" xmlns:p="http://schemas.openxmlformats.org/presentationml/2006/main">
   <p:cSld>
     <p:spTree>
@@ -8661,84 +8739,84 @@
                 <a:gridCol w="294306">
                   <a:extLst>
                     <a:ext uri="{9D8B030D-6E8A-4147-A177-3AD203B41FA5}">
-                      <a16:colId xmlns:a16="http://schemas.microsoft.com/office/drawing/2014/main" val="1581582854"/>
+                      <a16:colId xmlns:a16="http://schemas.microsoft.com/office/drawing/2014/main" xmlns="" val="1581582854"/>
                     </a:ext>
                   </a:extLst>
                 </a:gridCol>
                 <a:gridCol w="370608">
                   <a:extLst>
                     <a:ext uri="{9D8B030D-6E8A-4147-A177-3AD203B41FA5}">
-                      <a16:colId xmlns:a16="http://schemas.microsoft.com/office/drawing/2014/main" val="4228139250"/>
+                      <a16:colId xmlns:a16="http://schemas.microsoft.com/office/drawing/2014/main" xmlns="" val="4228139250"/>
                     </a:ext>
                   </a:extLst>
                 </a:gridCol>
                 <a:gridCol w="1199024">
                   <a:extLst>
                     <a:ext uri="{9D8B030D-6E8A-4147-A177-3AD203B41FA5}">
-                      <a16:colId xmlns:a16="http://schemas.microsoft.com/office/drawing/2014/main" val="50605441"/>
+                      <a16:colId xmlns:a16="http://schemas.microsoft.com/office/drawing/2014/main" xmlns="" val="50605441"/>
                     </a:ext>
                   </a:extLst>
                 </a:gridCol>
                 <a:gridCol w="3411768">
                   <a:extLst>
                     <a:ext uri="{9D8B030D-6E8A-4147-A177-3AD203B41FA5}">
-                      <a16:colId xmlns:a16="http://schemas.microsoft.com/office/drawing/2014/main" val="2458272426"/>
+                      <a16:colId xmlns:a16="http://schemas.microsoft.com/office/drawing/2014/main" xmlns="" val="2458272426"/>
                     </a:ext>
                   </a:extLst>
                 </a:gridCol>
                 <a:gridCol w="1635032">
                   <a:extLst>
                     <a:ext uri="{9D8B030D-6E8A-4147-A177-3AD203B41FA5}">
-                      <a16:colId xmlns:a16="http://schemas.microsoft.com/office/drawing/2014/main" val="4087169654"/>
+                      <a16:colId xmlns:a16="http://schemas.microsoft.com/office/drawing/2014/main" xmlns="" val="4087169654"/>
                     </a:ext>
                   </a:extLst>
                 </a:gridCol>
                 <a:gridCol w="872017">
                   <a:extLst>
                     <a:ext uri="{9D8B030D-6E8A-4147-A177-3AD203B41FA5}">
-                      <a16:colId xmlns:a16="http://schemas.microsoft.com/office/drawing/2014/main" val="2272435237"/>
+                      <a16:colId xmlns:a16="http://schemas.microsoft.com/office/drawing/2014/main" xmlns="" val="2272435237"/>
                     </a:ext>
                   </a:extLst>
                 </a:gridCol>
                 <a:gridCol w="588611">
                   <a:extLst>
                     <a:ext uri="{9D8B030D-6E8A-4147-A177-3AD203B41FA5}">
-                      <a16:colId xmlns:a16="http://schemas.microsoft.com/office/drawing/2014/main" val="908593088"/>
+                      <a16:colId xmlns:a16="http://schemas.microsoft.com/office/drawing/2014/main" xmlns="" val="908593088"/>
                     </a:ext>
                   </a:extLst>
                 </a:gridCol>
                 <a:gridCol w="501411">
                   <a:extLst>
                     <a:ext uri="{9D8B030D-6E8A-4147-A177-3AD203B41FA5}">
-                      <a16:colId xmlns:a16="http://schemas.microsoft.com/office/drawing/2014/main" val="2734885908"/>
+                      <a16:colId xmlns:a16="http://schemas.microsoft.com/office/drawing/2014/main" xmlns="" val="2734885908"/>
                     </a:ext>
                   </a:extLst>
                 </a:gridCol>
                 <a:gridCol w="479610">
                   <a:extLst>
                     <a:ext uri="{9D8B030D-6E8A-4147-A177-3AD203B41FA5}">
-                      <a16:colId xmlns:a16="http://schemas.microsoft.com/office/drawing/2014/main" val="2056390426"/>
+                      <a16:colId xmlns:a16="http://schemas.microsoft.com/office/drawing/2014/main" xmlns="" val="2056390426"/>
                     </a:ext>
                   </a:extLst>
                 </a:gridCol>
                 <a:gridCol w="545010">
                   <a:extLst>
                     <a:ext uri="{9D8B030D-6E8A-4147-A177-3AD203B41FA5}">
-                      <a16:colId xmlns:a16="http://schemas.microsoft.com/office/drawing/2014/main" val="2155317258"/>
+                      <a16:colId xmlns:a16="http://schemas.microsoft.com/office/drawing/2014/main" xmlns="" val="2155317258"/>
                     </a:ext>
                   </a:extLst>
                 </a:gridCol>
                 <a:gridCol w="436009">
                   <a:extLst>
                     <a:ext uri="{9D8B030D-6E8A-4147-A177-3AD203B41FA5}">
-                      <a16:colId xmlns:a16="http://schemas.microsoft.com/office/drawing/2014/main" val="2692237743"/>
+                      <a16:colId xmlns:a16="http://schemas.microsoft.com/office/drawing/2014/main" xmlns="" val="2692237743"/>
                     </a:ext>
                   </a:extLst>
                 </a:gridCol>
                 <a:gridCol w="915618">
                   <a:extLst>
                     <a:ext uri="{9D8B030D-6E8A-4147-A177-3AD203B41FA5}">
-                      <a16:colId xmlns:a16="http://schemas.microsoft.com/office/drawing/2014/main" val="752048790"/>
+                      <a16:colId xmlns:a16="http://schemas.microsoft.com/office/drawing/2014/main" xmlns="" val="752048790"/>
                     </a:ext>
                   </a:extLst>
                 </a:gridCol>
@@ -9022,7 +9100,7 @@
                 </a:tc>
                 <a:extLst>
                   <a:ext uri="{0D108BD9-81ED-4DB2-BD59-A6C34878D82A}">
-                    <a16:rowId xmlns:a16="http://schemas.microsoft.com/office/drawing/2014/main" val="299307657"/>
+                    <a16:rowId xmlns:a16="http://schemas.microsoft.com/office/drawing/2014/main" xmlns="" val="299307657"/>
                   </a:ext>
                 </a:extLst>
               </a:tr>
@@ -9305,7 +9383,7 @@
                 </a:tc>
                 <a:extLst>
                   <a:ext uri="{0D108BD9-81ED-4DB2-BD59-A6C34878D82A}">
-                    <a16:rowId xmlns:a16="http://schemas.microsoft.com/office/drawing/2014/main" val="3576684137"/>
+                    <a16:rowId xmlns:a16="http://schemas.microsoft.com/office/drawing/2014/main" xmlns="" val="3576684137"/>
                   </a:ext>
                 </a:extLst>
               </a:tr>
@@ -9588,7 +9666,7 @@
                 </a:tc>
                 <a:extLst>
                   <a:ext uri="{0D108BD9-81ED-4DB2-BD59-A6C34878D82A}">
-                    <a16:rowId xmlns:a16="http://schemas.microsoft.com/office/drawing/2014/main" val="3813577196"/>
+                    <a16:rowId xmlns:a16="http://schemas.microsoft.com/office/drawing/2014/main" xmlns="" val="3813577196"/>
                   </a:ext>
                 </a:extLst>
               </a:tr>
@@ -9871,7 +9949,7 @@
                 </a:tc>
                 <a:extLst>
                   <a:ext uri="{0D108BD9-81ED-4DB2-BD59-A6C34878D82A}">
-                    <a16:rowId xmlns:a16="http://schemas.microsoft.com/office/drawing/2014/main" val="3990546036"/>
+                    <a16:rowId xmlns:a16="http://schemas.microsoft.com/office/drawing/2014/main" xmlns="" val="3990546036"/>
                   </a:ext>
                 </a:extLst>
               </a:tr>
@@ -10154,7 +10232,7 @@
                 </a:tc>
                 <a:extLst>
                   <a:ext uri="{0D108BD9-81ED-4DB2-BD59-A6C34878D82A}">
-                    <a16:rowId xmlns:a16="http://schemas.microsoft.com/office/drawing/2014/main" val="1221227713"/>
+                    <a16:rowId xmlns:a16="http://schemas.microsoft.com/office/drawing/2014/main" xmlns="" val="1221227713"/>
                   </a:ext>
                 </a:extLst>
               </a:tr>
@@ -10172,10 +10250,17 @@
   <p:clrMapOvr>
     <a:masterClrMapping/>
   </p:clrMapOvr>
+  <p:timing>
+    <p:tnLst>
+      <p:par>
+        <p:cTn id="1" dur="indefinite" restart="never" nodeType="tmRoot"/>
+      </p:par>
+    </p:tnLst>
+  </p:timing>
 </p:sld>
 </file>
 
-<file path=ppt/slides/slide6.xml><?xml version="1.0" encoding="utf-8"?>
+<file path=ppt/slides/slide7.xml><?xml version="1.0" encoding="utf-8"?>
 <p:sld xmlns:a="http://schemas.openxmlformats.org/drawingml/2006/main" xmlns:r="http://schemas.openxmlformats.org/officeDocument/2006/relationships" xmlns:p="http://schemas.openxmlformats.org/presentationml/2006/main">
   <p:cSld>
     <p:spTree>
@@ -10241,7 +10326,6 @@
               <a:rPr lang="en-GB" dirty="0"/>
               <a:t>Scrum process – Sprint 1</a:t>
             </a:r>
-            <a:endParaRPr lang="en-GB" dirty="0"/>
           </a:p>
         </p:txBody>
       </p:sp>
@@ -10455,7 +10539,7 @@
           <p:cNvPr id="10" name="Chart 9">
             <a:extLst>
               <a:ext uri="{FF2B5EF4-FFF2-40B4-BE49-F238E27FC236}">
-                <a16:creationId xmlns:a16="http://schemas.microsoft.com/office/drawing/2014/main" id="{97255450-11E7-4F0C-93C8-00E68EF0BB4F}"/>
+                <a16:creationId xmlns:a16="http://schemas.microsoft.com/office/drawing/2014/main" xmlns="" id="{97255450-11E7-4F0C-93C8-00E68EF0BB4F}"/>
               </a:ext>
             </a:extLst>
           </p:cNvPr>
@@ -10632,7 +10716,7 @@
 </p:sld>
 </file>
 
-<file path=ppt/slides/slide7.xml><?xml version="1.0" encoding="utf-8"?>
+<file path=ppt/slides/slide8.xml><?xml version="1.0" encoding="utf-8"?>
 <p:sld xmlns:a="http://schemas.openxmlformats.org/drawingml/2006/main" xmlns:r="http://schemas.openxmlformats.org/officeDocument/2006/relationships" xmlns:p="http://schemas.openxmlformats.org/presentationml/2006/main">
   <p:cSld>
     <p:spTree>
@@ -10736,84 +10820,84 @@
                 <a:gridCol w="294306">
                   <a:extLst>
                     <a:ext uri="{9D8B030D-6E8A-4147-A177-3AD203B41FA5}">
-                      <a16:colId xmlns:a16="http://schemas.microsoft.com/office/drawing/2014/main" val="475861390"/>
+                      <a16:colId xmlns:a16="http://schemas.microsoft.com/office/drawing/2014/main" xmlns="" val="475861390"/>
                     </a:ext>
                   </a:extLst>
                 </a:gridCol>
                 <a:gridCol w="370608">
                   <a:extLst>
                     <a:ext uri="{9D8B030D-6E8A-4147-A177-3AD203B41FA5}">
-                      <a16:colId xmlns:a16="http://schemas.microsoft.com/office/drawing/2014/main" val="1769065204"/>
+                      <a16:colId xmlns:a16="http://schemas.microsoft.com/office/drawing/2014/main" xmlns="" val="1769065204"/>
                     </a:ext>
                   </a:extLst>
                 </a:gridCol>
                 <a:gridCol w="854589">
                   <a:extLst>
                     <a:ext uri="{9D8B030D-6E8A-4147-A177-3AD203B41FA5}">
-                      <a16:colId xmlns:a16="http://schemas.microsoft.com/office/drawing/2014/main" val="3743636707"/>
+                      <a16:colId xmlns:a16="http://schemas.microsoft.com/office/drawing/2014/main" xmlns="" val="3743636707"/>
                     </a:ext>
                   </a:extLst>
                 </a:gridCol>
                 <a:gridCol w="3756203">
                   <a:extLst>
                     <a:ext uri="{9D8B030D-6E8A-4147-A177-3AD203B41FA5}">
-                      <a16:colId xmlns:a16="http://schemas.microsoft.com/office/drawing/2014/main" val="2646478733"/>
+                      <a16:colId xmlns:a16="http://schemas.microsoft.com/office/drawing/2014/main" xmlns="" val="2646478733"/>
                     </a:ext>
                   </a:extLst>
                 </a:gridCol>
                 <a:gridCol w="1635032">
                   <a:extLst>
                     <a:ext uri="{9D8B030D-6E8A-4147-A177-3AD203B41FA5}">
-                      <a16:colId xmlns:a16="http://schemas.microsoft.com/office/drawing/2014/main" val="3805328897"/>
+                      <a16:colId xmlns:a16="http://schemas.microsoft.com/office/drawing/2014/main" xmlns="" val="3805328897"/>
                     </a:ext>
                   </a:extLst>
                 </a:gridCol>
                 <a:gridCol w="872017">
                   <a:extLst>
                     <a:ext uri="{9D8B030D-6E8A-4147-A177-3AD203B41FA5}">
-                      <a16:colId xmlns:a16="http://schemas.microsoft.com/office/drawing/2014/main" val="1477152197"/>
+                      <a16:colId xmlns:a16="http://schemas.microsoft.com/office/drawing/2014/main" xmlns="" val="1477152197"/>
                     </a:ext>
                   </a:extLst>
                 </a:gridCol>
                 <a:gridCol w="588611">
                   <a:extLst>
                     <a:ext uri="{9D8B030D-6E8A-4147-A177-3AD203B41FA5}">
-                      <a16:colId xmlns:a16="http://schemas.microsoft.com/office/drawing/2014/main" val="108243116"/>
+                      <a16:colId xmlns:a16="http://schemas.microsoft.com/office/drawing/2014/main" xmlns="" val="108243116"/>
                     </a:ext>
                   </a:extLst>
                 </a:gridCol>
                 <a:gridCol w="501410">
                   <a:extLst>
                     <a:ext uri="{9D8B030D-6E8A-4147-A177-3AD203B41FA5}">
-                      <a16:colId xmlns:a16="http://schemas.microsoft.com/office/drawing/2014/main" val="835247576"/>
+                      <a16:colId xmlns:a16="http://schemas.microsoft.com/office/drawing/2014/main" xmlns="" val="835247576"/>
                     </a:ext>
                   </a:extLst>
                 </a:gridCol>
                 <a:gridCol w="479610">
                   <a:extLst>
                     <a:ext uri="{9D8B030D-6E8A-4147-A177-3AD203B41FA5}">
-                      <a16:colId xmlns:a16="http://schemas.microsoft.com/office/drawing/2014/main" val="4250152116"/>
+                      <a16:colId xmlns:a16="http://schemas.microsoft.com/office/drawing/2014/main" xmlns="" val="4250152116"/>
                     </a:ext>
                   </a:extLst>
                 </a:gridCol>
                 <a:gridCol w="545011">
                   <a:extLst>
                     <a:ext uri="{9D8B030D-6E8A-4147-A177-3AD203B41FA5}">
-                      <a16:colId xmlns:a16="http://schemas.microsoft.com/office/drawing/2014/main" val="3902149122"/>
+                      <a16:colId xmlns:a16="http://schemas.microsoft.com/office/drawing/2014/main" xmlns="" val="3902149122"/>
                     </a:ext>
                   </a:extLst>
                 </a:gridCol>
                 <a:gridCol w="436009">
                   <a:extLst>
                     <a:ext uri="{9D8B030D-6E8A-4147-A177-3AD203B41FA5}">
-                      <a16:colId xmlns:a16="http://schemas.microsoft.com/office/drawing/2014/main" val="2723395586"/>
+                      <a16:colId xmlns:a16="http://schemas.microsoft.com/office/drawing/2014/main" xmlns="" val="2723395586"/>
                     </a:ext>
                   </a:extLst>
                 </a:gridCol>
                 <a:gridCol w="915619">
                   <a:extLst>
                     <a:ext uri="{9D8B030D-6E8A-4147-A177-3AD203B41FA5}">
-                      <a16:colId xmlns:a16="http://schemas.microsoft.com/office/drawing/2014/main" val="1003722045"/>
+                      <a16:colId xmlns:a16="http://schemas.microsoft.com/office/drawing/2014/main" xmlns="" val="1003722045"/>
                     </a:ext>
                   </a:extLst>
                 </a:gridCol>
@@ -11085,7 +11169,7 @@
                 </a:tc>
                 <a:extLst>
                   <a:ext uri="{0D108BD9-81ED-4DB2-BD59-A6C34878D82A}">
-                    <a16:rowId xmlns:a16="http://schemas.microsoft.com/office/drawing/2014/main" val="114231999"/>
+                    <a16:rowId xmlns:a16="http://schemas.microsoft.com/office/drawing/2014/main" xmlns="" val="114231999"/>
                   </a:ext>
                 </a:extLst>
               </a:tr>
@@ -11356,7 +11440,7 @@
                 </a:tc>
                 <a:extLst>
                   <a:ext uri="{0D108BD9-81ED-4DB2-BD59-A6C34878D82A}">
-                    <a16:rowId xmlns:a16="http://schemas.microsoft.com/office/drawing/2014/main" val="3694202679"/>
+                    <a16:rowId xmlns:a16="http://schemas.microsoft.com/office/drawing/2014/main" xmlns="" val="3694202679"/>
                   </a:ext>
                 </a:extLst>
               </a:tr>
@@ -11627,7 +11711,7 @@
                 </a:tc>
                 <a:extLst>
                   <a:ext uri="{0D108BD9-81ED-4DB2-BD59-A6C34878D82A}">
-                    <a16:rowId xmlns:a16="http://schemas.microsoft.com/office/drawing/2014/main" val="2702129055"/>
+                    <a16:rowId xmlns:a16="http://schemas.microsoft.com/office/drawing/2014/main" xmlns="" val="2702129055"/>
                   </a:ext>
                 </a:extLst>
               </a:tr>
@@ -11898,7 +11982,7 @@
                 </a:tc>
                 <a:extLst>
                   <a:ext uri="{0D108BD9-81ED-4DB2-BD59-A6C34878D82A}">
-                    <a16:rowId xmlns:a16="http://schemas.microsoft.com/office/drawing/2014/main" val="3374135725"/>
+                    <a16:rowId xmlns:a16="http://schemas.microsoft.com/office/drawing/2014/main" xmlns="" val="3374135725"/>
                   </a:ext>
                 </a:extLst>
               </a:tr>
@@ -12169,7 +12253,7 @@
                 </a:tc>
                 <a:extLst>
                   <a:ext uri="{0D108BD9-81ED-4DB2-BD59-A6C34878D82A}">
-                    <a16:rowId xmlns:a16="http://schemas.microsoft.com/office/drawing/2014/main" val="4116588445"/>
+                    <a16:rowId xmlns:a16="http://schemas.microsoft.com/office/drawing/2014/main" xmlns="" val="4116588445"/>
                   </a:ext>
                 </a:extLst>
               </a:tr>
@@ -12440,7 +12524,7 @@
                 </a:tc>
                 <a:extLst>
                   <a:ext uri="{0D108BD9-81ED-4DB2-BD59-A6C34878D82A}">
-                    <a16:rowId xmlns:a16="http://schemas.microsoft.com/office/drawing/2014/main" val="3465428816"/>
+                    <a16:rowId xmlns:a16="http://schemas.microsoft.com/office/drawing/2014/main" xmlns="" val="3465428816"/>
                   </a:ext>
                 </a:extLst>
               </a:tr>
@@ -12675,7 +12759,7 @@
 </p:sld>
 </file>
 
-<file path=ppt/slides/slide8.xml><?xml version="1.0" encoding="utf-8"?>
+<file path=ppt/slides/slide9.xml><?xml version="1.0" encoding="utf-8"?>
 <p:sld xmlns:a="http://schemas.openxmlformats.org/drawingml/2006/main" xmlns:r="http://schemas.openxmlformats.org/officeDocument/2006/relationships" xmlns:p="http://schemas.openxmlformats.org/presentationml/2006/main">
   <p:cSld>
     <p:spTree>
@@ -12709,15 +12793,15 @@
           </a:xfrm>
           <a:noFill/>
           <a:extLst>
-            <a:ext uri="{909E8E84-426E-40dd-AFC4-6F175D3DCCD1}">
-              <a14:hiddenFill xmlns:a14="http://schemas.microsoft.com/office/drawing/2010/main" xmlns="">
+            <a:ext uri="{909E8E84-426E-40DD-AFC4-6F175D3DCCD1}">
+              <a14:hiddenFill xmlns:a14="http://schemas.microsoft.com/office/drawing/2010/main">
                 <a:solidFill>
                   <a:srgbClr val="FFFFFF"/>
                 </a:solidFill>
               </a14:hiddenFill>
             </a:ext>
-            <a:ext uri="{91240B29-F687-4f45-9708-019B960494DF}">
-              <a14:hiddenLine xmlns:a14="http://schemas.microsoft.com/office/drawing/2010/main" xmlns="" w="9525">
+            <a:ext uri="{91240B29-F687-4F45-9708-019B960494DF}">
+              <a14:hiddenLine xmlns:a14="http://schemas.microsoft.com/office/drawing/2010/main" w="9525">
                 <a:solidFill>
                   <a:srgbClr val="000000"/>
                 </a:solidFill>
@@ -12764,15 +12848,15 @@
           </a:xfrm>
           <a:noFill/>
           <a:extLst>
-            <a:ext uri="{909E8E84-426E-40dd-AFC4-6F175D3DCCD1}">
-              <a14:hiddenFill xmlns:a14="http://schemas.microsoft.com/office/drawing/2010/main" xmlns="">
+            <a:ext uri="{909E8E84-426E-40DD-AFC4-6F175D3DCCD1}">
+              <a14:hiddenFill xmlns:a14="http://schemas.microsoft.com/office/drawing/2010/main">
                 <a:solidFill>
                   <a:srgbClr val="FFFFFF"/>
                 </a:solidFill>
               </a14:hiddenFill>
             </a:ext>
-            <a:ext uri="{91240B29-F687-4f45-9708-019B960494DF}">
-              <a14:hiddenLine xmlns:a14="http://schemas.microsoft.com/office/drawing/2010/main" xmlns="" w="9525">
+            <a:ext uri="{91240B29-F687-4F45-9708-019B960494DF}">
+              <a14:hiddenLine xmlns:a14="http://schemas.microsoft.com/office/drawing/2010/main" w="9525">
                 <a:solidFill>
                   <a:srgbClr val="000000"/>
                 </a:solidFill>
@@ -13413,13 +13497,12 @@
 </file>
 
 <file path=customXml/item1.xml><?xml version="1.0" encoding="utf-8"?>
-<p:properties xmlns:p="http://schemas.microsoft.com/office/2006/metadata/properties" xmlns:xsi="http://www.w3.org/2001/XMLSchema-instance">
-  <documentManagement>
-    <Betriebsystem xmlns="238ac175-5152-443e-bf42-417a27926292">Windows/Mac</Betriebsystem>
-    <Office_x002d_Version xmlns="238ac175-5152-443e-bf42-417a27926292">Office 2010/2011</Office_x002d_Version>
-    <Kategorie xmlns="238ac175-5152-443e-bf42-417a27926292">Powerpoint</Kategorie>
-  </documentManagement>
-</p:properties>
+<?mso-contentType ?>
+<FormTemplates xmlns="http://schemas.microsoft.com/sharepoint/v3/contenttype/forms">
+  <Display>DocumentLibraryForm</Display>
+  <Edit>DocumentLibraryForm</Edit>
+  <New>DocumentLibraryForm</New>
+</FormTemplates>
 </file>
 
 <file path=customXml/item2.xml><?xml version="1.0" encoding="utf-8"?>
@@ -13509,25 +13592,19 @@
 </file>
 
 <file path=customXml/item3.xml><?xml version="1.0" encoding="utf-8"?>
-<?mso-contentType ?>
-<FormTemplates xmlns="http://schemas.microsoft.com/sharepoint/v3/contenttype/forms">
-  <Display>DocumentLibraryForm</Display>
-  <Edit>DocumentLibraryForm</Edit>
-  <New>DocumentLibraryForm</New>
-</FormTemplates>
+<p:properties xmlns:p="http://schemas.microsoft.com/office/2006/metadata/properties" xmlns:xsi="http://www.w3.org/2001/XMLSchema-instance">
+  <documentManagement>
+    <Betriebsystem xmlns="238ac175-5152-443e-bf42-417a27926292">Windows/Mac</Betriebsystem>
+    <Office_x002d_Version xmlns="238ac175-5152-443e-bf42-417a27926292">Office 2010/2011</Office_x002d_Version>
+    <Kategorie xmlns="238ac175-5152-443e-bf42-417a27926292">Powerpoint</Kategorie>
+  </documentManagement>
+</p:properties>
 </file>
 
 <file path=customXml/itemProps1.xml><?xml version="1.0" encoding="utf-8"?>
-<ds:datastoreItem xmlns:ds="http://schemas.openxmlformats.org/officeDocument/2006/customXml" ds:itemID="{F09E12DB-F876-4C59-A411-726D3126721E}">
+<ds:datastoreItem xmlns:ds="http://schemas.openxmlformats.org/officeDocument/2006/customXml" ds:itemID="{9CE40E7B-A2C7-4778-9F2A-6D23000DC7D5}">
   <ds:schemaRefs>
-    <ds:schemaRef ds:uri="http://purl.org/dc/dcmitype/"/>
-    <ds:schemaRef ds:uri="http://purl.org/dc/elements/1.1/"/>
-    <ds:schemaRef ds:uri="http://schemas.microsoft.com/office/2006/metadata/properties"/>
-    <ds:schemaRef ds:uri="http://schemas.microsoft.com/office/2006/documentManagement/types"/>
-    <ds:schemaRef ds:uri="238ac175-5152-443e-bf42-417a27926292"/>
-    <ds:schemaRef ds:uri="http://schemas.openxmlformats.org/package/2006/metadata/core-properties"/>
-    <ds:schemaRef ds:uri="http://www.w3.org/XML/1998/namespace"/>
-    <ds:schemaRef ds:uri="http://purl.org/dc/terms/"/>
+    <ds:schemaRef ds:uri="http://schemas.microsoft.com/sharepoint/v3/contenttype/forms"/>
   </ds:schemaRefs>
 </ds:datastoreItem>
 </file>
@@ -13550,9 +13627,16 @@
 </file>
 
 <file path=customXml/itemProps3.xml><?xml version="1.0" encoding="utf-8"?>
-<ds:datastoreItem xmlns:ds="http://schemas.openxmlformats.org/officeDocument/2006/customXml" ds:itemID="{9CE40E7B-A2C7-4778-9F2A-6D23000DC7D5}">
+<ds:datastoreItem xmlns:ds="http://schemas.openxmlformats.org/officeDocument/2006/customXml" ds:itemID="{F09E12DB-F876-4C59-A411-726D3126721E}">
   <ds:schemaRefs>
-    <ds:schemaRef ds:uri="http://schemas.microsoft.com/sharepoint/v3/contenttype/forms"/>
+    <ds:schemaRef ds:uri="http://purl.org/dc/dcmitype/"/>
+    <ds:schemaRef ds:uri="http://purl.org/dc/elements/1.1/"/>
+    <ds:schemaRef ds:uri="http://schemas.openxmlformats.org/package/2006/metadata/core-properties"/>
+    <ds:schemaRef ds:uri="http://schemas.microsoft.com/office/2006/documentManagement/types"/>
+    <ds:schemaRef ds:uri="http://www.w3.org/XML/1998/namespace"/>
+    <ds:schemaRef ds:uri="238ac175-5152-443e-bf42-417a27926292"/>
+    <ds:schemaRef ds:uri="http://schemas.microsoft.com/office/2006/metadata/properties"/>
+    <ds:schemaRef ds:uri="http://purl.org/dc/terms/"/>
   </ds:schemaRefs>
 </ds:datastoreItem>
 </file>
--- a/doc/CS1/Task11/Präsentation_CS1_Task11.pptx
+++ b/doc/CS1/Task11/Präsentation_CS1_Task11.pptx
@@ -5,18 +5,17 @@
     <p:sldMasterId id="2147483669" r:id="rId4"/>
   </p:sldMasterIdLst>
   <p:notesMasterIdLst>
-    <p:notesMasterId r:id="rId14"/>
+    <p:notesMasterId r:id="rId13"/>
   </p:notesMasterIdLst>
   <p:sldIdLst>
     <p:sldId id="256" r:id="rId5"/>
     <p:sldId id="258" r:id="rId6"/>
     <p:sldId id="261" r:id="rId7"/>
-    <p:sldId id="266" r:id="rId8"/>
-    <p:sldId id="265" r:id="rId9"/>
-    <p:sldId id="262" r:id="rId10"/>
-    <p:sldId id="264" r:id="rId11"/>
-    <p:sldId id="263" r:id="rId12"/>
-    <p:sldId id="259" r:id="rId13"/>
+    <p:sldId id="265" r:id="rId8"/>
+    <p:sldId id="262" r:id="rId9"/>
+    <p:sldId id="264" r:id="rId10"/>
+    <p:sldId id="263" r:id="rId11"/>
+    <p:sldId id="259" r:id="rId12"/>
   </p:sldIdLst>
   <p:sldSz cx="12207875" cy="6858000"/>
   <p:notesSz cx="6797675" cy="9872663"/>
@@ -147,7 +146,7 @@
   </p:defaultTextStyle>
   <p:extLst>
     <p:ext uri="{EFAFB233-063F-42B5-8137-9DF3F51BA10A}">
-      <p15:sldGuideLst xmlns:p15="http://schemas.microsoft.com/office/powerpoint/2012/main" xmlns="">
+      <p15:sldGuideLst xmlns:p15="http://schemas.microsoft.com/office/powerpoint/2012/main">
         <p15:guide id="1" orient="horz" pos="2160">
           <p15:clr>
             <a:srgbClr val="A4A3A4"/>
@@ -165,9 +164,9 @@
 </file>
 
 <file path=ppt/charts/chart1.xml><?xml version="1.0" encoding="utf-8"?>
-<c:chartSpace xmlns:c="http://schemas.openxmlformats.org/drawingml/2006/chart" xmlns:a="http://schemas.openxmlformats.org/drawingml/2006/main" xmlns:r="http://schemas.openxmlformats.org/officeDocument/2006/relationships">
+<c:chartSpace xmlns:c="http://schemas.openxmlformats.org/drawingml/2006/chart" xmlns:a="http://schemas.openxmlformats.org/drawingml/2006/main" xmlns:r="http://schemas.openxmlformats.org/officeDocument/2006/relationships" xmlns:c16r2="http://schemas.microsoft.com/office/drawing/2015/06/chart">
   <c:date1904 val="0"/>
-  <c:lang val="de-CH"/>
+  <c:lang val="en-US"/>
   <c:roundedCorners val="0"/>
   <mc:AlternateContent xmlns:mc="http://schemas.openxmlformats.org/markup-compatibility/2006">
     <mc:Choice xmlns:c14="http://schemas.microsoft.com/office/drawing/2007/8/2/chart" Requires="c14">
@@ -204,7 +203,6 @@
           </a:p>
         </c:rich>
       </c:tx>
-      <c:layout/>
       <c:overlay val="0"/>
       <c:spPr>
         <a:noFill/>
@@ -213,6 +211,26 @@
         </a:ln>
         <a:effectLst/>
       </c:spPr>
+      <c:txPr>
+        <a:bodyPr rot="0" spcFirstLastPara="1" vertOverflow="ellipsis" vert="horz" wrap="square" anchor="ctr" anchorCtr="1"/>
+        <a:lstStyle/>
+        <a:p>
+          <a:pPr>
+            <a:defRPr sz="1400" b="0" i="0" u="none" strike="noStrike" kern="1200" spc="0" baseline="0">
+              <a:solidFill>
+                <a:schemeClr val="tx1">
+                  <a:lumMod val="65000"/>
+                  <a:lumOff val="35000"/>
+                </a:schemeClr>
+              </a:solidFill>
+              <a:latin typeface="+mn-lt"/>
+              <a:ea typeface="+mn-ea"/>
+              <a:cs typeface="+mn-cs"/>
+            </a:defRPr>
+          </a:pPr>
+          <a:endParaRPr lang="en-US"/>
+        </a:p>
+      </c:txPr>
     </c:title>
     <c:autoTitleDeleted val="0"/>
     <c:plotArea>
@@ -265,7 +283,7 @@
                     <a:cs typeface="+mn-cs"/>
                   </a:defRPr>
                 </a:pPr>
-                <a:endParaRPr lang="de-DE"/>
+                <a:endParaRPr lang="en-US"/>
               </a:p>
             </c:txPr>
             <c:dLblPos val="ctr"/>
@@ -276,7 +294,7 @@
             <c:showPercent val="0"/>
             <c:showBubbleSize val="0"/>
             <c:showLeaderLines val="0"/>
-            <c:extLst xmlns:c16r2="http://schemas.microsoft.com/office/drawing/2015/06/chart">
+            <c:extLst>
               <c:ext xmlns:c15="http://schemas.microsoft.com/office/drawing/2012/chart" uri="{CE6537A1-D6FC-4f65-9D91-7224C49458BB}">
                 <c15:showLeaderLines val="1"/>
                 <c15:leaderLines>
@@ -345,7 +363,7 @@
             </c:numRef>
           </c:val>
           <c:smooth val="0"/>
-          <c:extLst xmlns:c16r2="http://schemas.microsoft.com/office/drawing/2015/06/chart">
+          <c:extLst>
             <c:ext xmlns:c16="http://schemas.microsoft.com/office/drawing/2014/chart" uri="{C3380CC4-5D6E-409C-BE32-E72D297353CC}">
               <c16:uniqueId val="{00000000-D45A-4908-A40A-48AF744F6942}"/>
             </c:ext>
@@ -396,7 +414,7 @@
                     <a:cs typeface="+mn-cs"/>
                   </a:defRPr>
                 </a:pPr>
-                <a:endParaRPr lang="de-DE"/>
+                <a:endParaRPr lang="en-US"/>
               </a:p>
             </c:txPr>
             <c:dLblPos val="ctr"/>
@@ -407,7 +425,7 @@
             <c:showPercent val="0"/>
             <c:showBubbleSize val="0"/>
             <c:showLeaderLines val="0"/>
-            <c:extLst xmlns:c16r2="http://schemas.microsoft.com/office/drawing/2015/06/chart">
+            <c:extLst>
               <c:ext xmlns:c15="http://schemas.microsoft.com/office/drawing/2012/chart" uri="{CE6537A1-D6FC-4f65-9D91-7224C49458BB}">
                 <c15:showLeaderLines val="1"/>
                 <c15:leaderLines>
@@ -485,7 +503,7 @@
             </c:numRef>
           </c:val>
           <c:smooth val="0"/>
-          <c:extLst xmlns:c16r2="http://schemas.microsoft.com/office/drawing/2015/06/chart">
+          <c:extLst>
             <c:ext xmlns:c16="http://schemas.microsoft.com/office/drawing/2014/chart" uri="{C3380CC4-5D6E-409C-BE32-E72D297353CC}">
               <c16:uniqueId val="{00000001-D45A-4908-A40A-48AF744F6942}"/>
             </c:ext>
@@ -500,7 +518,6 @@
           <c:showPercent val="0"/>
           <c:showBubbleSize val="0"/>
         </c:dLbls>
-        <c:marker val="1"/>
         <c:smooth val="0"/>
         <c:axId val="150169088"/>
         <c:axId val="124931456"/>
@@ -538,7 +555,6 @@
               </a:p>
             </c:rich>
           </c:tx>
-          <c:layout/>
           <c:overlay val="0"/>
           <c:spPr>
             <a:noFill/>
@@ -547,6 +563,26 @@
             </a:ln>
             <a:effectLst/>
           </c:spPr>
+          <c:txPr>
+            <a:bodyPr rot="0" spcFirstLastPara="1" vertOverflow="ellipsis" vert="horz" wrap="square" anchor="ctr" anchorCtr="1"/>
+            <a:lstStyle/>
+            <a:p>
+              <a:pPr>
+                <a:defRPr sz="1000" b="0" i="0" u="none" strike="noStrike" kern="1200" baseline="0">
+                  <a:solidFill>
+                    <a:schemeClr val="tx1">
+                      <a:lumMod val="65000"/>
+                      <a:lumOff val="35000"/>
+                    </a:schemeClr>
+                  </a:solidFill>
+                  <a:latin typeface="+mn-lt"/>
+                  <a:ea typeface="+mn-ea"/>
+                  <a:cs typeface="+mn-cs"/>
+                </a:defRPr>
+              </a:pPr>
+              <a:endParaRPr lang="en-US"/>
+            </a:p>
+          </c:txPr>
         </c:title>
         <c:numFmt formatCode="General" sourceLinked="1"/>
         <c:majorTickMark val="none"/>
@@ -582,7 +618,7 @@
                 <a:cs typeface="+mn-cs"/>
               </a:defRPr>
             </a:pPr>
-            <a:endParaRPr lang="de-DE"/>
+            <a:endParaRPr lang="en-US"/>
           </a:p>
         </c:txPr>
         <c:crossAx val="124931456"/>
@@ -639,7 +675,6 @@
               </a:p>
             </c:rich>
           </c:tx>
-          <c:layout/>
           <c:overlay val="0"/>
           <c:spPr>
             <a:noFill/>
@@ -648,6 +683,26 @@
             </a:ln>
             <a:effectLst/>
           </c:spPr>
+          <c:txPr>
+            <a:bodyPr rot="-5400000" spcFirstLastPara="1" vertOverflow="ellipsis" vert="horz" wrap="square" anchor="ctr" anchorCtr="1"/>
+            <a:lstStyle/>
+            <a:p>
+              <a:pPr>
+                <a:defRPr sz="1000" b="0" i="0" u="none" strike="noStrike" kern="1200" baseline="0">
+                  <a:solidFill>
+                    <a:schemeClr val="tx1">
+                      <a:lumMod val="65000"/>
+                      <a:lumOff val="35000"/>
+                    </a:schemeClr>
+                  </a:solidFill>
+                  <a:latin typeface="+mn-lt"/>
+                  <a:ea typeface="+mn-ea"/>
+                  <a:cs typeface="+mn-cs"/>
+                </a:defRPr>
+              </a:pPr>
+              <a:endParaRPr lang="en-US"/>
+            </a:p>
+          </c:txPr>
         </c:title>
         <c:numFmt formatCode="General" sourceLinked="1"/>
         <c:majorTickMark val="none"/>
@@ -677,7 +732,7 @@
                 <a:cs typeface="+mn-cs"/>
               </a:defRPr>
             </a:pPr>
-            <a:endParaRPr lang="de-DE"/>
+            <a:endParaRPr lang="en-US"/>
           </a:p>
         </c:txPr>
         <c:crossAx val="150169088"/>
@@ -719,7 +774,7 @@
                 <a:cs typeface="+mn-cs"/>
               </a:defRPr>
             </a:pPr>
-            <a:endParaRPr lang="de-DE"/>
+            <a:endParaRPr lang="en-US"/>
           </a:p>
         </c:txPr>
       </c:dTable>
@@ -733,7 +788,6 @@
     </c:plotArea>
     <c:legend>
       <c:legendPos val="b"/>
-      <c:layout/>
       <c:overlay val="0"/>
       <c:spPr>
         <a:noFill/>
@@ -759,7 +813,7 @@
               <a:cs typeface="+mn-cs"/>
             </a:defRPr>
           </a:pPr>
-          <a:endParaRPr lang="de-DE"/>
+          <a:endParaRPr lang="en-US"/>
         </a:p>
       </c:txPr>
     </c:legend>
@@ -781,10 +835,10 @@
       <a:pPr>
         <a:defRPr/>
       </a:pPr>
-      <a:endParaRPr lang="de-DE"/>
+      <a:endParaRPr lang="en-US"/>
     </a:p>
   </c:txPr>
-  <c:externalData r:id="rId1">
+  <c:externalData r:id="rId3">
     <c:autoUpdate val="0"/>
   </c:externalData>
 </c:chartSpace>
@@ -1606,7 +1660,7 @@
               <a:pPr>
                 <a:defRPr/>
               </a:pPr>
-              <a:t>‹Nr.›</a:t>
+              <a:t>‹#›</a:t>
             </a:fld>
             <a:endParaRPr lang="de-CH"/>
           </a:p>
@@ -2027,17 +2081,9 @@
             <a:br>
               <a:rPr lang="de-DE" noProof="0" dirty="0"/>
             </a:br>
-            <a:r>
-              <a:rPr lang="de-DE" noProof="0" dirty="0"/>
-              <a:t/>
-            </a:r>
             <a:br>
               <a:rPr lang="de-DE" noProof="0" dirty="0"/>
             </a:br>
-            <a:r>
-              <a:rPr lang="de-DE" noProof="0" dirty="0"/>
-              <a:t/>
-            </a:r>
             <a:br>
               <a:rPr lang="de-DE" noProof="0" dirty="0"/>
             </a:br>
@@ -3105,7 +3151,7 @@
               <a:pPr>
                 <a:defRPr/>
               </a:pPr>
-              <a:t>‹Nr.›</a:t>
+              <a:t>‹#›</a:t>
             </a:fld>
             <a:endParaRPr lang="de-CH" dirty="0"/>
           </a:p>
@@ -3168,7 +3214,7 @@
               <a:pPr>
                 <a:defRPr/>
               </a:pPr>
-              <a:t>‹Nr.›</a:t>
+              <a:t>‹#›</a:t>
             </a:fld>
             <a:endParaRPr lang="de-CH" dirty="0"/>
           </a:p>
@@ -4223,7 +4269,7 @@
               <a:pPr>
                 <a:defRPr/>
               </a:pPr>
-              <a:t>‹Nr.›</a:t>
+              <a:t>‹#›</a:t>
             </a:fld>
             <a:endParaRPr lang="de-CH" dirty="0"/>
           </a:p>
@@ -4622,7 +4668,7 @@
               <a:pPr>
                 <a:defRPr/>
               </a:pPr>
-              <a:t>‹Nr.›</a:t>
+              <a:t>‹#›</a:t>
             </a:fld>
             <a:endParaRPr lang="de-CH" dirty="0"/>
           </a:p>
@@ -4859,7 +4905,7 @@
               <a:pPr>
                 <a:defRPr/>
               </a:pPr>
-              <a:t>‹Nr.›</a:t>
+              <a:t>‹#›</a:t>
             </a:fld>
             <a:endParaRPr lang="de-CH" dirty="0"/>
           </a:p>
@@ -5170,7 +5216,7 @@
               <a:pPr>
                 <a:defRPr/>
               </a:pPr>
-              <a:t>‹Nr.›</a:t>
+              <a:t>‹#›</a:t>
             </a:fld>
             <a:endParaRPr lang="de-CH" dirty="0"/>
           </a:p>
@@ -5703,7 +5749,7 @@
               <a:pPr>
                 <a:defRPr/>
               </a:pPr>
-              <a:t>‹Nr.›</a:t>
+              <a:t>‹#›</a:t>
             </a:fld>
             <a:endParaRPr lang="de-CH" dirty="0"/>
           </a:p>
@@ -6236,7 +6282,7 @@
               <a:pPr>
                 <a:defRPr/>
               </a:pPr>
-              <a:t>‹Nr.›</a:t>
+              <a:t>‹#›</a:t>
             </a:fld>
             <a:endParaRPr lang="de-CH" dirty="0"/>
           </a:p>
@@ -6961,7 +7007,7 @@
               <a:pPr>
                 <a:defRPr/>
               </a:pPr>
-              <a:t>‹Nr.›</a:t>
+              <a:t>‹#›</a:t>
             </a:fld>
             <a:endParaRPr lang="de-CH" dirty="0"/>
           </a:p>
@@ -7354,7 +7400,7 @@
               <a:pPr>
                 <a:defRPr/>
               </a:pPr>
-              <a:t>‹Nr.›</a:t>
+              <a:t>‹#›</a:t>
             </a:fld>
             <a:endParaRPr lang="de-CH" dirty="0"/>
           </a:p>
@@ -8163,13 +8209,6 @@
   <p:clrMapOvr>
     <a:masterClrMapping/>
   </p:clrMapOvr>
-  <p:timing>
-    <p:tnLst>
-      <p:par>
-        <p:cTn id="1" dur="indefinite" restart="never" nodeType="tmRoot"/>
-      </p:par>
-    </p:tnLst>
-  </p:timing>
 </p:sld>
 </file>
 
@@ -8207,11 +8246,7 @@
           <a:p>
             <a:r>
               <a:rPr lang="en-GB" dirty="0"/>
-              <a:t>Evaluation, </a:t>
-            </a:r>
-            <a:r>
-              <a:rPr lang="en-GB"/>
-              <a:t>GUI design </a:t>
+              <a:t>Evaluation, GUI design </a:t>
             </a:r>
           </a:p>
         </p:txBody>
@@ -8231,31 +8266,17 @@
           <a:bodyPr/>
           <a:lstStyle/>
           <a:p>
-            <a:endParaRPr lang="de-CH" dirty="0"/>
+            <a:r>
+              <a:rPr lang="de-CH" dirty="0" err="1"/>
+              <a:t>Vaadin</a:t>
+            </a:r>
+            <a:r>
+              <a:rPr lang="de-CH" dirty="0"/>
+              <a:t> Darstellung</a:t>
+            </a:r>
           </a:p>
         </p:txBody>
       </p:sp>
-      <p:pic>
-        <p:nvPicPr>
-          <p:cNvPr id="6" name="Grafik 5"/>
-          <p:cNvPicPr/>
-          <p:nvPr/>
-        </p:nvPicPr>
-        <p:blipFill rotWithShape="1">
-          <a:blip r:embed="rId2"/>
-          <a:srcRect b="16128"/>
-          <a:stretch/>
-        </p:blipFill>
-        <p:spPr>
-          <a:xfrm>
-            <a:off x="1413932" y="900000"/>
-            <a:ext cx="9330267" cy="5483867"/>
-          </a:xfrm>
-          <a:prstGeom prst="rect">
-            <a:avLst/>
-          </a:prstGeom>
-        </p:spPr>
-      </p:pic>
     </p:spTree>
     <p:extLst>
       <p:ext uri="{BB962C8B-B14F-4D97-AF65-F5344CB8AC3E}">
@@ -8266,99 +8287,10 @@
   <p:clrMapOvr>
     <a:masterClrMapping/>
   </p:clrMapOvr>
-  <p:timing>
-    <p:tnLst>
-      <p:par>
-        <p:cTn id="1" dur="indefinite" restart="never" nodeType="tmRoot"/>
-      </p:par>
-    </p:tnLst>
-  </p:timing>
 </p:sld>
 </file>
 
 <file path=ppt/slides/slide4.xml><?xml version="1.0" encoding="utf-8"?>
-<p:sld xmlns:a="http://schemas.openxmlformats.org/drawingml/2006/main" xmlns:r="http://schemas.openxmlformats.org/officeDocument/2006/relationships" xmlns:p="http://schemas.openxmlformats.org/presentationml/2006/main">
-  <p:cSld>
-    <p:spTree>
-      <p:nvGrpSpPr>
-        <p:cNvPr id="1" name=""/>
-        <p:cNvGrpSpPr/>
-        <p:nvPr/>
-      </p:nvGrpSpPr>
-      <p:grpSpPr>
-        <a:xfrm>
-          <a:off x="0" y="0"/>
-          <a:ext cx="0" cy="0"/>
-          <a:chOff x="0" y="0"/>
-          <a:chExt cx="0" cy="0"/>
-        </a:xfrm>
-      </p:grpSpPr>
-      <p:sp>
-        <p:nvSpPr>
-          <p:cNvPr id="3" name="Titel 2"/>
-          <p:cNvSpPr>
-            <a:spLocks noGrp="1"/>
-          </p:cNvSpPr>
-          <p:nvPr>
-            <p:ph type="ctrTitle"/>
-          </p:nvPr>
-        </p:nvSpPr>
-        <p:spPr/>
-        <p:txBody>
-          <a:bodyPr/>
-          <a:lstStyle/>
-          <a:p>
-            <a:endParaRPr lang="de-CH"/>
-          </a:p>
-        </p:txBody>
-      </p:sp>
-      <p:pic>
-        <p:nvPicPr>
-          <p:cNvPr id="4" name="Inhaltsplatzhalter 3"/>
-          <p:cNvPicPr>
-            <a:picLocks noGrp="1"/>
-          </p:cNvPicPr>
-          <p:nvPr>
-            <p:ph sz="half" idx="1"/>
-          </p:nvPr>
-        </p:nvPicPr>
-        <p:blipFill>
-          <a:blip r:embed="rId2"/>
-          <a:stretch>
-            <a:fillRect/>
-          </a:stretch>
-        </p:blipFill>
-        <p:spPr>
-          <a:xfrm>
-            <a:off x="1371600" y="360000"/>
-            <a:ext cx="8830733" cy="5947667"/>
-          </a:xfrm>
-          <a:prstGeom prst="rect">
-            <a:avLst/>
-          </a:prstGeom>
-        </p:spPr>
-      </p:pic>
-    </p:spTree>
-    <p:extLst>
-      <p:ext uri="{BB962C8B-B14F-4D97-AF65-F5344CB8AC3E}">
-        <p14:creationId xmlns:p14="http://schemas.microsoft.com/office/powerpoint/2010/main" val="594283384"/>
-      </p:ext>
-    </p:extLst>
-  </p:cSld>
-  <p:clrMapOvr>
-    <a:masterClrMapping/>
-  </p:clrMapOvr>
-  <p:timing>
-    <p:tnLst>
-      <p:par>
-        <p:cTn id="1" dur="indefinite" restart="never" nodeType="tmRoot"/>
-      </p:par>
-    </p:tnLst>
-  </p:timing>
-</p:sld>
-</file>
-
-<file path=ppt/slides/slide5.xml><?xml version="1.0" encoding="utf-8"?>
 <p:sld xmlns:a="http://schemas.openxmlformats.org/drawingml/2006/main" xmlns:r="http://schemas.openxmlformats.org/officeDocument/2006/relationships" xmlns:p="http://schemas.openxmlformats.org/presentationml/2006/main">
   <p:cSld>
     <p:spTree>
@@ -8426,17 +8358,10 @@
   <p:clrMapOvr>
     <a:masterClrMapping/>
   </p:clrMapOvr>
-  <p:timing>
-    <p:tnLst>
-      <p:par>
-        <p:cTn id="1" dur="indefinite" restart="never" nodeType="tmRoot"/>
-      </p:par>
-    </p:tnLst>
-  </p:timing>
 </p:sld>
 </file>
 
-<file path=ppt/slides/slide6.xml><?xml version="1.0" encoding="utf-8"?>
+<file path=ppt/slides/slide5.xml><?xml version="1.0" encoding="utf-8"?>
 <p:sld xmlns:a="http://schemas.openxmlformats.org/drawingml/2006/main" xmlns:r="http://schemas.openxmlformats.org/officeDocument/2006/relationships" xmlns:p="http://schemas.openxmlformats.org/presentationml/2006/main">
   <p:cSld>
     <p:spTree>
@@ -8739,84 +8664,84 @@
                 <a:gridCol w="294306">
                   <a:extLst>
                     <a:ext uri="{9D8B030D-6E8A-4147-A177-3AD203B41FA5}">
-                      <a16:colId xmlns:a16="http://schemas.microsoft.com/office/drawing/2014/main" xmlns="" val="1581582854"/>
+                      <a16:colId xmlns:a16="http://schemas.microsoft.com/office/drawing/2014/main" val="1581582854"/>
                     </a:ext>
                   </a:extLst>
                 </a:gridCol>
                 <a:gridCol w="370608">
                   <a:extLst>
                     <a:ext uri="{9D8B030D-6E8A-4147-A177-3AD203B41FA5}">
-                      <a16:colId xmlns:a16="http://schemas.microsoft.com/office/drawing/2014/main" xmlns="" val="4228139250"/>
+                      <a16:colId xmlns:a16="http://schemas.microsoft.com/office/drawing/2014/main" val="4228139250"/>
                     </a:ext>
                   </a:extLst>
                 </a:gridCol>
                 <a:gridCol w="1199024">
                   <a:extLst>
                     <a:ext uri="{9D8B030D-6E8A-4147-A177-3AD203B41FA5}">
-                      <a16:colId xmlns:a16="http://schemas.microsoft.com/office/drawing/2014/main" xmlns="" val="50605441"/>
+                      <a16:colId xmlns:a16="http://schemas.microsoft.com/office/drawing/2014/main" val="50605441"/>
                     </a:ext>
                   </a:extLst>
                 </a:gridCol>
                 <a:gridCol w="3411768">
                   <a:extLst>
                     <a:ext uri="{9D8B030D-6E8A-4147-A177-3AD203B41FA5}">
-                      <a16:colId xmlns:a16="http://schemas.microsoft.com/office/drawing/2014/main" xmlns="" val="2458272426"/>
+                      <a16:colId xmlns:a16="http://schemas.microsoft.com/office/drawing/2014/main" val="2458272426"/>
                     </a:ext>
                   </a:extLst>
                 </a:gridCol>
                 <a:gridCol w="1635032">
                   <a:extLst>
                     <a:ext uri="{9D8B030D-6E8A-4147-A177-3AD203B41FA5}">
-                      <a16:colId xmlns:a16="http://schemas.microsoft.com/office/drawing/2014/main" xmlns="" val="4087169654"/>
+                      <a16:colId xmlns:a16="http://schemas.microsoft.com/office/drawing/2014/main" val="4087169654"/>
                     </a:ext>
                   </a:extLst>
                 </a:gridCol>
                 <a:gridCol w="872017">
                   <a:extLst>
                     <a:ext uri="{9D8B030D-6E8A-4147-A177-3AD203B41FA5}">
-                      <a16:colId xmlns:a16="http://schemas.microsoft.com/office/drawing/2014/main" xmlns="" val="2272435237"/>
+                      <a16:colId xmlns:a16="http://schemas.microsoft.com/office/drawing/2014/main" val="2272435237"/>
                     </a:ext>
                   </a:extLst>
                 </a:gridCol>
                 <a:gridCol w="588611">
                   <a:extLst>
                     <a:ext uri="{9D8B030D-6E8A-4147-A177-3AD203B41FA5}">
-                      <a16:colId xmlns:a16="http://schemas.microsoft.com/office/drawing/2014/main" xmlns="" val="908593088"/>
+                      <a16:colId xmlns:a16="http://schemas.microsoft.com/office/drawing/2014/main" val="908593088"/>
                     </a:ext>
                   </a:extLst>
                 </a:gridCol>
                 <a:gridCol w="501411">
                   <a:extLst>
                     <a:ext uri="{9D8B030D-6E8A-4147-A177-3AD203B41FA5}">
-                      <a16:colId xmlns:a16="http://schemas.microsoft.com/office/drawing/2014/main" xmlns="" val="2734885908"/>
+                      <a16:colId xmlns:a16="http://schemas.microsoft.com/office/drawing/2014/main" val="2734885908"/>
                     </a:ext>
                   </a:extLst>
                 </a:gridCol>
                 <a:gridCol w="479610">
                   <a:extLst>
                     <a:ext uri="{9D8B030D-6E8A-4147-A177-3AD203B41FA5}">
-                      <a16:colId xmlns:a16="http://schemas.microsoft.com/office/drawing/2014/main" xmlns="" val="2056390426"/>
+                      <a16:colId xmlns:a16="http://schemas.microsoft.com/office/drawing/2014/main" val="2056390426"/>
                     </a:ext>
                   </a:extLst>
                 </a:gridCol>
                 <a:gridCol w="545010">
                   <a:extLst>
                     <a:ext uri="{9D8B030D-6E8A-4147-A177-3AD203B41FA5}">
-                      <a16:colId xmlns:a16="http://schemas.microsoft.com/office/drawing/2014/main" xmlns="" val="2155317258"/>
+                      <a16:colId xmlns:a16="http://schemas.microsoft.com/office/drawing/2014/main" val="2155317258"/>
                     </a:ext>
                   </a:extLst>
                 </a:gridCol>
                 <a:gridCol w="436009">
                   <a:extLst>
                     <a:ext uri="{9D8B030D-6E8A-4147-A177-3AD203B41FA5}">
-                      <a16:colId xmlns:a16="http://schemas.microsoft.com/office/drawing/2014/main" xmlns="" val="2692237743"/>
+                      <a16:colId xmlns:a16="http://schemas.microsoft.com/office/drawing/2014/main" val="2692237743"/>
                     </a:ext>
                   </a:extLst>
                 </a:gridCol>
                 <a:gridCol w="915618">
                   <a:extLst>
                     <a:ext uri="{9D8B030D-6E8A-4147-A177-3AD203B41FA5}">
-                      <a16:colId xmlns:a16="http://schemas.microsoft.com/office/drawing/2014/main" xmlns="" val="752048790"/>
+                      <a16:colId xmlns:a16="http://schemas.microsoft.com/office/drawing/2014/main" val="752048790"/>
                     </a:ext>
                   </a:extLst>
                 </a:gridCol>
@@ -9100,7 +9025,7 @@
                 </a:tc>
                 <a:extLst>
                   <a:ext uri="{0D108BD9-81ED-4DB2-BD59-A6C34878D82A}">
-                    <a16:rowId xmlns:a16="http://schemas.microsoft.com/office/drawing/2014/main" xmlns="" val="299307657"/>
+                    <a16:rowId xmlns:a16="http://schemas.microsoft.com/office/drawing/2014/main" val="299307657"/>
                   </a:ext>
                 </a:extLst>
               </a:tr>
@@ -9383,7 +9308,7 @@
                 </a:tc>
                 <a:extLst>
                   <a:ext uri="{0D108BD9-81ED-4DB2-BD59-A6C34878D82A}">
-                    <a16:rowId xmlns:a16="http://schemas.microsoft.com/office/drawing/2014/main" xmlns="" val="3576684137"/>
+                    <a16:rowId xmlns:a16="http://schemas.microsoft.com/office/drawing/2014/main" val="3576684137"/>
                   </a:ext>
                 </a:extLst>
               </a:tr>
@@ -9666,7 +9591,7 @@
                 </a:tc>
                 <a:extLst>
                   <a:ext uri="{0D108BD9-81ED-4DB2-BD59-A6C34878D82A}">
-                    <a16:rowId xmlns:a16="http://schemas.microsoft.com/office/drawing/2014/main" xmlns="" val="3813577196"/>
+                    <a16:rowId xmlns:a16="http://schemas.microsoft.com/office/drawing/2014/main" val="3813577196"/>
                   </a:ext>
                 </a:extLst>
               </a:tr>
@@ -9949,7 +9874,7 @@
                 </a:tc>
                 <a:extLst>
                   <a:ext uri="{0D108BD9-81ED-4DB2-BD59-A6C34878D82A}">
-                    <a16:rowId xmlns:a16="http://schemas.microsoft.com/office/drawing/2014/main" xmlns="" val="3990546036"/>
+                    <a16:rowId xmlns:a16="http://schemas.microsoft.com/office/drawing/2014/main" val="3990546036"/>
                   </a:ext>
                 </a:extLst>
               </a:tr>
@@ -10232,7 +10157,7 @@
                 </a:tc>
                 <a:extLst>
                   <a:ext uri="{0D108BD9-81ED-4DB2-BD59-A6C34878D82A}">
-                    <a16:rowId xmlns:a16="http://schemas.microsoft.com/office/drawing/2014/main" xmlns="" val="1221227713"/>
+                    <a16:rowId xmlns:a16="http://schemas.microsoft.com/office/drawing/2014/main" val="1221227713"/>
                   </a:ext>
                 </a:extLst>
               </a:tr>
@@ -10250,17 +10175,10 @@
   <p:clrMapOvr>
     <a:masterClrMapping/>
   </p:clrMapOvr>
-  <p:timing>
-    <p:tnLst>
-      <p:par>
-        <p:cTn id="1" dur="indefinite" restart="never" nodeType="tmRoot"/>
-      </p:par>
-    </p:tnLst>
-  </p:timing>
 </p:sld>
 </file>
 
-<file path=ppt/slides/slide7.xml><?xml version="1.0" encoding="utf-8"?>
+<file path=ppt/slides/slide6.xml><?xml version="1.0" encoding="utf-8"?>
 <p:sld xmlns:a="http://schemas.openxmlformats.org/drawingml/2006/main" xmlns:r="http://schemas.openxmlformats.org/officeDocument/2006/relationships" xmlns:p="http://schemas.openxmlformats.org/presentationml/2006/main">
   <p:cSld>
     <p:spTree>
@@ -10539,7 +10457,7 @@
           <p:cNvPr id="10" name="Chart 9">
             <a:extLst>
               <a:ext uri="{FF2B5EF4-FFF2-40B4-BE49-F238E27FC236}">
-                <a16:creationId xmlns:a16="http://schemas.microsoft.com/office/drawing/2014/main" xmlns="" id="{97255450-11E7-4F0C-93C8-00E68EF0BB4F}"/>
+                <a16:creationId xmlns:a16="http://schemas.microsoft.com/office/drawing/2014/main" id="{97255450-11E7-4F0C-93C8-00E68EF0BB4F}"/>
               </a:ext>
             </a:extLst>
           </p:cNvPr>
@@ -10716,7 +10634,7 @@
 </p:sld>
 </file>
 
-<file path=ppt/slides/slide8.xml><?xml version="1.0" encoding="utf-8"?>
+<file path=ppt/slides/slide7.xml><?xml version="1.0" encoding="utf-8"?>
 <p:sld xmlns:a="http://schemas.openxmlformats.org/drawingml/2006/main" xmlns:r="http://schemas.openxmlformats.org/officeDocument/2006/relationships" xmlns:p="http://schemas.openxmlformats.org/presentationml/2006/main">
   <p:cSld>
     <p:spTree>
@@ -10820,84 +10738,84 @@
                 <a:gridCol w="294306">
                   <a:extLst>
                     <a:ext uri="{9D8B030D-6E8A-4147-A177-3AD203B41FA5}">
-                      <a16:colId xmlns:a16="http://schemas.microsoft.com/office/drawing/2014/main" xmlns="" val="475861390"/>
+                      <a16:colId xmlns:a16="http://schemas.microsoft.com/office/drawing/2014/main" val="475861390"/>
                     </a:ext>
                   </a:extLst>
                 </a:gridCol>
                 <a:gridCol w="370608">
                   <a:extLst>
                     <a:ext uri="{9D8B030D-6E8A-4147-A177-3AD203B41FA5}">
-                      <a16:colId xmlns:a16="http://schemas.microsoft.com/office/drawing/2014/main" xmlns="" val="1769065204"/>
+                      <a16:colId xmlns:a16="http://schemas.microsoft.com/office/drawing/2014/main" val="1769065204"/>
                     </a:ext>
                   </a:extLst>
                 </a:gridCol>
                 <a:gridCol w="854589">
                   <a:extLst>
                     <a:ext uri="{9D8B030D-6E8A-4147-A177-3AD203B41FA5}">
-                      <a16:colId xmlns:a16="http://schemas.microsoft.com/office/drawing/2014/main" xmlns="" val="3743636707"/>
+                      <a16:colId xmlns:a16="http://schemas.microsoft.com/office/drawing/2014/main" val="3743636707"/>
                     </a:ext>
                   </a:extLst>
                 </a:gridCol>
                 <a:gridCol w="3756203">
                   <a:extLst>
                     <a:ext uri="{9D8B030D-6E8A-4147-A177-3AD203B41FA5}">
-                      <a16:colId xmlns:a16="http://schemas.microsoft.com/office/drawing/2014/main" xmlns="" val="2646478733"/>
+                      <a16:colId xmlns:a16="http://schemas.microsoft.com/office/drawing/2014/main" val="2646478733"/>
                     </a:ext>
                   </a:extLst>
                 </a:gridCol>
                 <a:gridCol w="1635032">
                   <a:extLst>
                     <a:ext uri="{9D8B030D-6E8A-4147-A177-3AD203B41FA5}">
-                      <a16:colId xmlns:a16="http://schemas.microsoft.com/office/drawing/2014/main" xmlns="" val="3805328897"/>
+                      <a16:colId xmlns:a16="http://schemas.microsoft.com/office/drawing/2014/main" val="3805328897"/>
                     </a:ext>
                   </a:extLst>
                 </a:gridCol>
                 <a:gridCol w="872017">
                   <a:extLst>
                     <a:ext uri="{9D8B030D-6E8A-4147-A177-3AD203B41FA5}">
-                      <a16:colId xmlns:a16="http://schemas.microsoft.com/office/drawing/2014/main" xmlns="" val="1477152197"/>
+                      <a16:colId xmlns:a16="http://schemas.microsoft.com/office/drawing/2014/main" val="1477152197"/>
                     </a:ext>
                   </a:extLst>
                 </a:gridCol>
                 <a:gridCol w="588611">
                   <a:extLst>
                     <a:ext uri="{9D8B030D-6E8A-4147-A177-3AD203B41FA5}">
-                      <a16:colId xmlns:a16="http://schemas.microsoft.com/office/drawing/2014/main" xmlns="" val="108243116"/>
+                      <a16:colId xmlns:a16="http://schemas.microsoft.com/office/drawing/2014/main" val="108243116"/>
                     </a:ext>
                   </a:extLst>
                 </a:gridCol>
                 <a:gridCol w="501410">
                   <a:extLst>
                     <a:ext uri="{9D8B030D-6E8A-4147-A177-3AD203B41FA5}">
-                      <a16:colId xmlns:a16="http://schemas.microsoft.com/office/drawing/2014/main" xmlns="" val="835247576"/>
+                      <a16:colId xmlns:a16="http://schemas.microsoft.com/office/drawing/2014/main" val="835247576"/>
                     </a:ext>
                   </a:extLst>
                 </a:gridCol>
                 <a:gridCol w="479610">
                   <a:extLst>
                     <a:ext uri="{9D8B030D-6E8A-4147-A177-3AD203B41FA5}">
-                      <a16:colId xmlns:a16="http://schemas.microsoft.com/office/drawing/2014/main" xmlns="" val="4250152116"/>
+                      <a16:colId xmlns:a16="http://schemas.microsoft.com/office/drawing/2014/main" val="4250152116"/>
                     </a:ext>
                   </a:extLst>
                 </a:gridCol>
                 <a:gridCol w="545011">
                   <a:extLst>
                     <a:ext uri="{9D8B030D-6E8A-4147-A177-3AD203B41FA5}">
-                      <a16:colId xmlns:a16="http://schemas.microsoft.com/office/drawing/2014/main" xmlns="" val="3902149122"/>
+                      <a16:colId xmlns:a16="http://schemas.microsoft.com/office/drawing/2014/main" val="3902149122"/>
                     </a:ext>
                   </a:extLst>
                 </a:gridCol>
                 <a:gridCol w="436009">
                   <a:extLst>
                     <a:ext uri="{9D8B030D-6E8A-4147-A177-3AD203B41FA5}">
-                      <a16:colId xmlns:a16="http://schemas.microsoft.com/office/drawing/2014/main" xmlns="" val="2723395586"/>
+                      <a16:colId xmlns:a16="http://schemas.microsoft.com/office/drawing/2014/main" val="2723395586"/>
                     </a:ext>
                   </a:extLst>
                 </a:gridCol>
                 <a:gridCol w="915619">
                   <a:extLst>
                     <a:ext uri="{9D8B030D-6E8A-4147-A177-3AD203B41FA5}">
-                      <a16:colId xmlns:a16="http://schemas.microsoft.com/office/drawing/2014/main" xmlns="" val="1003722045"/>
+                      <a16:colId xmlns:a16="http://schemas.microsoft.com/office/drawing/2014/main" val="1003722045"/>
                     </a:ext>
                   </a:extLst>
                 </a:gridCol>
@@ -11169,7 +11087,7 @@
                 </a:tc>
                 <a:extLst>
                   <a:ext uri="{0D108BD9-81ED-4DB2-BD59-A6C34878D82A}">
-                    <a16:rowId xmlns:a16="http://schemas.microsoft.com/office/drawing/2014/main" xmlns="" val="114231999"/>
+                    <a16:rowId xmlns:a16="http://schemas.microsoft.com/office/drawing/2014/main" val="114231999"/>
                   </a:ext>
                 </a:extLst>
               </a:tr>
@@ -11440,7 +11358,7 @@
                 </a:tc>
                 <a:extLst>
                   <a:ext uri="{0D108BD9-81ED-4DB2-BD59-A6C34878D82A}">
-                    <a16:rowId xmlns:a16="http://schemas.microsoft.com/office/drawing/2014/main" xmlns="" val="3694202679"/>
+                    <a16:rowId xmlns:a16="http://schemas.microsoft.com/office/drawing/2014/main" val="3694202679"/>
                   </a:ext>
                 </a:extLst>
               </a:tr>
@@ -11711,7 +11629,7 @@
                 </a:tc>
                 <a:extLst>
                   <a:ext uri="{0D108BD9-81ED-4DB2-BD59-A6C34878D82A}">
-                    <a16:rowId xmlns:a16="http://schemas.microsoft.com/office/drawing/2014/main" xmlns="" val="2702129055"/>
+                    <a16:rowId xmlns:a16="http://schemas.microsoft.com/office/drawing/2014/main" val="2702129055"/>
                   </a:ext>
                 </a:extLst>
               </a:tr>
@@ -11982,7 +11900,7 @@
                 </a:tc>
                 <a:extLst>
                   <a:ext uri="{0D108BD9-81ED-4DB2-BD59-A6C34878D82A}">
-                    <a16:rowId xmlns:a16="http://schemas.microsoft.com/office/drawing/2014/main" xmlns="" val="3374135725"/>
+                    <a16:rowId xmlns:a16="http://schemas.microsoft.com/office/drawing/2014/main" val="3374135725"/>
                   </a:ext>
                 </a:extLst>
               </a:tr>
@@ -12253,7 +12171,7 @@
                 </a:tc>
                 <a:extLst>
                   <a:ext uri="{0D108BD9-81ED-4DB2-BD59-A6C34878D82A}">
-                    <a16:rowId xmlns:a16="http://schemas.microsoft.com/office/drawing/2014/main" xmlns="" val="4116588445"/>
+                    <a16:rowId xmlns:a16="http://schemas.microsoft.com/office/drawing/2014/main" val="4116588445"/>
                   </a:ext>
                 </a:extLst>
               </a:tr>
@@ -12524,7 +12442,7 @@
                 </a:tc>
                 <a:extLst>
                   <a:ext uri="{0D108BD9-81ED-4DB2-BD59-A6C34878D82A}">
-                    <a16:rowId xmlns:a16="http://schemas.microsoft.com/office/drawing/2014/main" xmlns="" val="3465428816"/>
+                    <a16:rowId xmlns:a16="http://schemas.microsoft.com/office/drawing/2014/main" val="3465428816"/>
                   </a:ext>
                 </a:extLst>
               </a:tr>
@@ -12759,7 +12677,7 @@
 </p:sld>
 </file>
 
-<file path=ppt/slides/slide9.xml><?xml version="1.0" encoding="utf-8"?>
+<file path=ppt/slides/slide8.xml><?xml version="1.0" encoding="utf-8"?>
 <p:sld xmlns:a="http://schemas.openxmlformats.org/drawingml/2006/main" xmlns:r="http://schemas.openxmlformats.org/officeDocument/2006/relationships" xmlns:p="http://schemas.openxmlformats.org/presentationml/2006/main">
   <p:cSld>
     <p:spTree>
@@ -13497,12 +13415,13 @@
 </file>
 
 <file path=customXml/item1.xml><?xml version="1.0" encoding="utf-8"?>
-<?mso-contentType ?>
-<FormTemplates xmlns="http://schemas.microsoft.com/sharepoint/v3/contenttype/forms">
-  <Display>DocumentLibraryForm</Display>
-  <Edit>DocumentLibraryForm</Edit>
-  <New>DocumentLibraryForm</New>
-</FormTemplates>
+<p:properties xmlns:p="http://schemas.microsoft.com/office/2006/metadata/properties" xmlns:xsi="http://www.w3.org/2001/XMLSchema-instance">
+  <documentManagement>
+    <Betriebsystem xmlns="238ac175-5152-443e-bf42-417a27926292">Windows/Mac</Betriebsystem>
+    <Office_x002d_Version xmlns="238ac175-5152-443e-bf42-417a27926292">Office 2010/2011</Office_x002d_Version>
+    <Kategorie xmlns="238ac175-5152-443e-bf42-417a27926292">Powerpoint</Kategorie>
+  </documentManagement>
+</p:properties>
 </file>
 
 <file path=customXml/item2.xml><?xml version="1.0" encoding="utf-8"?>
@@ -13592,19 +13511,25 @@
 </file>
 
 <file path=customXml/item3.xml><?xml version="1.0" encoding="utf-8"?>
-<p:properties xmlns:p="http://schemas.microsoft.com/office/2006/metadata/properties" xmlns:xsi="http://www.w3.org/2001/XMLSchema-instance">
-  <documentManagement>
-    <Betriebsystem xmlns="238ac175-5152-443e-bf42-417a27926292">Windows/Mac</Betriebsystem>
-    <Office_x002d_Version xmlns="238ac175-5152-443e-bf42-417a27926292">Office 2010/2011</Office_x002d_Version>
-    <Kategorie xmlns="238ac175-5152-443e-bf42-417a27926292">Powerpoint</Kategorie>
-  </documentManagement>
-</p:properties>
+<?mso-contentType ?>
+<FormTemplates xmlns="http://schemas.microsoft.com/sharepoint/v3/contenttype/forms">
+  <Display>DocumentLibraryForm</Display>
+  <Edit>DocumentLibraryForm</Edit>
+  <New>DocumentLibraryForm</New>
+</FormTemplates>
 </file>
 
 <file path=customXml/itemProps1.xml><?xml version="1.0" encoding="utf-8"?>
-<ds:datastoreItem xmlns:ds="http://schemas.openxmlformats.org/officeDocument/2006/customXml" ds:itemID="{9CE40E7B-A2C7-4778-9F2A-6D23000DC7D5}">
+<ds:datastoreItem xmlns:ds="http://schemas.openxmlformats.org/officeDocument/2006/customXml" ds:itemID="{F09E12DB-F876-4C59-A411-726D3126721E}">
   <ds:schemaRefs>
-    <ds:schemaRef ds:uri="http://schemas.microsoft.com/sharepoint/v3/contenttype/forms"/>
+    <ds:schemaRef ds:uri="http://schemas.microsoft.com/office/2006/documentManagement/types"/>
+    <ds:schemaRef ds:uri="http://purl.org/dc/terms/"/>
+    <ds:schemaRef ds:uri="238ac175-5152-443e-bf42-417a27926292"/>
+    <ds:schemaRef ds:uri="http://purl.org/dc/dcmitype/"/>
+    <ds:schemaRef ds:uri="http://purl.org/dc/elements/1.1/"/>
+    <ds:schemaRef ds:uri="http://schemas.microsoft.com/office/2006/metadata/properties"/>
+    <ds:schemaRef ds:uri="http://schemas.openxmlformats.org/package/2006/metadata/core-properties"/>
+    <ds:schemaRef ds:uri="http://www.w3.org/XML/1998/namespace"/>
   </ds:schemaRefs>
 </ds:datastoreItem>
 </file>
@@ -13627,16 +13552,9 @@
 </file>
 
 <file path=customXml/itemProps3.xml><?xml version="1.0" encoding="utf-8"?>
-<ds:datastoreItem xmlns:ds="http://schemas.openxmlformats.org/officeDocument/2006/customXml" ds:itemID="{F09E12DB-F876-4C59-A411-726D3126721E}">
+<ds:datastoreItem xmlns:ds="http://schemas.openxmlformats.org/officeDocument/2006/customXml" ds:itemID="{9CE40E7B-A2C7-4778-9F2A-6D23000DC7D5}">
   <ds:schemaRefs>
-    <ds:schemaRef ds:uri="http://purl.org/dc/dcmitype/"/>
-    <ds:schemaRef ds:uri="http://purl.org/dc/elements/1.1/"/>
-    <ds:schemaRef ds:uri="http://schemas.openxmlformats.org/package/2006/metadata/core-properties"/>
-    <ds:schemaRef ds:uri="http://schemas.microsoft.com/office/2006/documentManagement/types"/>
-    <ds:schemaRef ds:uri="http://www.w3.org/XML/1998/namespace"/>
-    <ds:schemaRef ds:uri="238ac175-5152-443e-bf42-417a27926292"/>
-    <ds:schemaRef ds:uri="http://schemas.microsoft.com/office/2006/metadata/properties"/>
-    <ds:schemaRef ds:uri="http://purl.org/dc/terms/"/>
+    <ds:schemaRef ds:uri="http://schemas.microsoft.com/sharepoint/v3/contenttype/forms"/>
   </ds:schemaRefs>
 </ds:datastoreItem>
 </file>